--- a/Prove_Tableau/Bozza della visualizzazione.pptx
+++ b/Prove_Tableau/Bozza della visualizzazione.pptx
@@ -7,6 +7,7 @@
   <p:sldIdLst>
     <p:sldId id="256" r:id="rId2"/>
     <p:sldId id="257" r:id="rId3"/>
+    <p:sldId id="258" r:id="rId4"/>
   </p:sldIdLst>
   <p:sldSz cx="12192000" cy="6858000"/>
   <p:notesSz cx="6858000" cy="9144000"/>
@@ -126,7 +127,7 @@
   <pc:docChgLst>
     <pc:chgData name="g.carbone8@campus.unimib.it" userId="b00d38c9-59ca-445d-a206-84026ffe8624" providerId="ADAL" clId="{08CD40F2-EDD6-4A15-B8CD-42C4223A8E6F}"/>
     <pc:docChg chg="undo custSel addSld modSld">
-      <pc:chgData name="g.carbone8@campus.unimib.it" userId="b00d38c9-59ca-445d-a206-84026ffe8624" providerId="ADAL" clId="{08CD40F2-EDD6-4A15-B8CD-42C4223A8E6F}" dt="2022-01-28T03:33:58.082" v="1368"/>
+      <pc:chgData name="g.carbone8@campus.unimib.it" userId="b00d38c9-59ca-445d-a206-84026ffe8624" providerId="ADAL" clId="{08CD40F2-EDD6-4A15-B8CD-42C4223A8E6F}" dt="2022-01-29T03:10:14.556" v="1385" actId="208"/>
       <pc:docMkLst>
         <pc:docMk/>
       </pc:docMkLst>
@@ -557,6 +558,37 @@
             <pc:docMk/>
             <pc:sldMk cId="1010196870" sldId="257"/>
             <ac:cxnSpMk id="49" creationId="{C0C64E8C-135C-404F-AA73-EA4FD30DF277}"/>
+          </ac:cxnSpMkLst>
+        </pc:cxnChg>
+      </pc:sldChg>
+      <pc:sldChg chg="addSp delSp modSp new mod">
+        <pc:chgData name="g.carbone8@campus.unimib.it" userId="b00d38c9-59ca-445d-a206-84026ffe8624" providerId="ADAL" clId="{08CD40F2-EDD6-4A15-B8CD-42C4223A8E6F}" dt="2022-01-29T03:10:14.556" v="1385" actId="208"/>
+        <pc:sldMkLst>
+          <pc:docMk/>
+          <pc:sldMk cId="108039722" sldId="258"/>
+        </pc:sldMkLst>
+        <pc:spChg chg="del">
+          <ac:chgData name="g.carbone8@campus.unimib.it" userId="b00d38c9-59ca-445d-a206-84026ffe8624" providerId="ADAL" clId="{08CD40F2-EDD6-4A15-B8CD-42C4223A8E6F}" dt="2022-01-29T01:46:52.384" v="1370" actId="478"/>
+          <ac:spMkLst>
+            <pc:docMk/>
+            <pc:sldMk cId="108039722" sldId="258"/>
+            <ac:spMk id="2" creationId="{78C2DFBA-DBC4-4F3E-A19F-02C433C57C18}"/>
+          </ac:spMkLst>
+        </pc:spChg>
+        <pc:spChg chg="del">
+          <ac:chgData name="g.carbone8@campus.unimib.it" userId="b00d38c9-59ca-445d-a206-84026ffe8624" providerId="ADAL" clId="{08CD40F2-EDD6-4A15-B8CD-42C4223A8E6F}" dt="2022-01-29T01:46:56.076" v="1371" actId="478"/>
+          <ac:spMkLst>
+            <pc:docMk/>
+            <pc:sldMk cId="108039722" sldId="258"/>
+            <ac:spMk id="3" creationId="{62703F62-D048-4BFD-9923-5031055118B8}"/>
+          </ac:spMkLst>
+        </pc:spChg>
+        <pc:cxnChg chg="add mod">
+          <ac:chgData name="g.carbone8@campus.unimib.it" userId="b00d38c9-59ca-445d-a206-84026ffe8624" providerId="ADAL" clId="{08CD40F2-EDD6-4A15-B8CD-42C4223A8E6F}" dt="2022-01-29T03:10:14.556" v="1385" actId="208"/>
+          <ac:cxnSpMkLst>
+            <pc:docMk/>
+            <pc:sldMk cId="108039722" sldId="258"/>
+            <ac:cxnSpMk id="5" creationId="{713AA10F-0E9D-4402-93F5-AAD9DC254E4F}"/>
           </ac:cxnSpMkLst>
         </pc:cxnChg>
       </pc:sldChg>
@@ -1680,7 +1712,7 @@
           <a:p>
             <a:fld id="{C8D008D8-254F-457E-91CC-5CB89A81E178}" type="datetimeFigureOut">
               <a:rPr lang="it-IT" smtClean="0"/>
-              <a:t>27/01/2022</a:t>
+              <a:t>29/01/2022</a:t>
             </a:fld>
             <a:endParaRPr lang="it-IT"/>
           </a:p>
@@ -1878,7 +1910,7 @@
           <a:p>
             <a:fld id="{C8D008D8-254F-457E-91CC-5CB89A81E178}" type="datetimeFigureOut">
               <a:rPr lang="it-IT" smtClean="0"/>
-              <a:t>27/01/2022</a:t>
+              <a:t>29/01/2022</a:t>
             </a:fld>
             <a:endParaRPr lang="it-IT"/>
           </a:p>
@@ -2086,7 +2118,7 @@
           <a:p>
             <a:fld id="{C8D008D8-254F-457E-91CC-5CB89A81E178}" type="datetimeFigureOut">
               <a:rPr lang="it-IT" smtClean="0"/>
-              <a:t>27/01/2022</a:t>
+              <a:t>29/01/2022</a:t>
             </a:fld>
             <a:endParaRPr lang="it-IT"/>
           </a:p>
@@ -2284,7 +2316,7 @@
           <a:p>
             <a:fld id="{C8D008D8-254F-457E-91CC-5CB89A81E178}" type="datetimeFigureOut">
               <a:rPr lang="it-IT" smtClean="0"/>
-              <a:t>27/01/2022</a:t>
+              <a:t>29/01/2022</a:t>
             </a:fld>
             <a:endParaRPr lang="it-IT"/>
           </a:p>
@@ -2559,7 +2591,7 @@
           <a:p>
             <a:fld id="{C8D008D8-254F-457E-91CC-5CB89A81E178}" type="datetimeFigureOut">
               <a:rPr lang="it-IT" smtClean="0"/>
-              <a:t>27/01/2022</a:t>
+              <a:t>29/01/2022</a:t>
             </a:fld>
             <a:endParaRPr lang="it-IT"/>
           </a:p>
@@ -2824,7 +2856,7 @@
           <a:p>
             <a:fld id="{C8D008D8-254F-457E-91CC-5CB89A81E178}" type="datetimeFigureOut">
               <a:rPr lang="it-IT" smtClean="0"/>
-              <a:t>27/01/2022</a:t>
+              <a:t>29/01/2022</a:t>
             </a:fld>
             <a:endParaRPr lang="it-IT"/>
           </a:p>
@@ -3236,7 +3268,7 @@
           <a:p>
             <a:fld id="{C8D008D8-254F-457E-91CC-5CB89A81E178}" type="datetimeFigureOut">
               <a:rPr lang="it-IT" smtClean="0"/>
-              <a:t>27/01/2022</a:t>
+              <a:t>29/01/2022</a:t>
             </a:fld>
             <a:endParaRPr lang="it-IT"/>
           </a:p>
@@ -3377,7 +3409,7 @@
           <a:p>
             <a:fld id="{C8D008D8-254F-457E-91CC-5CB89A81E178}" type="datetimeFigureOut">
               <a:rPr lang="it-IT" smtClean="0"/>
-              <a:t>27/01/2022</a:t>
+              <a:t>29/01/2022</a:t>
             </a:fld>
             <a:endParaRPr lang="it-IT"/>
           </a:p>
@@ -3490,7 +3522,7 @@
           <a:p>
             <a:fld id="{C8D008D8-254F-457E-91CC-5CB89A81E178}" type="datetimeFigureOut">
               <a:rPr lang="it-IT" smtClean="0"/>
-              <a:t>27/01/2022</a:t>
+              <a:t>29/01/2022</a:t>
             </a:fld>
             <a:endParaRPr lang="it-IT"/>
           </a:p>
@@ -3801,7 +3833,7 @@
           <a:p>
             <a:fld id="{C8D008D8-254F-457E-91CC-5CB89A81E178}" type="datetimeFigureOut">
               <a:rPr lang="it-IT" smtClean="0"/>
-              <a:t>27/01/2022</a:t>
+              <a:t>29/01/2022</a:t>
             </a:fld>
             <a:endParaRPr lang="it-IT"/>
           </a:p>
@@ -4089,7 +4121,7 @@
           <a:p>
             <a:fld id="{C8D008D8-254F-457E-91CC-5CB89A81E178}" type="datetimeFigureOut">
               <a:rPr lang="it-IT" smtClean="0"/>
-              <a:t>27/01/2022</a:t>
+              <a:t>29/01/2022</a:t>
             </a:fld>
             <a:endParaRPr lang="it-IT"/>
           </a:p>
@@ -4330,7 +4362,7 @@
           <a:p>
             <a:fld id="{C8D008D8-254F-457E-91CC-5CB89A81E178}" type="datetimeFigureOut">
               <a:rPr lang="it-IT" smtClean="0"/>
-              <a:t>27/01/2022</a:t>
+              <a:t>29/01/2022</a:t>
             </a:fld>
             <a:endParaRPr lang="it-IT"/>
           </a:p>
@@ -8502,6 +8534,80 @@
 </p:sld>
 </file>
 
+<file path=ppt/slides/slide3.xml><?xml version="1.0" encoding="utf-8"?>
+<p:sld xmlns:a="http://schemas.openxmlformats.org/drawingml/2006/main" xmlns:r="http://schemas.openxmlformats.org/officeDocument/2006/relationships" xmlns:p="http://schemas.openxmlformats.org/presentationml/2006/main">
+  <p:cSld>
+    <p:spTree>
+      <p:nvGrpSpPr>
+        <p:cNvPr id="1" name=""/>
+        <p:cNvGrpSpPr/>
+        <p:nvPr/>
+      </p:nvGrpSpPr>
+      <p:grpSpPr>
+        <a:xfrm>
+          <a:off x="0" y="0"/>
+          <a:ext cx="0" cy="0"/>
+          <a:chOff x="0" y="0"/>
+          <a:chExt cx="0" cy="0"/>
+        </a:xfrm>
+      </p:grpSpPr>
+      <p:cxnSp>
+        <p:nvCxnSpPr>
+          <p:cNvPr id="5" name="Connettore diritto 4">
+            <a:extLst>
+              <a:ext uri="{FF2B5EF4-FFF2-40B4-BE49-F238E27FC236}">
+                <a16:creationId xmlns:a16="http://schemas.microsoft.com/office/drawing/2014/main" id="{713AA10F-0E9D-4402-93F5-AAD9DC254E4F}"/>
+              </a:ext>
+            </a:extLst>
+          </p:cNvPr>
+          <p:cNvCxnSpPr/>
+          <p:nvPr/>
+        </p:nvCxnSpPr>
+        <p:spPr>
+          <a:xfrm>
+            <a:off x="3071004" y="629728"/>
+            <a:ext cx="0" cy="3329797"/>
+          </a:xfrm>
+          <a:prstGeom prst="line">
+            <a:avLst/>
+          </a:prstGeom>
+          <a:ln>
+            <a:solidFill>
+              <a:schemeClr val="tx1">
+                <a:lumMod val="65000"/>
+                <a:lumOff val="35000"/>
+              </a:schemeClr>
+            </a:solidFill>
+          </a:ln>
+        </p:spPr>
+        <p:style>
+          <a:lnRef idx="3">
+            <a:schemeClr val="accent3"/>
+          </a:lnRef>
+          <a:fillRef idx="0">
+            <a:schemeClr val="accent3"/>
+          </a:fillRef>
+          <a:effectRef idx="2">
+            <a:schemeClr val="accent3"/>
+          </a:effectRef>
+          <a:fontRef idx="minor">
+            <a:schemeClr val="tx1"/>
+          </a:fontRef>
+        </p:style>
+      </p:cxnSp>
+    </p:spTree>
+    <p:extLst>
+      <p:ext uri="{BB962C8B-B14F-4D97-AF65-F5344CB8AC3E}">
+        <p14:creationId xmlns:p14="http://schemas.microsoft.com/office/powerpoint/2010/main" val="108039722"/>
+      </p:ext>
+    </p:extLst>
+  </p:cSld>
+  <p:clrMapOvr>
+    <a:masterClrMapping/>
+  </p:clrMapOvr>
+</p:sld>
+</file>
+
 <file path=ppt/theme/theme1.xml><?xml version="1.0" encoding="utf-8"?>
 <a:theme xmlns:a="http://schemas.openxmlformats.org/drawingml/2006/main" name="Tema di Office">
   <a:themeElements>

--- a/Prove_Tableau/Bozza della visualizzazione.pptx
+++ b/Prove_Tableau/Bozza della visualizzazione.pptx
@@ -8,6 +8,12 @@
     <p:sldId id="256" r:id="rId2"/>
     <p:sldId id="257" r:id="rId3"/>
     <p:sldId id="258" r:id="rId4"/>
+    <p:sldId id="259" r:id="rId5"/>
+    <p:sldId id="260" r:id="rId6"/>
+    <p:sldId id="262" r:id="rId7"/>
+    <p:sldId id="263" r:id="rId8"/>
+    <p:sldId id="261" r:id="rId9"/>
+    <p:sldId id="264" r:id="rId10"/>
   </p:sldIdLst>
   <p:sldSz cx="12192000" cy="6858000"/>
   <p:notesSz cx="6858000" cy="9144000"/>
@@ -117,7 +123,7 @@
 <file path=ppt/revisionInfo.xml><?xml version="1.0" encoding="utf-8"?>
 <p1510:revInfo xmlns:a="http://schemas.openxmlformats.org/drawingml/2006/main" xmlns:r="http://schemas.openxmlformats.org/officeDocument/2006/relationships" xmlns:p1510="http://schemas.microsoft.com/office/powerpoint/2015/10/main">
   <p1510:revLst>
-    <p1510:client id="{08CD40F2-EDD6-4A15-B8CD-42C4223A8E6F}" v="164" dt="2022-01-28T03:33:58.083"/>
+    <p1510:client id="{08CD40F2-EDD6-4A15-B8CD-42C4223A8E6F}" v="177" dt="2022-01-31T04:40:37.222"/>
   </p1510:revLst>
 </p1510:revInfo>
 </file>
@@ -127,7 +133,7 @@
   <pc:docChgLst>
     <pc:chgData name="g.carbone8@campus.unimib.it" userId="b00d38c9-59ca-445d-a206-84026ffe8624" providerId="ADAL" clId="{08CD40F2-EDD6-4A15-B8CD-42C4223A8E6F}"/>
     <pc:docChg chg="undo custSel addSld modSld">
-      <pc:chgData name="g.carbone8@campus.unimib.it" userId="b00d38c9-59ca-445d-a206-84026ffe8624" providerId="ADAL" clId="{08CD40F2-EDD6-4A15-B8CD-42C4223A8E6F}" dt="2022-01-29T03:10:14.556" v="1385" actId="208"/>
+      <pc:chgData name="g.carbone8@campus.unimib.it" userId="b00d38c9-59ca-445d-a206-84026ffe8624" providerId="ADAL" clId="{08CD40F2-EDD6-4A15-B8CD-42C4223A8E6F}" dt="2022-01-31T14:50:57.475" v="1459" actId="22"/>
       <pc:docMkLst>
         <pc:docMk/>
       </pc:docMkLst>
@@ -562,7 +568,7 @@
         </pc:cxnChg>
       </pc:sldChg>
       <pc:sldChg chg="addSp delSp modSp new mod">
-        <pc:chgData name="g.carbone8@campus.unimib.it" userId="b00d38c9-59ca-445d-a206-84026ffe8624" providerId="ADAL" clId="{08CD40F2-EDD6-4A15-B8CD-42C4223A8E6F}" dt="2022-01-29T03:10:14.556" v="1385" actId="208"/>
+        <pc:chgData name="g.carbone8@campus.unimib.it" userId="b00d38c9-59ca-445d-a206-84026ffe8624" providerId="ADAL" clId="{08CD40F2-EDD6-4A15-B8CD-42C4223A8E6F}" dt="2022-01-30T02:13:35.856" v="1422" actId="2085"/>
         <pc:sldMkLst>
           <pc:docMk/>
           <pc:sldMk cId="108039722" sldId="258"/>
@@ -575,6 +581,14 @@
             <ac:spMk id="2" creationId="{78C2DFBA-DBC4-4F3E-A19F-02C433C57C18}"/>
           </ac:spMkLst>
         </pc:spChg>
+        <pc:spChg chg="add mod">
+          <ac:chgData name="g.carbone8@campus.unimib.it" userId="b00d38c9-59ca-445d-a206-84026ffe8624" providerId="ADAL" clId="{08CD40F2-EDD6-4A15-B8CD-42C4223A8E6F}" dt="2022-01-30T02:13:35.856" v="1422" actId="2085"/>
+          <ac:spMkLst>
+            <pc:docMk/>
+            <pc:sldMk cId="108039722" sldId="258"/>
+            <ac:spMk id="3" creationId="{39763B94-B1B7-4582-93A9-E7B6F5865F6F}"/>
+          </ac:spMkLst>
+        </pc:spChg>
         <pc:spChg chg="del">
           <ac:chgData name="g.carbone8@campus.unimib.it" userId="b00d38c9-59ca-445d-a206-84026ffe8624" providerId="ADAL" clId="{08CD40F2-EDD6-4A15-B8CD-42C4223A8E6F}" dt="2022-01-29T01:46:56.076" v="1371" actId="478"/>
           <ac:spMkLst>
@@ -583,6 +597,14 @@
             <ac:spMk id="3" creationId="{62703F62-D048-4BFD-9923-5031055118B8}"/>
           </ac:spMkLst>
         </pc:spChg>
+        <pc:picChg chg="del">
+          <ac:chgData name="g.carbone8@campus.unimib.it" userId="b00d38c9-59ca-445d-a206-84026ffe8624" providerId="ADAL" clId="{08CD40F2-EDD6-4A15-B8CD-42C4223A8E6F}" dt="2022-01-29T18:41:58.859" v="1386"/>
+          <ac:picMkLst>
+            <pc:docMk/>
+            <pc:sldMk cId="108039722" sldId="258"/>
+            <ac:picMk id="2" creationId="{19C9B616-483D-474A-9319-7A73707791C2}"/>
+          </ac:picMkLst>
+        </pc:picChg>
         <pc:cxnChg chg="add mod">
           <ac:chgData name="g.carbone8@campus.unimib.it" userId="b00d38c9-59ca-445d-a206-84026ffe8624" providerId="ADAL" clId="{08CD40F2-EDD6-4A15-B8CD-42C4223A8E6F}" dt="2022-01-29T03:10:14.556" v="1385" actId="208"/>
           <ac:cxnSpMkLst>
@@ -591,6 +613,328 @@
             <ac:cxnSpMk id="5" creationId="{713AA10F-0E9D-4402-93F5-AAD9DC254E4F}"/>
           </ac:cxnSpMkLst>
         </pc:cxnChg>
+      </pc:sldChg>
+      <pc:sldChg chg="addSp modSp mod">
+        <pc:chgData name="g.carbone8@campus.unimib.it" userId="b00d38c9-59ca-445d-a206-84026ffe8624" providerId="ADAL" clId="{08CD40F2-EDD6-4A15-B8CD-42C4223A8E6F}" dt="2022-01-29T20:50:55.625" v="1415" actId="208"/>
+        <pc:sldMkLst>
+          <pc:docMk/>
+          <pc:sldMk cId="2234466512" sldId="259"/>
+        </pc:sldMkLst>
+        <pc:spChg chg="mod">
+          <ac:chgData name="g.carbone8@campus.unimib.it" userId="b00d38c9-59ca-445d-a206-84026ffe8624" providerId="ADAL" clId="{08CD40F2-EDD6-4A15-B8CD-42C4223A8E6F}" dt="2022-01-29T18:47:45.724" v="1388" actId="208"/>
+          <ac:spMkLst>
+            <pc:docMk/>
+            <pc:sldMk cId="2234466512" sldId="259"/>
+            <ac:spMk id="7" creationId="{68F6DFF4-02B4-4BD2-A4A6-0E925A14FD05}"/>
+          </ac:spMkLst>
+        </pc:spChg>
+        <pc:spChg chg="mod">
+          <ac:chgData name="g.carbone8@campus.unimib.it" userId="b00d38c9-59ca-445d-a206-84026ffe8624" providerId="ADAL" clId="{08CD40F2-EDD6-4A15-B8CD-42C4223A8E6F}" dt="2022-01-29T20:50:55.625" v="1415" actId="208"/>
+          <ac:spMkLst>
+            <pc:docMk/>
+            <pc:sldMk cId="2234466512" sldId="259"/>
+            <ac:spMk id="8" creationId="{BD5CB66E-FA44-4782-96DC-68D29A21BA14}"/>
+          </ac:spMkLst>
+        </pc:spChg>
+        <pc:spChg chg="mod">
+          <ac:chgData name="g.carbone8@campus.unimib.it" userId="b00d38c9-59ca-445d-a206-84026ffe8624" providerId="ADAL" clId="{08CD40F2-EDD6-4A15-B8CD-42C4223A8E6F}" dt="2022-01-29T18:47:45.724" v="1388" actId="208"/>
+          <ac:spMkLst>
+            <pc:docMk/>
+            <pc:sldMk cId="2234466512" sldId="259"/>
+            <ac:spMk id="9" creationId="{40986B1A-62C2-4181-8FA3-79843AFF0957}"/>
+          </ac:spMkLst>
+        </pc:spChg>
+        <pc:spChg chg="add mod">
+          <ac:chgData name="g.carbone8@campus.unimib.it" userId="b00d38c9-59ca-445d-a206-84026ffe8624" providerId="ADAL" clId="{08CD40F2-EDD6-4A15-B8CD-42C4223A8E6F}" dt="2022-01-29T19:09:59.257" v="1411" actId="164"/>
+          <ac:spMkLst>
+            <pc:docMk/>
+            <pc:sldMk cId="2234466512" sldId="259"/>
+            <ac:spMk id="14" creationId="{43D0101F-7EEA-4C48-B6A2-0BE3308B84C0}"/>
+          </ac:spMkLst>
+        </pc:spChg>
+        <pc:grpChg chg="add mod">
+          <ac:chgData name="g.carbone8@campus.unimib.it" userId="b00d38c9-59ca-445d-a206-84026ffe8624" providerId="ADAL" clId="{08CD40F2-EDD6-4A15-B8CD-42C4223A8E6F}" dt="2022-01-29T19:09:59.257" v="1411" actId="164"/>
+          <ac:grpSpMkLst>
+            <pc:docMk/>
+            <pc:sldMk cId="2234466512" sldId="259"/>
+            <ac:grpSpMk id="2" creationId="{7621C9B7-C88E-4723-BCC3-E41890976DC4}"/>
+          </ac:grpSpMkLst>
+        </pc:grpChg>
+        <pc:grpChg chg="add mod">
+          <ac:chgData name="g.carbone8@campus.unimib.it" userId="b00d38c9-59ca-445d-a206-84026ffe8624" providerId="ADAL" clId="{08CD40F2-EDD6-4A15-B8CD-42C4223A8E6F}" dt="2022-01-29T19:09:59.257" v="1411" actId="164"/>
+          <ac:grpSpMkLst>
+            <pc:docMk/>
+            <pc:sldMk cId="2234466512" sldId="259"/>
+            <ac:grpSpMk id="29" creationId="{E17CB54B-3718-4CAB-BD69-6F6B4A5233D4}"/>
+          </ac:grpSpMkLst>
+        </pc:grpChg>
+        <pc:cxnChg chg="mod">
+          <ac:chgData name="g.carbone8@campus.unimib.it" userId="b00d38c9-59ca-445d-a206-84026ffe8624" providerId="ADAL" clId="{08CD40F2-EDD6-4A15-B8CD-42C4223A8E6F}" dt="2022-01-29T19:08:56.533" v="1400" actId="14100"/>
+          <ac:cxnSpMkLst>
+            <pc:docMk/>
+            <pc:sldMk cId="2234466512" sldId="259"/>
+            <ac:cxnSpMk id="10" creationId="{DEB9DC35-B84B-4486-BB57-C2B45C021C15}"/>
+          </ac:cxnSpMkLst>
+        </pc:cxnChg>
+        <pc:cxnChg chg="mod">
+          <ac:chgData name="g.carbone8@campus.unimib.it" userId="b00d38c9-59ca-445d-a206-84026ffe8624" providerId="ADAL" clId="{08CD40F2-EDD6-4A15-B8CD-42C4223A8E6F}" dt="2022-01-29T20:50:51.298" v="1414" actId="208"/>
+          <ac:cxnSpMkLst>
+            <pc:docMk/>
+            <pc:sldMk cId="2234466512" sldId="259"/>
+            <ac:cxnSpMk id="12" creationId="{CCA27DB4-9E55-4B77-9696-E0BA42BFA269}"/>
+          </ac:cxnSpMkLst>
+        </pc:cxnChg>
+        <pc:cxnChg chg="mod">
+          <ac:chgData name="g.carbone8@campus.unimib.it" userId="b00d38c9-59ca-445d-a206-84026ffe8624" providerId="ADAL" clId="{08CD40F2-EDD6-4A15-B8CD-42C4223A8E6F}" dt="2022-01-29T19:09:28.967" v="1408" actId="14100"/>
+          <ac:cxnSpMkLst>
+            <pc:docMk/>
+            <pc:sldMk cId="2234466512" sldId="259"/>
+            <ac:cxnSpMk id="13" creationId="{D21C5242-638C-4C4A-BB76-35120148F667}"/>
+          </ac:cxnSpMkLst>
+        </pc:cxnChg>
+        <pc:cxnChg chg="mod">
+          <ac:chgData name="g.carbone8@campus.unimib.it" userId="b00d38c9-59ca-445d-a206-84026ffe8624" providerId="ADAL" clId="{08CD40F2-EDD6-4A15-B8CD-42C4223A8E6F}" dt="2022-01-29T19:09:42.390" v="1410" actId="14100"/>
+          <ac:cxnSpMkLst>
+            <pc:docMk/>
+            <pc:sldMk cId="2234466512" sldId="259"/>
+            <ac:cxnSpMk id="15" creationId="{F5F12391-0CA2-45DC-B04A-ED419C9763CA}"/>
+          </ac:cxnSpMkLst>
+        </pc:cxnChg>
+        <pc:cxnChg chg="mod">
+          <ac:chgData name="g.carbone8@campus.unimib.it" userId="b00d38c9-59ca-445d-a206-84026ffe8624" providerId="ADAL" clId="{08CD40F2-EDD6-4A15-B8CD-42C4223A8E6F}" dt="2022-01-29T19:08:36.360" v="1397" actId="14100"/>
+          <ac:cxnSpMkLst>
+            <pc:docMk/>
+            <pc:sldMk cId="2234466512" sldId="259"/>
+            <ac:cxnSpMk id="18" creationId="{256C9EBA-1863-40EA-9CCB-9DEDC796E959}"/>
+          </ac:cxnSpMkLst>
+        </pc:cxnChg>
+      </pc:sldChg>
+      <pc:sldChg chg="addSp delSp modSp add mod">
+        <pc:chgData name="g.carbone8@campus.unimib.it" userId="b00d38c9-59ca-445d-a206-84026ffe8624" providerId="ADAL" clId="{08CD40F2-EDD6-4A15-B8CD-42C4223A8E6F}" dt="2022-01-31T04:40:37.222" v="1455" actId="164"/>
+        <pc:sldMkLst>
+          <pc:docMk/>
+          <pc:sldMk cId="623075224" sldId="260"/>
+        </pc:sldMkLst>
+        <pc:spChg chg="mod topLvl">
+          <ac:chgData name="g.carbone8@campus.unimib.it" userId="b00d38c9-59ca-445d-a206-84026ffe8624" providerId="ADAL" clId="{08CD40F2-EDD6-4A15-B8CD-42C4223A8E6F}" dt="2022-01-30T14:05:58.185" v="1429" actId="164"/>
+          <ac:spMkLst>
+            <pc:docMk/>
+            <pc:sldMk cId="623075224" sldId="260"/>
+            <ac:spMk id="7" creationId="{68F6DFF4-02B4-4BD2-A4A6-0E925A14FD05}"/>
+          </ac:spMkLst>
+        </pc:spChg>
+        <pc:spChg chg="mod topLvl">
+          <ac:chgData name="g.carbone8@campus.unimib.it" userId="b00d38c9-59ca-445d-a206-84026ffe8624" providerId="ADAL" clId="{08CD40F2-EDD6-4A15-B8CD-42C4223A8E6F}" dt="2022-01-30T14:05:58.185" v="1429" actId="164"/>
+          <ac:spMkLst>
+            <pc:docMk/>
+            <pc:sldMk cId="623075224" sldId="260"/>
+            <ac:spMk id="8" creationId="{BD5CB66E-FA44-4782-96DC-68D29A21BA14}"/>
+          </ac:spMkLst>
+        </pc:spChg>
+        <pc:spChg chg="mod topLvl">
+          <ac:chgData name="g.carbone8@campus.unimib.it" userId="b00d38c9-59ca-445d-a206-84026ffe8624" providerId="ADAL" clId="{08CD40F2-EDD6-4A15-B8CD-42C4223A8E6F}" dt="2022-01-30T14:05:58.185" v="1429" actId="164"/>
+          <ac:spMkLst>
+            <pc:docMk/>
+            <pc:sldMk cId="623075224" sldId="260"/>
+            <ac:spMk id="9" creationId="{40986B1A-62C2-4181-8FA3-79843AFF0957}"/>
+          </ac:spMkLst>
+        </pc:spChg>
+        <pc:spChg chg="mod topLvl">
+          <ac:chgData name="g.carbone8@campus.unimib.it" userId="b00d38c9-59ca-445d-a206-84026ffe8624" providerId="ADAL" clId="{08CD40F2-EDD6-4A15-B8CD-42C4223A8E6F}" dt="2022-01-30T14:05:42.112" v="1428" actId="164"/>
+          <ac:spMkLst>
+            <pc:docMk/>
+            <pc:sldMk cId="623075224" sldId="260"/>
+            <ac:spMk id="14" creationId="{43D0101F-7EEA-4C48-B6A2-0BE3308B84C0}"/>
+          </ac:spMkLst>
+        </pc:spChg>
+        <pc:grpChg chg="del mod topLvl">
+          <ac:chgData name="g.carbone8@campus.unimib.it" userId="b00d38c9-59ca-445d-a206-84026ffe8624" providerId="ADAL" clId="{08CD40F2-EDD6-4A15-B8CD-42C4223A8E6F}" dt="2022-01-30T14:04:34.429" v="1427" actId="165"/>
+          <ac:grpSpMkLst>
+            <pc:docMk/>
+            <pc:sldMk cId="623075224" sldId="260"/>
+            <ac:grpSpMk id="2" creationId="{7621C9B7-C88E-4723-BCC3-E41890976DC4}"/>
+          </ac:grpSpMkLst>
+        </pc:grpChg>
+        <pc:grpChg chg="add mod">
+          <ac:chgData name="g.carbone8@campus.unimib.it" userId="b00d38c9-59ca-445d-a206-84026ffe8624" providerId="ADAL" clId="{08CD40F2-EDD6-4A15-B8CD-42C4223A8E6F}" dt="2022-01-31T04:40:37.222" v="1455" actId="164"/>
+          <ac:grpSpMkLst>
+            <pc:docMk/>
+            <pc:sldMk cId="623075224" sldId="260"/>
+            <ac:grpSpMk id="3" creationId="{6BE5B7F9-B1BF-4658-AD05-215A9B06FFB9}"/>
+          </ac:grpSpMkLst>
+        </pc:grpChg>
+        <pc:grpChg chg="add mod">
+          <ac:chgData name="g.carbone8@campus.unimib.it" userId="b00d38c9-59ca-445d-a206-84026ffe8624" providerId="ADAL" clId="{08CD40F2-EDD6-4A15-B8CD-42C4223A8E6F}" dt="2022-01-31T04:39:25.685" v="1446" actId="1076"/>
+          <ac:grpSpMkLst>
+            <pc:docMk/>
+            <pc:sldMk cId="623075224" sldId="260"/>
+            <ac:grpSpMk id="4" creationId="{1C30A508-F1C8-4F7A-BB71-F25544594F55}"/>
+          </ac:grpSpMkLst>
+        </pc:grpChg>
+        <pc:grpChg chg="add mod">
+          <ac:chgData name="g.carbone8@campus.unimib.it" userId="b00d38c9-59ca-445d-a206-84026ffe8624" providerId="ADAL" clId="{08CD40F2-EDD6-4A15-B8CD-42C4223A8E6F}" dt="2022-01-31T04:40:37.222" v="1455" actId="164"/>
+          <ac:grpSpMkLst>
+            <pc:docMk/>
+            <pc:sldMk cId="623075224" sldId="260"/>
+            <ac:grpSpMk id="20" creationId="{CC6C0D10-BD78-43D5-A435-A6355E8AA3F4}"/>
+          </ac:grpSpMkLst>
+        </pc:grpChg>
+        <pc:grpChg chg="del mod">
+          <ac:chgData name="g.carbone8@campus.unimib.it" userId="b00d38c9-59ca-445d-a206-84026ffe8624" providerId="ADAL" clId="{08CD40F2-EDD6-4A15-B8CD-42C4223A8E6F}" dt="2022-01-30T14:04:21.145" v="1426" actId="165"/>
+          <ac:grpSpMkLst>
+            <pc:docMk/>
+            <pc:sldMk cId="623075224" sldId="260"/>
+            <ac:grpSpMk id="29" creationId="{E17CB54B-3718-4CAB-BD69-6F6B4A5233D4}"/>
+          </ac:grpSpMkLst>
+        </pc:grpChg>
+        <pc:cxnChg chg="mod topLvl">
+          <ac:chgData name="g.carbone8@campus.unimib.it" userId="b00d38c9-59ca-445d-a206-84026ffe8624" providerId="ADAL" clId="{08CD40F2-EDD6-4A15-B8CD-42C4223A8E6F}" dt="2022-01-30T14:05:58.185" v="1429" actId="164"/>
+          <ac:cxnSpMkLst>
+            <pc:docMk/>
+            <pc:sldMk cId="623075224" sldId="260"/>
+            <ac:cxnSpMk id="10" creationId="{DEB9DC35-B84B-4486-BB57-C2B45C021C15}"/>
+          </ac:cxnSpMkLst>
+        </pc:cxnChg>
+        <pc:cxnChg chg="mod topLvl">
+          <ac:chgData name="g.carbone8@campus.unimib.it" userId="b00d38c9-59ca-445d-a206-84026ffe8624" providerId="ADAL" clId="{08CD40F2-EDD6-4A15-B8CD-42C4223A8E6F}" dt="2022-01-30T14:05:58.185" v="1429" actId="164"/>
+          <ac:cxnSpMkLst>
+            <pc:docMk/>
+            <pc:sldMk cId="623075224" sldId="260"/>
+            <ac:cxnSpMk id="12" creationId="{CCA27DB4-9E55-4B77-9696-E0BA42BFA269}"/>
+          </ac:cxnSpMkLst>
+        </pc:cxnChg>
+        <pc:cxnChg chg="mod topLvl">
+          <ac:chgData name="g.carbone8@campus.unimib.it" userId="b00d38c9-59ca-445d-a206-84026ffe8624" providerId="ADAL" clId="{08CD40F2-EDD6-4A15-B8CD-42C4223A8E6F}" dt="2022-01-30T14:05:58.185" v="1429" actId="164"/>
+          <ac:cxnSpMkLst>
+            <pc:docMk/>
+            <pc:sldMk cId="623075224" sldId="260"/>
+            <ac:cxnSpMk id="13" creationId="{D21C5242-638C-4C4A-BB76-35120148F667}"/>
+          </ac:cxnSpMkLst>
+        </pc:cxnChg>
+        <pc:cxnChg chg="mod topLvl">
+          <ac:chgData name="g.carbone8@campus.unimib.it" userId="b00d38c9-59ca-445d-a206-84026ffe8624" providerId="ADAL" clId="{08CD40F2-EDD6-4A15-B8CD-42C4223A8E6F}" dt="2022-01-30T14:05:58.185" v="1429" actId="164"/>
+          <ac:cxnSpMkLst>
+            <pc:docMk/>
+            <pc:sldMk cId="623075224" sldId="260"/>
+            <ac:cxnSpMk id="15" creationId="{F5F12391-0CA2-45DC-B04A-ED419C9763CA}"/>
+          </ac:cxnSpMkLst>
+        </pc:cxnChg>
+        <pc:cxnChg chg="add mod">
+          <ac:chgData name="g.carbone8@campus.unimib.it" userId="b00d38c9-59ca-445d-a206-84026ffe8624" providerId="ADAL" clId="{08CD40F2-EDD6-4A15-B8CD-42C4223A8E6F}" dt="2022-01-31T04:40:37.222" v="1455" actId="164"/>
+          <ac:cxnSpMkLst>
+            <pc:docMk/>
+            <pc:sldMk cId="623075224" sldId="260"/>
+            <ac:cxnSpMk id="17" creationId="{9C4187ED-26F4-457E-9637-F83519EE1B75}"/>
+          </ac:cxnSpMkLst>
+        </pc:cxnChg>
+        <pc:cxnChg chg="mod topLvl">
+          <ac:chgData name="g.carbone8@campus.unimib.it" userId="b00d38c9-59ca-445d-a206-84026ffe8624" providerId="ADAL" clId="{08CD40F2-EDD6-4A15-B8CD-42C4223A8E6F}" dt="2022-01-31T04:39:31.400" v="1447" actId="14100"/>
+          <ac:cxnSpMkLst>
+            <pc:docMk/>
+            <pc:sldMk cId="623075224" sldId="260"/>
+            <ac:cxnSpMk id="18" creationId="{256C9EBA-1863-40EA-9CCB-9DEDC796E959}"/>
+          </ac:cxnSpMkLst>
+        </pc:cxnChg>
+        <pc:cxnChg chg="add mod">
+          <ac:chgData name="g.carbone8@campus.unimib.it" userId="b00d38c9-59ca-445d-a206-84026ffe8624" providerId="ADAL" clId="{08CD40F2-EDD6-4A15-B8CD-42C4223A8E6F}" dt="2022-01-31T04:40:37.222" v="1455" actId="164"/>
+          <ac:cxnSpMkLst>
+            <pc:docMk/>
+            <pc:sldMk cId="623075224" sldId="260"/>
+            <ac:cxnSpMk id="19" creationId="{4168F9CF-1F9B-46B5-857C-9A42D2436F60}"/>
+          </ac:cxnSpMkLst>
+        </pc:cxnChg>
+      </pc:sldChg>
+      <pc:sldChg chg="modSp add mod">
+        <pc:chgData name="g.carbone8@campus.unimib.it" userId="b00d38c9-59ca-445d-a206-84026ffe8624" providerId="ADAL" clId="{08CD40F2-EDD6-4A15-B8CD-42C4223A8E6F}" dt="2022-01-30T14:09:24.832" v="1432" actId="197"/>
+        <pc:sldMkLst>
+          <pc:docMk/>
+          <pc:sldMk cId="1929371349" sldId="261"/>
+        </pc:sldMkLst>
+        <pc:grpChg chg="mod">
+          <ac:chgData name="g.carbone8@campus.unimib.it" userId="b00d38c9-59ca-445d-a206-84026ffe8624" providerId="ADAL" clId="{08CD40F2-EDD6-4A15-B8CD-42C4223A8E6F}" dt="2022-01-30T14:09:24.832" v="1432" actId="197"/>
+          <ac:grpSpMkLst>
+            <pc:docMk/>
+            <pc:sldMk cId="1929371349" sldId="261"/>
+            <ac:grpSpMk id="3" creationId="{6BE5B7F9-B1BF-4658-AD05-215A9B06FFB9}"/>
+          </ac:grpSpMkLst>
+        </pc:grpChg>
+        <pc:grpChg chg="mod">
+          <ac:chgData name="g.carbone8@campus.unimib.it" userId="b00d38c9-59ca-445d-a206-84026ffe8624" providerId="ADAL" clId="{08CD40F2-EDD6-4A15-B8CD-42C4223A8E6F}" dt="2022-01-30T14:07:50.415" v="1431" actId="197"/>
+          <ac:grpSpMkLst>
+            <pc:docMk/>
+            <pc:sldMk cId="1929371349" sldId="261"/>
+            <ac:grpSpMk id="4" creationId="{1C30A508-F1C8-4F7A-BB71-F25544594F55}"/>
+          </ac:grpSpMkLst>
+        </pc:grpChg>
+      </pc:sldChg>
+      <pc:sldChg chg="modSp add mod">
+        <pc:chgData name="g.carbone8@campus.unimib.it" userId="b00d38c9-59ca-445d-a206-84026ffe8624" providerId="ADAL" clId="{08CD40F2-EDD6-4A15-B8CD-42C4223A8E6F}" dt="2022-01-30T18:39:22.153" v="1434" actId="14100"/>
+        <pc:sldMkLst>
+          <pc:docMk/>
+          <pc:sldMk cId="980962369" sldId="262"/>
+        </pc:sldMkLst>
+        <pc:cxnChg chg="mod">
+          <ac:chgData name="g.carbone8@campus.unimib.it" userId="b00d38c9-59ca-445d-a206-84026ffe8624" providerId="ADAL" clId="{08CD40F2-EDD6-4A15-B8CD-42C4223A8E6F}" dt="2022-01-30T18:39:22.153" v="1434" actId="14100"/>
+          <ac:cxnSpMkLst>
+            <pc:docMk/>
+            <pc:sldMk cId="980962369" sldId="262"/>
+            <ac:cxnSpMk id="18" creationId="{256C9EBA-1863-40EA-9CCB-9DEDC796E959}"/>
+          </ac:cxnSpMkLst>
+        </pc:cxnChg>
+      </pc:sldChg>
+      <pc:sldChg chg="modSp add mod">
+        <pc:chgData name="g.carbone8@campus.unimib.it" userId="b00d38c9-59ca-445d-a206-84026ffe8624" providerId="ADAL" clId="{08CD40F2-EDD6-4A15-B8CD-42C4223A8E6F}" dt="2022-01-31T02:48:05.266" v="1444" actId="197"/>
+        <pc:sldMkLst>
+          <pc:docMk/>
+          <pc:sldMk cId="3228860322" sldId="263"/>
+        </pc:sldMkLst>
+        <pc:grpChg chg="mod">
+          <ac:chgData name="g.carbone8@campus.unimib.it" userId="b00d38c9-59ca-445d-a206-84026ffe8624" providerId="ADAL" clId="{08CD40F2-EDD6-4A15-B8CD-42C4223A8E6F}" dt="2022-01-31T02:48:05.266" v="1444" actId="197"/>
+          <ac:grpSpMkLst>
+            <pc:docMk/>
+            <pc:sldMk cId="3228860322" sldId="263"/>
+            <ac:grpSpMk id="4" creationId="{1C30A508-F1C8-4F7A-BB71-F25544594F55}"/>
+          </ac:grpSpMkLst>
+        </pc:grpChg>
+        <pc:cxnChg chg="mod">
+          <ac:chgData name="g.carbone8@campus.unimib.it" userId="b00d38c9-59ca-445d-a206-84026ffe8624" providerId="ADAL" clId="{08CD40F2-EDD6-4A15-B8CD-42C4223A8E6F}" dt="2022-01-31T02:47:48.866" v="1443" actId="1076"/>
+          <ac:cxnSpMkLst>
+            <pc:docMk/>
+            <pc:sldMk cId="3228860322" sldId="263"/>
+            <ac:cxnSpMk id="12" creationId="{CCA27DB4-9E55-4B77-9696-E0BA42BFA269}"/>
+          </ac:cxnSpMkLst>
+        </pc:cxnChg>
+      </pc:sldChg>
+      <pc:sldChg chg="addSp delSp new mod">
+        <pc:chgData name="g.carbone8@campus.unimib.it" userId="b00d38c9-59ca-445d-a206-84026ffe8624" providerId="ADAL" clId="{08CD40F2-EDD6-4A15-B8CD-42C4223A8E6F}" dt="2022-01-31T14:50:57.475" v="1459" actId="22"/>
+        <pc:sldMkLst>
+          <pc:docMk/>
+          <pc:sldMk cId="2896022669" sldId="264"/>
+        </pc:sldMkLst>
+        <pc:spChg chg="del">
+          <ac:chgData name="g.carbone8@campus.unimib.it" userId="b00d38c9-59ca-445d-a206-84026ffe8624" providerId="ADAL" clId="{08CD40F2-EDD6-4A15-B8CD-42C4223A8E6F}" dt="2022-01-31T14:48:25.156" v="1458" actId="478"/>
+          <ac:spMkLst>
+            <pc:docMk/>
+            <pc:sldMk cId="2896022669" sldId="264"/>
+            <ac:spMk id="2" creationId="{50E89229-4DDC-45FC-B013-9A75DCE564C0}"/>
+          </ac:spMkLst>
+        </pc:spChg>
+        <pc:spChg chg="del">
+          <ac:chgData name="g.carbone8@campus.unimib.it" userId="b00d38c9-59ca-445d-a206-84026ffe8624" providerId="ADAL" clId="{08CD40F2-EDD6-4A15-B8CD-42C4223A8E6F}" dt="2022-01-31T14:48:24.146" v="1457" actId="478"/>
+          <ac:spMkLst>
+            <pc:docMk/>
+            <pc:sldMk cId="2896022669" sldId="264"/>
+            <ac:spMk id="3" creationId="{80277B44-0E20-412B-90E0-E2C5F32CB47C}"/>
+          </ac:spMkLst>
+        </pc:spChg>
+        <pc:picChg chg="add">
+          <ac:chgData name="g.carbone8@campus.unimib.it" userId="b00d38c9-59ca-445d-a206-84026ffe8624" providerId="ADAL" clId="{08CD40F2-EDD6-4A15-B8CD-42C4223A8E6F}" dt="2022-01-31T14:50:57.475" v="1459" actId="22"/>
+          <ac:picMkLst>
+            <pc:docMk/>
+            <pc:sldMk cId="2896022669" sldId="264"/>
+            <ac:picMk id="5" creationId="{1581BB34-9F1E-40A4-AAC9-8758003FB30A}"/>
+          </ac:picMkLst>
+        </pc:picChg>
       </pc:sldChg>
     </pc:docChg>
   </pc:docChgLst>
@@ -8595,10 +8939,2887 @@
           </a:fontRef>
         </p:style>
       </p:cxnSp>
+      <p:sp>
+        <p:nvSpPr>
+          <p:cNvPr id="3" name="Rettangolo 2">
+            <a:extLst>
+              <a:ext uri="{FF2B5EF4-FFF2-40B4-BE49-F238E27FC236}">
+                <a16:creationId xmlns:a16="http://schemas.microsoft.com/office/drawing/2014/main" id="{39763B94-B1B7-4582-93A9-E7B6F5865F6F}"/>
+              </a:ext>
+            </a:extLst>
+          </p:cNvPr>
+          <p:cNvSpPr/>
+          <p:nvPr/>
+        </p:nvSpPr>
+        <p:spPr>
+          <a:xfrm>
+            <a:off x="5988050" y="1936750"/>
+            <a:ext cx="1250950" cy="552450"/>
+          </a:xfrm>
+          <a:prstGeom prst="rect">
+            <a:avLst/>
+          </a:prstGeom>
+          <a:noFill/>
+          <a:ln>
+            <a:noFill/>
+          </a:ln>
+        </p:spPr>
+        <p:style>
+          <a:lnRef idx="2">
+            <a:schemeClr val="accent1">
+              <a:shade val="50000"/>
+            </a:schemeClr>
+          </a:lnRef>
+          <a:fillRef idx="1">
+            <a:schemeClr val="accent1"/>
+          </a:fillRef>
+          <a:effectRef idx="0">
+            <a:schemeClr val="accent1"/>
+          </a:effectRef>
+          <a:fontRef idx="minor">
+            <a:schemeClr val="lt1"/>
+          </a:fontRef>
+        </p:style>
+        <p:txBody>
+          <a:bodyPr rtlCol="0" anchor="ctr"/>
+          <a:lstStyle/>
+          <a:p>
+            <a:pPr algn="ctr"/>
+            <a:endParaRPr lang="it-IT">
+              <a:noFill/>
+            </a:endParaRPr>
+          </a:p>
+        </p:txBody>
+      </p:sp>
     </p:spTree>
     <p:extLst>
       <p:ext uri="{BB962C8B-B14F-4D97-AF65-F5344CB8AC3E}">
         <p14:creationId xmlns:p14="http://schemas.microsoft.com/office/powerpoint/2010/main" val="108039722"/>
+      </p:ext>
+    </p:extLst>
+  </p:cSld>
+  <p:clrMapOvr>
+    <a:masterClrMapping/>
+  </p:clrMapOvr>
+</p:sld>
+</file>
+
+<file path=ppt/slides/slide4.xml><?xml version="1.0" encoding="utf-8"?>
+<p:sld xmlns:a="http://schemas.openxmlformats.org/drawingml/2006/main" xmlns:r="http://schemas.openxmlformats.org/officeDocument/2006/relationships" xmlns:p="http://schemas.openxmlformats.org/presentationml/2006/main">
+  <p:cSld>
+    <p:spTree>
+      <p:nvGrpSpPr>
+        <p:cNvPr id="1" name=""/>
+        <p:cNvGrpSpPr/>
+        <p:nvPr/>
+      </p:nvGrpSpPr>
+      <p:grpSpPr>
+        <a:xfrm>
+          <a:off x="0" y="0"/>
+          <a:ext cx="0" cy="0"/>
+          <a:chOff x="0" y="0"/>
+          <a:chExt cx="0" cy="0"/>
+        </a:xfrm>
+      </p:grpSpPr>
+      <p:pic>
+        <p:nvPicPr>
+          <p:cNvPr id="6" name="Immagine 5">
+            <a:extLst>
+              <a:ext uri="{FF2B5EF4-FFF2-40B4-BE49-F238E27FC236}">
+                <a16:creationId xmlns:a16="http://schemas.microsoft.com/office/drawing/2014/main" id="{220B8AB2-004F-4347-AF80-C1CFF0326794}"/>
+              </a:ext>
+            </a:extLst>
+          </p:cNvPr>
+          <p:cNvPicPr>
+            <a:picLocks noChangeAspect="1"/>
+          </p:cNvPicPr>
+          <p:nvPr/>
+        </p:nvPicPr>
+        <p:blipFill>
+          <a:blip r:embed="rId2"/>
+          <a:stretch>
+            <a:fillRect/>
+          </a:stretch>
+        </p:blipFill>
+        <p:spPr>
+          <a:xfrm>
+            <a:off x="1942314" y="364477"/>
+            <a:ext cx="8141118" cy="2711589"/>
+          </a:xfrm>
+          <a:prstGeom prst="rect">
+            <a:avLst/>
+          </a:prstGeom>
+        </p:spPr>
+      </p:pic>
+      <p:grpSp>
+        <p:nvGrpSpPr>
+          <p:cNvPr id="29" name="Gruppo 28">
+            <a:extLst>
+              <a:ext uri="{FF2B5EF4-FFF2-40B4-BE49-F238E27FC236}">
+                <a16:creationId xmlns:a16="http://schemas.microsoft.com/office/drawing/2014/main" id="{E17CB54B-3718-4CAB-BD69-6F6B4A5233D4}"/>
+              </a:ext>
+            </a:extLst>
+          </p:cNvPr>
+          <p:cNvGrpSpPr/>
+          <p:nvPr/>
+        </p:nvGrpSpPr>
+        <p:grpSpPr>
+          <a:xfrm>
+            <a:off x="2380575" y="3224196"/>
+            <a:ext cx="7587342" cy="888223"/>
+            <a:chOff x="2380575" y="3224196"/>
+            <a:chExt cx="7587342" cy="888223"/>
+          </a:xfrm>
+        </p:grpSpPr>
+        <p:grpSp>
+          <p:nvGrpSpPr>
+            <p:cNvPr id="2" name="Gruppo 1">
+              <a:extLst>
+                <a:ext uri="{FF2B5EF4-FFF2-40B4-BE49-F238E27FC236}">
+                  <a16:creationId xmlns:a16="http://schemas.microsoft.com/office/drawing/2014/main" id="{7621C9B7-C88E-4723-BCC3-E41890976DC4}"/>
+                </a:ext>
+              </a:extLst>
+            </p:cNvPr>
+            <p:cNvGrpSpPr/>
+            <p:nvPr/>
+          </p:nvGrpSpPr>
+          <p:grpSpPr>
+            <a:xfrm>
+              <a:off x="2380575" y="3224196"/>
+              <a:ext cx="6846277" cy="888223"/>
+              <a:chOff x="2380575" y="3224196"/>
+              <a:chExt cx="6846277" cy="888223"/>
+            </a:xfrm>
+          </p:grpSpPr>
+          <p:sp>
+            <p:nvSpPr>
+              <p:cNvPr id="7" name="Parentesi quadra aperta 6">
+                <a:extLst>
+                  <a:ext uri="{FF2B5EF4-FFF2-40B4-BE49-F238E27FC236}">
+                    <a16:creationId xmlns:a16="http://schemas.microsoft.com/office/drawing/2014/main" id="{68F6DFF4-02B4-4BD2-A4A6-0E925A14FD05}"/>
+                  </a:ext>
+                </a:extLst>
+              </p:cNvPr>
+              <p:cNvSpPr/>
+              <p:nvPr/>
+            </p:nvSpPr>
+            <p:spPr>
+              <a:xfrm rot="16200000">
+                <a:off x="3133573" y="2473280"/>
+                <a:ext cx="126631" cy="1632628"/>
+              </a:xfrm>
+              <a:prstGeom prst="leftBracket">
+                <a:avLst/>
+              </a:prstGeom>
+              <a:ln>
+                <a:solidFill>
+                  <a:schemeClr val="bg1">
+                    <a:lumMod val="50000"/>
+                  </a:schemeClr>
+                </a:solidFill>
+              </a:ln>
+            </p:spPr>
+            <p:style>
+              <a:lnRef idx="3">
+                <a:schemeClr val="accent3"/>
+              </a:lnRef>
+              <a:fillRef idx="0">
+                <a:schemeClr val="accent3"/>
+              </a:fillRef>
+              <a:effectRef idx="2">
+                <a:schemeClr val="accent3"/>
+              </a:effectRef>
+              <a:fontRef idx="minor">
+                <a:schemeClr val="tx1"/>
+              </a:fontRef>
+            </p:style>
+            <p:txBody>
+              <a:bodyPr rtlCol="0" anchor="ctr"/>
+              <a:lstStyle/>
+              <a:p>
+                <a:pPr algn="ctr"/>
+                <a:endParaRPr lang="it-IT"/>
+              </a:p>
+            </p:txBody>
+          </p:sp>
+          <p:sp>
+            <p:nvSpPr>
+              <p:cNvPr id="8" name="Parentesi quadra aperta 7">
+                <a:extLst>
+                  <a:ext uri="{FF2B5EF4-FFF2-40B4-BE49-F238E27FC236}">
+                    <a16:creationId xmlns:a16="http://schemas.microsoft.com/office/drawing/2014/main" id="{BD5CB66E-FA44-4782-96DC-68D29A21BA14}"/>
+                  </a:ext>
+                </a:extLst>
+              </p:cNvPr>
+              <p:cNvSpPr/>
+              <p:nvPr/>
+            </p:nvSpPr>
+            <p:spPr>
+              <a:xfrm rot="16200000">
+                <a:off x="5327022" y="2017191"/>
+                <a:ext cx="126631" cy="2544805"/>
+              </a:xfrm>
+              <a:prstGeom prst="leftBracket">
+                <a:avLst/>
+              </a:prstGeom>
+              <a:ln>
+                <a:solidFill>
+                  <a:schemeClr val="bg2"/>
+                </a:solidFill>
+              </a:ln>
+            </p:spPr>
+            <p:style>
+              <a:lnRef idx="3">
+                <a:schemeClr val="accent3"/>
+              </a:lnRef>
+              <a:fillRef idx="0">
+                <a:schemeClr val="accent3"/>
+              </a:fillRef>
+              <a:effectRef idx="2">
+                <a:schemeClr val="accent3"/>
+              </a:effectRef>
+              <a:fontRef idx="minor">
+                <a:schemeClr val="tx1"/>
+              </a:fontRef>
+            </p:style>
+            <p:txBody>
+              <a:bodyPr rtlCol="0" anchor="ctr"/>
+              <a:lstStyle/>
+              <a:p>
+                <a:pPr algn="ctr"/>
+                <a:endParaRPr lang="it-IT"/>
+              </a:p>
+            </p:txBody>
+          </p:sp>
+          <p:sp>
+            <p:nvSpPr>
+              <p:cNvPr id="9" name="Parentesi quadra aperta 8">
+                <a:extLst>
+                  <a:ext uri="{FF2B5EF4-FFF2-40B4-BE49-F238E27FC236}">
+                    <a16:creationId xmlns:a16="http://schemas.microsoft.com/office/drawing/2014/main" id="{40986B1A-62C2-4181-8FA3-79843AFF0957}"/>
+                  </a:ext>
+                </a:extLst>
+              </p:cNvPr>
+              <p:cNvSpPr/>
+              <p:nvPr/>
+            </p:nvSpPr>
+            <p:spPr>
+              <a:xfrm rot="16200000">
+                <a:off x="7520472" y="2471197"/>
+                <a:ext cx="126631" cy="1632630"/>
+              </a:xfrm>
+              <a:prstGeom prst="leftBracket">
+                <a:avLst/>
+              </a:prstGeom>
+              <a:ln>
+                <a:solidFill>
+                  <a:schemeClr val="bg1">
+                    <a:lumMod val="50000"/>
+                  </a:schemeClr>
+                </a:solidFill>
+              </a:ln>
+            </p:spPr>
+            <p:style>
+              <a:lnRef idx="3">
+                <a:schemeClr val="accent3"/>
+              </a:lnRef>
+              <a:fillRef idx="0">
+                <a:schemeClr val="accent3"/>
+              </a:fillRef>
+              <a:effectRef idx="2">
+                <a:schemeClr val="accent3"/>
+              </a:effectRef>
+              <a:fontRef idx="minor">
+                <a:schemeClr val="tx1"/>
+              </a:fontRef>
+            </p:style>
+            <p:txBody>
+              <a:bodyPr rtlCol="0" anchor="ctr"/>
+              <a:lstStyle/>
+              <a:p>
+                <a:pPr algn="ctr"/>
+                <a:endParaRPr lang="it-IT"/>
+              </a:p>
+            </p:txBody>
+          </p:sp>
+          <p:cxnSp>
+            <p:nvCxnSpPr>
+              <p:cNvPr id="10" name="Connettore diritto 9">
+                <a:extLst>
+                  <a:ext uri="{FF2B5EF4-FFF2-40B4-BE49-F238E27FC236}">
+                    <a16:creationId xmlns:a16="http://schemas.microsoft.com/office/drawing/2014/main" id="{DEB9DC35-B84B-4486-BB57-C2B45C021C15}"/>
+                  </a:ext>
+                </a:extLst>
+              </p:cNvPr>
+              <p:cNvCxnSpPr>
+                <a:cxnSpLocks/>
+                <a:stCxn id="7" idx="1"/>
+              </p:cNvCxnSpPr>
+              <p:nvPr/>
+            </p:nvCxnSpPr>
+            <p:spPr>
+              <a:xfrm flipH="1">
+                <a:off x="3196888" y="3352910"/>
+                <a:ext cx="1" cy="759509"/>
+              </a:xfrm>
+              <a:prstGeom prst="line">
+                <a:avLst/>
+              </a:prstGeom>
+              <a:ln>
+                <a:solidFill>
+                  <a:schemeClr val="bg1">
+                    <a:lumMod val="50000"/>
+                  </a:schemeClr>
+                </a:solidFill>
+              </a:ln>
+            </p:spPr>
+            <p:style>
+              <a:lnRef idx="3">
+                <a:schemeClr val="accent3"/>
+              </a:lnRef>
+              <a:fillRef idx="0">
+                <a:schemeClr val="accent3"/>
+              </a:fillRef>
+              <a:effectRef idx="2">
+                <a:schemeClr val="accent3"/>
+              </a:effectRef>
+              <a:fontRef idx="minor">
+                <a:schemeClr val="tx1"/>
+              </a:fontRef>
+            </p:style>
+          </p:cxnSp>
+          <p:cxnSp>
+            <p:nvCxnSpPr>
+              <p:cNvPr id="12" name="Connettore diritto 11">
+                <a:extLst>
+                  <a:ext uri="{FF2B5EF4-FFF2-40B4-BE49-F238E27FC236}">
+                    <a16:creationId xmlns:a16="http://schemas.microsoft.com/office/drawing/2014/main" id="{CCA27DB4-9E55-4B77-9696-E0BA42BFA269}"/>
+                  </a:ext>
+                </a:extLst>
+              </p:cNvPr>
+              <p:cNvCxnSpPr>
+                <a:cxnSpLocks/>
+                <a:stCxn id="8" idx="1"/>
+              </p:cNvCxnSpPr>
+              <p:nvPr/>
+            </p:nvCxnSpPr>
+            <p:spPr>
+              <a:xfrm>
+                <a:off x="5390338" y="3352909"/>
+                <a:ext cx="0" cy="731410"/>
+              </a:xfrm>
+              <a:prstGeom prst="line">
+                <a:avLst/>
+              </a:prstGeom>
+              <a:ln>
+                <a:solidFill>
+                  <a:schemeClr val="bg2"/>
+                </a:solidFill>
+              </a:ln>
+            </p:spPr>
+            <p:style>
+              <a:lnRef idx="3">
+                <a:schemeClr val="accent3"/>
+              </a:lnRef>
+              <a:fillRef idx="0">
+                <a:schemeClr val="accent3"/>
+              </a:fillRef>
+              <a:effectRef idx="2">
+                <a:schemeClr val="accent3"/>
+              </a:effectRef>
+              <a:fontRef idx="minor">
+                <a:schemeClr val="tx1"/>
+              </a:fontRef>
+            </p:style>
+          </p:cxnSp>
+          <p:cxnSp>
+            <p:nvCxnSpPr>
+              <p:cNvPr id="13" name="Connettore diritto 12">
+                <a:extLst>
+                  <a:ext uri="{FF2B5EF4-FFF2-40B4-BE49-F238E27FC236}">
+                    <a16:creationId xmlns:a16="http://schemas.microsoft.com/office/drawing/2014/main" id="{D21C5242-638C-4C4A-BB76-35120148F667}"/>
+                  </a:ext>
+                </a:extLst>
+              </p:cNvPr>
+              <p:cNvCxnSpPr>
+                <a:cxnSpLocks/>
+                <a:stCxn id="9" idx="1"/>
+              </p:cNvCxnSpPr>
+              <p:nvPr/>
+            </p:nvCxnSpPr>
+            <p:spPr>
+              <a:xfrm>
+                <a:off x="7583788" y="3350828"/>
+                <a:ext cx="1" cy="367731"/>
+              </a:xfrm>
+              <a:prstGeom prst="line">
+                <a:avLst/>
+              </a:prstGeom>
+              <a:ln>
+                <a:solidFill>
+                  <a:schemeClr val="bg1">
+                    <a:lumMod val="50000"/>
+                  </a:schemeClr>
+                </a:solidFill>
+              </a:ln>
+            </p:spPr>
+            <p:style>
+              <a:lnRef idx="3">
+                <a:schemeClr val="accent3"/>
+              </a:lnRef>
+              <a:fillRef idx="0">
+                <a:schemeClr val="accent3"/>
+              </a:fillRef>
+              <a:effectRef idx="2">
+                <a:schemeClr val="accent3"/>
+              </a:effectRef>
+              <a:fontRef idx="minor">
+                <a:schemeClr val="tx1"/>
+              </a:fontRef>
+            </p:style>
+          </p:cxnSp>
+          <p:cxnSp>
+            <p:nvCxnSpPr>
+              <p:cNvPr id="15" name="Connettore diritto 14">
+                <a:extLst>
+                  <a:ext uri="{FF2B5EF4-FFF2-40B4-BE49-F238E27FC236}">
+                    <a16:creationId xmlns:a16="http://schemas.microsoft.com/office/drawing/2014/main" id="{F5F12391-0CA2-45DC-B04A-ED419C9763CA}"/>
+                  </a:ext>
+                </a:extLst>
+              </p:cNvPr>
+              <p:cNvCxnSpPr>
+                <a:cxnSpLocks/>
+              </p:cNvCxnSpPr>
+              <p:nvPr/>
+            </p:nvCxnSpPr>
+            <p:spPr>
+              <a:xfrm flipH="1">
+                <a:off x="3208164" y="3710940"/>
+                <a:ext cx="4375624" cy="0"/>
+              </a:xfrm>
+              <a:prstGeom prst="line">
+                <a:avLst/>
+              </a:prstGeom>
+              <a:ln>
+                <a:solidFill>
+                  <a:schemeClr val="bg1">
+                    <a:lumMod val="50000"/>
+                  </a:schemeClr>
+                </a:solidFill>
+              </a:ln>
+            </p:spPr>
+            <p:style>
+              <a:lnRef idx="3">
+                <a:schemeClr val="accent3"/>
+              </a:lnRef>
+              <a:fillRef idx="0">
+                <a:schemeClr val="accent3"/>
+              </a:fillRef>
+              <a:effectRef idx="2">
+                <a:schemeClr val="accent3"/>
+              </a:effectRef>
+              <a:fontRef idx="minor">
+                <a:schemeClr val="tx1"/>
+              </a:fontRef>
+            </p:style>
+          </p:cxnSp>
+          <p:cxnSp>
+            <p:nvCxnSpPr>
+              <p:cNvPr id="18" name="Connettore diritto 17">
+                <a:extLst>
+                  <a:ext uri="{FF2B5EF4-FFF2-40B4-BE49-F238E27FC236}">
+                    <a16:creationId xmlns:a16="http://schemas.microsoft.com/office/drawing/2014/main" id="{256C9EBA-1863-40EA-9CCB-9DEDC796E959}"/>
+                  </a:ext>
+                </a:extLst>
+              </p:cNvPr>
+              <p:cNvCxnSpPr>
+                <a:cxnSpLocks/>
+                <a:stCxn id="14" idx="1"/>
+              </p:cNvCxnSpPr>
+              <p:nvPr/>
+            </p:nvCxnSpPr>
+            <p:spPr>
+              <a:xfrm>
+                <a:off x="9226852" y="3350828"/>
+                <a:ext cx="0" cy="733492"/>
+              </a:xfrm>
+              <a:prstGeom prst="line">
+                <a:avLst/>
+              </a:prstGeom>
+              <a:ln>
+                <a:solidFill>
+                  <a:schemeClr val="bg1">
+                    <a:lumMod val="50000"/>
+                  </a:schemeClr>
+                </a:solidFill>
+              </a:ln>
+            </p:spPr>
+            <p:style>
+              <a:lnRef idx="3">
+                <a:schemeClr val="accent3"/>
+              </a:lnRef>
+              <a:fillRef idx="0">
+                <a:schemeClr val="accent3"/>
+              </a:fillRef>
+              <a:effectRef idx="2">
+                <a:schemeClr val="accent3"/>
+              </a:effectRef>
+              <a:fontRef idx="minor">
+                <a:schemeClr val="tx1"/>
+              </a:fontRef>
+            </p:style>
+          </p:cxnSp>
+        </p:grpSp>
+        <p:sp>
+          <p:nvSpPr>
+            <p:cNvPr id="14" name="Parentesi quadra aperta 13">
+              <a:extLst>
+                <a:ext uri="{FF2B5EF4-FFF2-40B4-BE49-F238E27FC236}">
+                  <a16:creationId xmlns:a16="http://schemas.microsoft.com/office/drawing/2014/main" id="{43D0101F-7EEA-4C48-B6A2-0BE3308B84C0}"/>
+                </a:ext>
+              </a:extLst>
+            </p:cNvPr>
+            <p:cNvSpPr/>
+            <p:nvPr/>
+          </p:nvSpPr>
+          <p:spPr>
+            <a:xfrm rot="16200000">
+              <a:off x="9163536" y="2546447"/>
+              <a:ext cx="126631" cy="1482130"/>
+            </a:xfrm>
+            <a:prstGeom prst="leftBracket">
+              <a:avLst/>
+            </a:prstGeom>
+            <a:ln>
+              <a:solidFill>
+                <a:schemeClr val="bg1">
+                  <a:lumMod val="50000"/>
+                </a:schemeClr>
+              </a:solidFill>
+            </a:ln>
+          </p:spPr>
+          <p:style>
+            <a:lnRef idx="3">
+              <a:schemeClr val="accent3"/>
+            </a:lnRef>
+            <a:fillRef idx="0">
+              <a:schemeClr val="accent3"/>
+            </a:fillRef>
+            <a:effectRef idx="2">
+              <a:schemeClr val="accent3"/>
+            </a:effectRef>
+            <a:fontRef idx="minor">
+              <a:schemeClr val="tx1"/>
+            </a:fontRef>
+          </p:style>
+          <p:txBody>
+            <a:bodyPr rtlCol="0" anchor="ctr"/>
+            <a:lstStyle/>
+            <a:p>
+              <a:pPr algn="ctr"/>
+              <a:endParaRPr lang="it-IT"/>
+            </a:p>
+          </p:txBody>
+        </p:sp>
+      </p:grpSp>
+    </p:spTree>
+    <p:extLst>
+      <p:ext uri="{BB962C8B-B14F-4D97-AF65-F5344CB8AC3E}">
+        <p14:creationId xmlns:p14="http://schemas.microsoft.com/office/powerpoint/2010/main" val="2234466512"/>
+      </p:ext>
+    </p:extLst>
+  </p:cSld>
+  <p:clrMapOvr>
+    <a:masterClrMapping/>
+  </p:clrMapOvr>
+</p:sld>
+</file>
+
+<file path=ppt/slides/slide5.xml><?xml version="1.0" encoding="utf-8"?>
+<p:sld xmlns:a="http://schemas.openxmlformats.org/drawingml/2006/main" xmlns:r="http://schemas.openxmlformats.org/officeDocument/2006/relationships" xmlns:p="http://schemas.openxmlformats.org/presentationml/2006/main">
+  <p:cSld>
+    <p:spTree>
+      <p:nvGrpSpPr>
+        <p:cNvPr id="1" name=""/>
+        <p:cNvGrpSpPr/>
+        <p:nvPr/>
+      </p:nvGrpSpPr>
+      <p:grpSpPr>
+        <a:xfrm>
+          <a:off x="0" y="0"/>
+          <a:ext cx="0" cy="0"/>
+          <a:chOff x="0" y="0"/>
+          <a:chExt cx="0" cy="0"/>
+        </a:xfrm>
+      </p:grpSpPr>
+      <p:pic>
+        <p:nvPicPr>
+          <p:cNvPr id="6" name="Immagine 5">
+            <a:extLst>
+              <a:ext uri="{FF2B5EF4-FFF2-40B4-BE49-F238E27FC236}">
+                <a16:creationId xmlns:a16="http://schemas.microsoft.com/office/drawing/2014/main" id="{220B8AB2-004F-4347-AF80-C1CFF0326794}"/>
+              </a:ext>
+            </a:extLst>
+          </p:cNvPr>
+          <p:cNvPicPr>
+            <a:picLocks noChangeAspect="1"/>
+          </p:cNvPicPr>
+          <p:nvPr/>
+        </p:nvPicPr>
+        <p:blipFill>
+          <a:blip r:embed="rId2"/>
+          <a:stretch>
+            <a:fillRect/>
+          </a:stretch>
+        </p:blipFill>
+        <p:spPr>
+          <a:xfrm>
+            <a:off x="1942314" y="364477"/>
+            <a:ext cx="8141118" cy="2711589"/>
+          </a:xfrm>
+          <a:prstGeom prst="rect">
+            <a:avLst/>
+          </a:prstGeom>
+        </p:spPr>
+      </p:pic>
+      <p:grpSp>
+        <p:nvGrpSpPr>
+          <p:cNvPr id="4" name="Gruppo 3">
+            <a:extLst>
+              <a:ext uri="{FF2B5EF4-FFF2-40B4-BE49-F238E27FC236}">
+                <a16:creationId xmlns:a16="http://schemas.microsoft.com/office/drawing/2014/main" id="{1C30A508-F1C8-4F7A-BB71-F25544594F55}"/>
+              </a:ext>
+            </a:extLst>
+          </p:cNvPr>
+          <p:cNvGrpSpPr/>
+          <p:nvPr/>
+        </p:nvGrpSpPr>
+        <p:grpSpPr>
+          <a:xfrm>
+            <a:off x="6012873" y="5241255"/>
+            <a:ext cx="6019528" cy="888223"/>
+            <a:chOff x="2380575" y="3224196"/>
+            <a:chExt cx="6019528" cy="888223"/>
+          </a:xfrm>
+        </p:grpSpPr>
+        <p:sp>
+          <p:nvSpPr>
+            <p:cNvPr id="7" name="Parentesi quadra aperta 6">
+              <a:extLst>
+                <a:ext uri="{FF2B5EF4-FFF2-40B4-BE49-F238E27FC236}">
+                  <a16:creationId xmlns:a16="http://schemas.microsoft.com/office/drawing/2014/main" id="{68F6DFF4-02B4-4BD2-A4A6-0E925A14FD05}"/>
+                </a:ext>
+              </a:extLst>
+            </p:cNvPr>
+            <p:cNvSpPr/>
+            <p:nvPr/>
+          </p:nvSpPr>
+          <p:spPr>
+            <a:xfrm rot="16200000">
+              <a:off x="3133573" y="2473280"/>
+              <a:ext cx="126631" cy="1632628"/>
+            </a:xfrm>
+            <a:prstGeom prst="leftBracket">
+              <a:avLst/>
+            </a:prstGeom>
+            <a:ln>
+              <a:solidFill>
+                <a:schemeClr val="bg1">
+                  <a:lumMod val="50000"/>
+                </a:schemeClr>
+              </a:solidFill>
+            </a:ln>
+          </p:spPr>
+          <p:style>
+            <a:lnRef idx="3">
+              <a:schemeClr val="accent3"/>
+            </a:lnRef>
+            <a:fillRef idx="0">
+              <a:schemeClr val="accent3"/>
+            </a:fillRef>
+            <a:effectRef idx="2">
+              <a:schemeClr val="accent3"/>
+            </a:effectRef>
+            <a:fontRef idx="minor">
+              <a:schemeClr val="tx1"/>
+            </a:fontRef>
+          </p:style>
+          <p:txBody>
+            <a:bodyPr rtlCol="0" anchor="ctr"/>
+            <a:lstStyle/>
+            <a:p>
+              <a:pPr algn="ctr"/>
+              <a:endParaRPr lang="it-IT"/>
+            </a:p>
+          </p:txBody>
+        </p:sp>
+        <p:sp>
+          <p:nvSpPr>
+            <p:cNvPr id="8" name="Parentesi quadra aperta 7">
+              <a:extLst>
+                <a:ext uri="{FF2B5EF4-FFF2-40B4-BE49-F238E27FC236}">
+                  <a16:creationId xmlns:a16="http://schemas.microsoft.com/office/drawing/2014/main" id="{BD5CB66E-FA44-4782-96DC-68D29A21BA14}"/>
+                </a:ext>
+              </a:extLst>
+            </p:cNvPr>
+            <p:cNvSpPr/>
+            <p:nvPr/>
+          </p:nvSpPr>
+          <p:spPr>
+            <a:xfrm rot="16200000">
+              <a:off x="5327022" y="2017191"/>
+              <a:ext cx="126631" cy="2544805"/>
+            </a:xfrm>
+            <a:prstGeom prst="leftBracket">
+              <a:avLst/>
+            </a:prstGeom>
+            <a:ln>
+              <a:solidFill>
+                <a:schemeClr val="bg2"/>
+              </a:solidFill>
+            </a:ln>
+          </p:spPr>
+          <p:style>
+            <a:lnRef idx="3">
+              <a:schemeClr val="accent3"/>
+            </a:lnRef>
+            <a:fillRef idx="0">
+              <a:schemeClr val="accent3"/>
+            </a:fillRef>
+            <a:effectRef idx="2">
+              <a:schemeClr val="accent3"/>
+            </a:effectRef>
+            <a:fontRef idx="minor">
+              <a:schemeClr val="tx1"/>
+            </a:fontRef>
+          </p:style>
+          <p:txBody>
+            <a:bodyPr rtlCol="0" anchor="ctr"/>
+            <a:lstStyle/>
+            <a:p>
+              <a:pPr algn="ctr"/>
+              <a:endParaRPr lang="it-IT"/>
+            </a:p>
+          </p:txBody>
+        </p:sp>
+        <p:sp>
+          <p:nvSpPr>
+            <p:cNvPr id="9" name="Parentesi quadra aperta 8">
+              <a:extLst>
+                <a:ext uri="{FF2B5EF4-FFF2-40B4-BE49-F238E27FC236}">
+                  <a16:creationId xmlns:a16="http://schemas.microsoft.com/office/drawing/2014/main" id="{40986B1A-62C2-4181-8FA3-79843AFF0957}"/>
+                </a:ext>
+              </a:extLst>
+            </p:cNvPr>
+            <p:cNvSpPr/>
+            <p:nvPr/>
+          </p:nvSpPr>
+          <p:spPr>
+            <a:xfrm rot="16200000">
+              <a:off x="7520472" y="2471197"/>
+              <a:ext cx="126631" cy="1632630"/>
+            </a:xfrm>
+            <a:prstGeom prst="leftBracket">
+              <a:avLst/>
+            </a:prstGeom>
+            <a:ln>
+              <a:solidFill>
+                <a:schemeClr val="bg1">
+                  <a:lumMod val="50000"/>
+                </a:schemeClr>
+              </a:solidFill>
+            </a:ln>
+          </p:spPr>
+          <p:style>
+            <a:lnRef idx="3">
+              <a:schemeClr val="accent3"/>
+            </a:lnRef>
+            <a:fillRef idx="0">
+              <a:schemeClr val="accent3"/>
+            </a:fillRef>
+            <a:effectRef idx="2">
+              <a:schemeClr val="accent3"/>
+            </a:effectRef>
+            <a:fontRef idx="minor">
+              <a:schemeClr val="tx1"/>
+            </a:fontRef>
+          </p:style>
+          <p:txBody>
+            <a:bodyPr rtlCol="0" anchor="ctr"/>
+            <a:lstStyle/>
+            <a:p>
+              <a:pPr algn="ctr"/>
+              <a:endParaRPr lang="it-IT"/>
+            </a:p>
+          </p:txBody>
+        </p:sp>
+        <p:cxnSp>
+          <p:nvCxnSpPr>
+            <p:cNvPr id="10" name="Connettore diritto 9">
+              <a:extLst>
+                <a:ext uri="{FF2B5EF4-FFF2-40B4-BE49-F238E27FC236}">
+                  <a16:creationId xmlns:a16="http://schemas.microsoft.com/office/drawing/2014/main" id="{DEB9DC35-B84B-4486-BB57-C2B45C021C15}"/>
+                </a:ext>
+              </a:extLst>
+            </p:cNvPr>
+            <p:cNvCxnSpPr>
+              <a:cxnSpLocks/>
+              <a:stCxn id="7" idx="1"/>
+            </p:cNvCxnSpPr>
+            <p:nvPr/>
+          </p:nvCxnSpPr>
+          <p:spPr>
+            <a:xfrm flipH="1">
+              <a:off x="3196888" y="3352910"/>
+              <a:ext cx="1" cy="759509"/>
+            </a:xfrm>
+            <a:prstGeom prst="line">
+              <a:avLst/>
+            </a:prstGeom>
+            <a:ln>
+              <a:solidFill>
+                <a:schemeClr val="bg1">
+                  <a:lumMod val="50000"/>
+                </a:schemeClr>
+              </a:solidFill>
+            </a:ln>
+          </p:spPr>
+          <p:style>
+            <a:lnRef idx="3">
+              <a:schemeClr val="accent3"/>
+            </a:lnRef>
+            <a:fillRef idx="0">
+              <a:schemeClr val="accent3"/>
+            </a:fillRef>
+            <a:effectRef idx="2">
+              <a:schemeClr val="accent3"/>
+            </a:effectRef>
+            <a:fontRef idx="minor">
+              <a:schemeClr val="tx1"/>
+            </a:fontRef>
+          </p:style>
+        </p:cxnSp>
+        <p:cxnSp>
+          <p:nvCxnSpPr>
+            <p:cNvPr id="12" name="Connettore diritto 11">
+              <a:extLst>
+                <a:ext uri="{FF2B5EF4-FFF2-40B4-BE49-F238E27FC236}">
+                  <a16:creationId xmlns:a16="http://schemas.microsoft.com/office/drawing/2014/main" id="{CCA27DB4-9E55-4B77-9696-E0BA42BFA269}"/>
+                </a:ext>
+              </a:extLst>
+            </p:cNvPr>
+            <p:cNvCxnSpPr>
+              <a:cxnSpLocks/>
+              <a:stCxn id="8" idx="1"/>
+            </p:cNvCxnSpPr>
+            <p:nvPr/>
+          </p:nvCxnSpPr>
+          <p:spPr>
+            <a:xfrm>
+              <a:off x="5390338" y="3352909"/>
+              <a:ext cx="0" cy="731410"/>
+            </a:xfrm>
+            <a:prstGeom prst="line">
+              <a:avLst/>
+            </a:prstGeom>
+            <a:ln>
+              <a:solidFill>
+                <a:schemeClr val="bg2"/>
+              </a:solidFill>
+            </a:ln>
+          </p:spPr>
+          <p:style>
+            <a:lnRef idx="3">
+              <a:schemeClr val="accent3"/>
+            </a:lnRef>
+            <a:fillRef idx="0">
+              <a:schemeClr val="accent3"/>
+            </a:fillRef>
+            <a:effectRef idx="2">
+              <a:schemeClr val="accent3"/>
+            </a:effectRef>
+            <a:fontRef idx="minor">
+              <a:schemeClr val="tx1"/>
+            </a:fontRef>
+          </p:style>
+        </p:cxnSp>
+        <p:cxnSp>
+          <p:nvCxnSpPr>
+            <p:cNvPr id="13" name="Connettore diritto 12">
+              <a:extLst>
+                <a:ext uri="{FF2B5EF4-FFF2-40B4-BE49-F238E27FC236}">
+                  <a16:creationId xmlns:a16="http://schemas.microsoft.com/office/drawing/2014/main" id="{D21C5242-638C-4C4A-BB76-35120148F667}"/>
+                </a:ext>
+              </a:extLst>
+            </p:cNvPr>
+            <p:cNvCxnSpPr>
+              <a:cxnSpLocks/>
+              <a:stCxn id="9" idx="1"/>
+            </p:cNvCxnSpPr>
+            <p:nvPr/>
+          </p:nvCxnSpPr>
+          <p:spPr>
+            <a:xfrm>
+              <a:off x="7583788" y="3350828"/>
+              <a:ext cx="1" cy="367731"/>
+            </a:xfrm>
+            <a:prstGeom prst="line">
+              <a:avLst/>
+            </a:prstGeom>
+            <a:ln>
+              <a:solidFill>
+                <a:schemeClr val="bg1">
+                  <a:lumMod val="50000"/>
+                </a:schemeClr>
+              </a:solidFill>
+            </a:ln>
+          </p:spPr>
+          <p:style>
+            <a:lnRef idx="3">
+              <a:schemeClr val="accent3"/>
+            </a:lnRef>
+            <a:fillRef idx="0">
+              <a:schemeClr val="accent3"/>
+            </a:fillRef>
+            <a:effectRef idx="2">
+              <a:schemeClr val="accent3"/>
+            </a:effectRef>
+            <a:fontRef idx="minor">
+              <a:schemeClr val="tx1"/>
+            </a:fontRef>
+          </p:style>
+        </p:cxnSp>
+        <p:cxnSp>
+          <p:nvCxnSpPr>
+            <p:cNvPr id="15" name="Connettore diritto 14">
+              <a:extLst>
+                <a:ext uri="{FF2B5EF4-FFF2-40B4-BE49-F238E27FC236}">
+                  <a16:creationId xmlns:a16="http://schemas.microsoft.com/office/drawing/2014/main" id="{F5F12391-0CA2-45DC-B04A-ED419C9763CA}"/>
+                </a:ext>
+              </a:extLst>
+            </p:cNvPr>
+            <p:cNvCxnSpPr>
+              <a:cxnSpLocks/>
+            </p:cNvCxnSpPr>
+            <p:nvPr/>
+          </p:nvCxnSpPr>
+          <p:spPr>
+            <a:xfrm flipH="1">
+              <a:off x="3208164" y="3710940"/>
+              <a:ext cx="4375624" cy="0"/>
+            </a:xfrm>
+            <a:prstGeom prst="line">
+              <a:avLst/>
+            </a:prstGeom>
+            <a:ln>
+              <a:solidFill>
+                <a:schemeClr val="bg1">
+                  <a:lumMod val="50000"/>
+                </a:schemeClr>
+              </a:solidFill>
+            </a:ln>
+          </p:spPr>
+          <p:style>
+            <a:lnRef idx="3">
+              <a:schemeClr val="accent3"/>
+            </a:lnRef>
+            <a:fillRef idx="0">
+              <a:schemeClr val="accent3"/>
+            </a:fillRef>
+            <a:effectRef idx="2">
+              <a:schemeClr val="accent3"/>
+            </a:effectRef>
+            <a:fontRef idx="minor">
+              <a:schemeClr val="tx1"/>
+            </a:fontRef>
+          </p:style>
+        </p:cxnSp>
+      </p:grpSp>
+      <p:grpSp>
+        <p:nvGrpSpPr>
+          <p:cNvPr id="20" name="Gruppo 19">
+            <a:extLst>
+              <a:ext uri="{FF2B5EF4-FFF2-40B4-BE49-F238E27FC236}">
+                <a16:creationId xmlns:a16="http://schemas.microsoft.com/office/drawing/2014/main" id="{CC6C0D10-BD78-43D5-A435-A6355E8AA3F4}"/>
+              </a:ext>
+            </a:extLst>
+          </p:cNvPr>
+          <p:cNvGrpSpPr/>
+          <p:nvPr/>
+        </p:nvGrpSpPr>
+        <p:grpSpPr>
+          <a:xfrm>
+            <a:off x="2644588" y="3224196"/>
+            <a:ext cx="7323329" cy="668458"/>
+            <a:chOff x="2644588" y="3224196"/>
+            <a:chExt cx="7323329" cy="668458"/>
+          </a:xfrm>
+        </p:grpSpPr>
+        <p:grpSp>
+          <p:nvGrpSpPr>
+            <p:cNvPr id="3" name="Gruppo 2">
+              <a:extLst>
+                <a:ext uri="{FF2B5EF4-FFF2-40B4-BE49-F238E27FC236}">
+                  <a16:creationId xmlns:a16="http://schemas.microsoft.com/office/drawing/2014/main" id="{6BE5B7F9-B1BF-4658-AD05-215A9B06FFB9}"/>
+                </a:ext>
+              </a:extLst>
+            </p:cNvPr>
+            <p:cNvGrpSpPr/>
+            <p:nvPr/>
+          </p:nvGrpSpPr>
+          <p:grpSpPr>
+            <a:xfrm>
+              <a:off x="8485787" y="3224196"/>
+              <a:ext cx="1482130" cy="397545"/>
+              <a:chOff x="8485787" y="3224196"/>
+              <a:chExt cx="1482130" cy="397545"/>
+            </a:xfrm>
+          </p:grpSpPr>
+          <p:cxnSp>
+            <p:nvCxnSpPr>
+              <p:cNvPr id="18" name="Connettore diritto 17">
+                <a:extLst>
+                  <a:ext uri="{FF2B5EF4-FFF2-40B4-BE49-F238E27FC236}">
+                    <a16:creationId xmlns:a16="http://schemas.microsoft.com/office/drawing/2014/main" id="{256C9EBA-1863-40EA-9CCB-9DEDC796E959}"/>
+                  </a:ext>
+                </a:extLst>
+              </p:cNvPr>
+              <p:cNvCxnSpPr>
+                <a:cxnSpLocks/>
+                <a:stCxn id="14" idx="1"/>
+              </p:cNvCxnSpPr>
+              <p:nvPr/>
+            </p:nvCxnSpPr>
+            <p:spPr>
+              <a:xfrm>
+                <a:off x="9226852" y="3350828"/>
+                <a:ext cx="0" cy="270913"/>
+              </a:xfrm>
+              <a:prstGeom prst="line">
+                <a:avLst/>
+              </a:prstGeom>
+              <a:ln>
+                <a:solidFill>
+                  <a:schemeClr val="bg1">
+                    <a:lumMod val="50000"/>
+                  </a:schemeClr>
+                </a:solidFill>
+              </a:ln>
+            </p:spPr>
+            <p:style>
+              <a:lnRef idx="3">
+                <a:schemeClr val="accent3"/>
+              </a:lnRef>
+              <a:fillRef idx="0">
+                <a:schemeClr val="accent3"/>
+              </a:fillRef>
+              <a:effectRef idx="2">
+                <a:schemeClr val="accent3"/>
+              </a:effectRef>
+              <a:fontRef idx="minor">
+                <a:schemeClr val="tx1"/>
+              </a:fontRef>
+            </p:style>
+          </p:cxnSp>
+          <p:sp>
+            <p:nvSpPr>
+              <p:cNvPr id="14" name="Parentesi quadra aperta 13">
+                <a:extLst>
+                  <a:ext uri="{FF2B5EF4-FFF2-40B4-BE49-F238E27FC236}">
+                    <a16:creationId xmlns:a16="http://schemas.microsoft.com/office/drawing/2014/main" id="{43D0101F-7EEA-4C48-B6A2-0BE3308B84C0}"/>
+                  </a:ext>
+                </a:extLst>
+              </p:cNvPr>
+              <p:cNvSpPr/>
+              <p:nvPr/>
+            </p:nvSpPr>
+            <p:spPr>
+              <a:xfrm rot="16200000">
+                <a:off x="9163536" y="2546447"/>
+                <a:ext cx="126631" cy="1482130"/>
+              </a:xfrm>
+              <a:prstGeom prst="leftBracket">
+                <a:avLst/>
+              </a:prstGeom>
+              <a:ln>
+                <a:solidFill>
+                  <a:schemeClr val="bg1">
+                    <a:lumMod val="50000"/>
+                  </a:schemeClr>
+                </a:solidFill>
+              </a:ln>
+            </p:spPr>
+            <p:style>
+              <a:lnRef idx="3">
+                <a:schemeClr val="accent3"/>
+              </a:lnRef>
+              <a:fillRef idx="0">
+                <a:schemeClr val="accent3"/>
+              </a:fillRef>
+              <a:effectRef idx="2">
+                <a:schemeClr val="accent3"/>
+              </a:effectRef>
+              <a:fontRef idx="minor">
+                <a:schemeClr val="tx1"/>
+              </a:fontRef>
+            </p:style>
+            <p:txBody>
+              <a:bodyPr rtlCol="0" anchor="ctr"/>
+              <a:lstStyle/>
+              <a:p>
+                <a:pPr algn="ctr"/>
+                <a:endParaRPr lang="it-IT"/>
+              </a:p>
+            </p:txBody>
+          </p:sp>
+        </p:grpSp>
+        <p:cxnSp>
+          <p:nvCxnSpPr>
+            <p:cNvPr id="17" name="Connettore diritto 16">
+              <a:extLst>
+                <a:ext uri="{FF2B5EF4-FFF2-40B4-BE49-F238E27FC236}">
+                  <a16:creationId xmlns:a16="http://schemas.microsoft.com/office/drawing/2014/main" id="{9C4187ED-26F4-457E-9637-F83519EE1B75}"/>
+                </a:ext>
+              </a:extLst>
+            </p:cNvPr>
+            <p:cNvCxnSpPr>
+              <a:cxnSpLocks/>
+            </p:cNvCxnSpPr>
+            <p:nvPr/>
+          </p:nvCxnSpPr>
+          <p:spPr>
+            <a:xfrm flipH="1">
+              <a:off x="2644588" y="3621741"/>
+              <a:ext cx="6582263" cy="0"/>
+            </a:xfrm>
+            <a:prstGeom prst="line">
+              <a:avLst/>
+            </a:prstGeom>
+            <a:ln>
+              <a:solidFill>
+                <a:schemeClr val="bg1">
+                  <a:lumMod val="50000"/>
+                </a:schemeClr>
+              </a:solidFill>
+            </a:ln>
+          </p:spPr>
+          <p:style>
+            <a:lnRef idx="3">
+              <a:schemeClr val="accent3"/>
+            </a:lnRef>
+            <a:fillRef idx="0">
+              <a:schemeClr val="accent3"/>
+            </a:fillRef>
+            <a:effectRef idx="2">
+              <a:schemeClr val="accent3"/>
+            </a:effectRef>
+            <a:fontRef idx="minor">
+              <a:schemeClr val="tx1"/>
+            </a:fontRef>
+          </p:style>
+        </p:cxnSp>
+        <p:cxnSp>
+          <p:nvCxnSpPr>
+            <p:cNvPr id="19" name="Connettore diritto 18">
+              <a:extLst>
+                <a:ext uri="{FF2B5EF4-FFF2-40B4-BE49-F238E27FC236}">
+                  <a16:creationId xmlns:a16="http://schemas.microsoft.com/office/drawing/2014/main" id="{4168F9CF-1F9B-46B5-857C-9A42D2436F60}"/>
+                </a:ext>
+              </a:extLst>
+            </p:cNvPr>
+            <p:cNvCxnSpPr>
+              <a:cxnSpLocks/>
+            </p:cNvCxnSpPr>
+            <p:nvPr/>
+          </p:nvCxnSpPr>
+          <p:spPr>
+            <a:xfrm>
+              <a:off x="2644588" y="3621741"/>
+              <a:ext cx="0" cy="270913"/>
+            </a:xfrm>
+            <a:prstGeom prst="line">
+              <a:avLst/>
+            </a:prstGeom>
+            <a:ln>
+              <a:solidFill>
+                <a:schemeClr val="bg1">
+                  <a:lumMod val="50000"/>
+                </a:schemeClr>
+              </a:solidFill>
+            </a:ln>
+          </p:spPr>
+          <p:style>
+            <a:lnRef idx="3">
+              <a:schemeClr val="accent3"/>
+            </a:lnRef>
+            <a:fillRef idx="0">
+              <a:schemeClr val="accent3"/>
+            </a:fillRef>
+            <a:effectRef idx="2">
+              <a:schemeClr val="accent3"/>
+            </a:effectRef>
+            <a:fontRef idx="minor">
+              <a:schemeClr val="tx1"/>
+            </a:fontRef>
+          </p:style>
+        </p:cxnSp>
+      </p:grpSp>
+    </p:spTree>
+    <p:extLst>
+      <p:ext uri="{BB962C8B-B14F-4D97-AF65-F5344CB8AC3E}">
+        <p14:creationId xmlns:p14="http://schemas.microsoft.com/office/powerpoint/2010/main" val="623075224"/>
+      </p:ext>
+    </p:extLst>
+  </p:cSld>
+  <p:clrMapOvr>
+    <a:masterClrMapping/>
+  </p:clrMapOvr>
+</p:sld>
+</file>
+
+<file path=ppt/slides/slide6.xml><?xml version="1.0" encoding="utf-8"?>
+<p:sld xmlns:a="http://schemas.openxmlformats.org/drawingml/2006/main" xmlns:r="http://schemas.openxmlformats.org/officeDocument/2006/relationships" xmlns:p="http://schemas.openxmlformats.org/presentationml/2006/main">
+  <p:cSld>
+    <p:spTree>
+      <p:nvGrpSpPr>
+        <p:cNvPr id="1" name=""/>
+        <p:cNvGrpSpPr/>
+        <p:nvPr/>
+      </p:nvGrpSpPr>
+      <p:grpSpPr>
+        <a:xfrm>
+          <a:off x="0" y="0"/>
+          <a:ext cx="0" cy="0"/>
+          <a:chOff x="0" y="0"/>
+          <a:chExt cx="0" cy="0"/>
+        </a:xfrm>
+      </p:grpSpPr>
+      <p:pic>
+        <p:nvPicPr>
+          <p:cNvPr id="6" name="Immagine 5">
+            <a:extLst>
+              <a:ext uri="{FF2B5EF4-FFF2-40B4-BE49-F238E27FC236}">
+                <a16:creationId xmlns:a16="http://schemas.microsoft.com/office/drawing/2014/main" id="{220B8AB2-004F-4347-AF80-C1CFF0326794}"/>
+              </a:ext>
+            </a:extLst>
+          </p:cNvPr>
+          <p:cNvPicPr>
+            <a:picLocks noChangeAspect="1"/>
+          </p:cNvPicPr>
+          <p:nvPr/>
+        </p:nvPicPr>
+        <p:blipFill>
+          <a:blip r:embed="rId2"/>
+          <a:stretch>
+            <a:fillRect/>
+          </a:stretch>
+        </p:blipFill>
+        <p:spPr>
+          <a:xfrm>
+            <a:off x="1942314" y="364477"/>
+            <a:ext cx="8141118" cy="2711589"/>
+          </a:xfrm>
+          <a:prstGeom prst="rect">
+            <a:avLst/>
+          </a:prstGeom>
+        </p:spPr>
+      </p:pic>
+      <p:grpSp>
+        <p:nvGrpSpPr>
+          <p:cNvPr id="4" name="Gruppo 3">
+            <a:extLst>
+              <a:ext uri="{FF2B5EF4-FFF2-40B4-BE49-F238E27FC236}">
+                <a16:creationId xmlns:a16="http://schemas.microsoft.com/office/drawing/2014/main" id="{1C30A508-F1C8-4F7A-BB71-F25544594F55}"/>
+              </a:ext>
+            </a:extLst>
+          </p:cNvPr>
+          <p:cNvGrpSpPr/>
+          <p:nvPr/>
+        </p:nvGrpSpPr>
+        <p:grpSpPr>
+          <a:xfrm>
+            <a:off x="2380575" y="3224196"/>
+            <a:ext cx="6019528" cy="888223"/>
+            <a:chOff x="2380575" y="3224196"/>
+            <a:chExt cx="6019528" cy="888223"/>
+          </a:xfrm>
+        </p:grpSpPr>
+        <p:sp>
+          <p:nvSpPr>
+            <p:cNvPr id="7" name="Parentesi quadra aperta 6">
+              <a:extLst>
+                <a:ext uri="{FF2B5EF4-FFF2-40B4-BE49-F238E27FC236}">
+                  <a16:creationId xmlns:a16="http://schemas.microsoft.com/office/drawing/2014/main" id="{68F6DFF4-02B4-4BD2-A4A6-0E925A14FD05}"/>
+                </a:ext>
+              </a:extLst>
+            </p:cNvPr>
+            <p:cNvSpPr/>
+            <p:nvPr/>
+          </p:nvSpPr>
+          <p:spPr>
+            <a:xfrm rot="16200000">
+              <a:off x="3133573" y="2473280"/>
+              <a:ext cx="126631" cy="1632628"/>
+            </a:xfrm>
+            <a:prstGeom prst="leftBracket">
+              <a:avLst/>
+            </a:prstGeom>
+            <a:ln>
+              <a:solidFill>
+                <a:schemeClr val="bg1">
+                  <a:lumMod val="50000"/>
+                </a:schemeClr>
+              </a:solidFill>
+            </a:ln>
+          </p:spPr>
+          <p:style>
+            <a:lnRef idx="3">
+              <a:schemeClr val="accent3"/>
+            </a:lnRef>
+            <a:fillRef idx="0">
+              <a:schemeClr val="accent3"/>
+            </a:fillRef>
+            <a:effectRef idx="2">
+              <a:schemeClr val="accent3"/>
+            </a:effectRef>
+            <a:fontRef idx="minor">
+              <a:schemeClr val="tx1"/>
+            </a:fontRef>
+          </p:style>
+          <p:txBody>
+            <a:bodyPr rtlCol="0" anchor="ctr"/>
+            <a:lstStyle/>
+            <a:p>
+              <a:pPr algn="ctr"/>
+              <a:endParaRPr lang="it-IT"/>
+            </a:p>
+          </p:txBody>
+        </p:sp>
+        <p:sp>
+          <p:nvSpPr>
+            <p:cNvPr id="8" name="Parentesi quadra aperta 7">
+              <a:extLst>
+                <a:ext uri="{FF2B5EF4-FFF2-40B4-BE49-F238E27FC236}">
+                  <a16:creationId xmlns:a16="http://schemas.microsoft.com/office/drawing/2014/main" id="{BD5CB66E-FA44-4782-96DC-68D29A21BA14}"/>
+                </a:ext>
+              </a:extLst>
+            </p:cNvPr>
+            <p:cNvSpPr/>
+            <p:nvPr/>
+          </p:nvSpPr>
+          <p:spPr>
+            <a:xfrm rot="16200000">
+              <a:off x="5327022" y="2017191"/>
+              <a:ext cx="126631" cy="2544805"/>
+            </a:xfrm>
+            <a:prstGeom prst="leftBracket">
+              <a:avLst/>
+            </a:prstGeom>
+            <a:ln>
+              <a:solidFill>
+                <a:schemeClr val="bg2"/>
+              </a:solidFill>
+            </a:ln>
+          </p:spPr>
+          <p:style>
+            <a:lnRef idx="3">
+              <a:schemeClr val="accent3"/>
+            </a:lnRef>
+            <a:fillRef idx="0">
+              <a:schemeClr val="accent3"/>
+            </a:fillRef>
+            <a:effectRef idx="2">
+              <a:schemeClr val="accent3"/>
+            </a:effectRef>
+            <a:fontRef idx="minor">
+              <a:schemeClr val="tx1"/>
+            </a:fontRef>
+          </p:style>
+          <p:txBody>
+            <a:bodyPr rtlCol="0" anchor="ctr"/>
+            <a:lstStyle/>
+            <a:p>
+              <a:pPr algn="ctr"/>
+              <a:endParaRPr lang="it-IT"/>
+            </a:p>
+          </p:txBody>
+        </p:sp>
+        <p:sp>
+          <p:nvSpPr>
+            <p:cNvPr id="9" name="Parentesi quadra aperta 8">
+              <a:extLst>
+                <a:ext uri="{FF2B5EF4-FFF2-40B4-BE49-F238E27FC236}">
+                  <a16:creationId xmlns:a16="http://schemas.microsoft.com/office/drawing/2014/main" id="{40986B1A-62C2-4181-8FA3-79843AFF0957}"/>
+                </a:ext>
+              </a:extLst>
+            </p:cNvPr>
+            <p:cNvSpPr/>
+            <p:nvPr/>
+          </p:nvSpPr>
+          <p:spPr>
+            <a:xfrm rot="16200000">
+              <a:off x="7520472" y="2471197"/>
+              <a:ext cx="126631" cy="1632630"/>
+            </a:xfrm>
+            <a:prstGeom prst="leftBracket">
+              <a:avLst/>
+            </a:prstGeom>
+            <a:ln>
+              <a:solidFill>
+                <a:schemeClr val="bg1">
+                  <a:lumMod val="50000"/>
+                </a:schemeClr>
+              </a:solidFill>
+            </a:ln>
+          </p:spPr>
+          <p:style>
+            <a:lnRef idx="3">
+              <a:schemeClr val="accent3"/>
+            </a:lnRef>
+            <a:fillRef idx="0">
+              <a:schemeClr val="accent3"/>
+            </a:fillRef>
+            <a:effectRef idx="2">
+              <a:schemeClr val="accent3"/>
+            </a:effectRef>
+            <a:fontRef idx="minor">
+              <a:schemeClr val="tx1"/>
+            </a:fontRef>
+          </p:style>
+          <p:txBody>
+            <a:bodyPr rtlCol="0" anchor="ctr"/>
+            <a:lstStyle/>
+            <a:p>
+              <a:pPr algn="ctr"/>
+              <a:endParaRPr lang="it-IT"/>
+            </a:p>
+          </p:txBody>
+        </p:sp>
+        <p:cxnSp>
+          <p:nvCxnSpPr>
+            <p:cNvPr id="10" name="Connettore diritto 9">
+              <a:extLst>
+                <a:ext uri="{FF2B5EF4-FFF2-40B4-BE49-F238E27FC236}">
+                  <a16:creationId xmlns:a16="http://schemas.microsoft.com/office/drawing/2014/main" id="{DEB9DC35-B84B-4486-BB57-C2B45C021C15}"/>
+                </a:ext>
+              </a:extLst>
+            </p:cNvPr>
+            <p:cNvCxnSpPr>
+              <a:cxnSpLocks/>
+              <a:stCxn id="7" idx="1"/>
+            </p:cNvCxnSpPr>
+            <p:nvPr/>
+          </p:nvCxnSpPr>
+          <p:spPr>
+            <a:xfrm flipH="1">
+              <a:off x="3196888" y="3352910"/>
+              <a:ext cx="1" cy="759509"/>
+            </a:xfrm>
+            <a:prstGeom prst="line">
+              <a:avLst/>
+            </a:prstGeom>
+            <a:ln>
+              <a:solidFill>
+                <a:schemeClr val="bg1">
+                  <a:lumMod val="50000"/>
+                </a:schemeClr>
+              </a:solidFill>
+            </a:ln>
+          </p:spPr>
+          <p:style>
+            <a:lnRef idx="3">
+              <a:schemeClr val="accent3"/>
+            </a:lnRef>
+            <a:fillRef idx="0">
+              <a:schemeClr val="accent3"/>
+            </a:fillRef>
+            <a:effectRef idx="2">
+              <a:schemeClr val="accent3"/>
+            </a:effectRef>
+            <a:fontRef idx="minor">
+              <a:schemeClr val="tx1"/>
+            </a:fontRef>
+          </p:style>
+        </p:cxnSp>
+        <p:cxnSp>
+          <p:nvCxnSpPr>
+            <p:cNvPr id="12" name="Connettore diritto 11">
+              <a:extLst>
+                <a:ext uri="{FF2B5EF4-FFF2-40B4-BE49-F238E27FC236}">
+                  <a16:creationId xmlns:a16="http://schemas.microsoft.com/office/drawing/2014/main" id="{CCA27DB4-9E55-4B77-9696-E0BA42BFA269}"/>
+                </a:ext>
+              </a:extLst>
+            </p:cNvPr>
+            <p:cNvCxnSpPr>
+              <a:cxnSpLocks/>
+              <a:stCxn id="8" idx="1"/>
+            </p:cNvCxnSpPr>
+            <p:nvPr/>
+          </p:nvCxnSpPr>
+          <p:spPr>
+            <a:xfrm>
+              <a:off x="5390338" y="3352909"/>
+              <a:ext cx="0" cy="731410"/>
+            </a:xfrm>
+            <a:prstGeom prst="line">
+              <a:avLst/>
+            </a:prstGeom>
+            <a:ln>
+              <a:solidFill>
+                <a:schemeClr val="bg2"/>
+              </a:solidFill>
+            </a:ln>
+          </p:spPr>
+          <p:style>
+            <a:lnRef idx="3">
+              <a:schemeClr val="accent3"/>
+            </a:lnRef>
+            <a:fillRef idx="0">
+              <a:schemeClr val="accent3"/>
+            </a:fillRef>
+            <a:effectRef idx="2">
+              <a:schemeClr val="accent3"/>
+            </a:effectRef>
+            <a:fontRef idx="minor">
+              <a:schemeClr val="tx1"/>
+            </a:fontRef>
+          </p:style>
+        </p:cxnSp>
+        <p:cxnSp>
+          <p:nvCxnSpPr>
+            <p:cNvPr id="13" name="Connettore diritto 12">
+              <a:extLst>
+                <a:ext uri="{FF2B5EF4-FFF2-40B4-BE49-F238E27FC236}">
+                  <a16:creationId xmlns:a16="http://schemas.microsoft.com/office/drawing/2014/main" id="{D21C5242-638C-4C4A-BB76-35120148F667}"/>
+                </a:ext>
+              </a:extLst>
+            </p:cNvPr>
+            <p:cNvCxnSpPr>
+              <a:cxnSpLocks/>
+              <a:stCxn id="9" idx="1"/>
+            </p:cNvCxnSpPr>
+            <p:nvPr/>
+          </p:nvCxnSpPr>
+          <p:spPr>
+            <a:xfrm>
+              <a:off x="7583788" y="3350828"/>
+              <a:ext cx="1" cy="367731"/>
+            </a:xfrm>
+            <a:prstGeom prst="line">
+              <a:avLst/>
+            </a:prstGeom>
+            <a:ln>
+              <a:solidFill>
+                <a:schemeClr val="bg1">
+                  <a:lumMod val="50000"/>
+                </a:schemeClr>
+              </a:solidFill>
+            </a:ln>
+          </p:spPr>
+          <p:style>
+            <a:lnRef idx="3">
+              <a:schemeClr val="accent3"/>
+            </a:lnRef>
+            <a:fillRef idx="0">
+              <a:schemeClr val="accent3"/>
+            </a:fillRef>
+            <a:effectRef idx="2">
+              <a:schemeClr val="accent3"/>
+            </a:effectRef>
+            <a:fontRef idx="minor">
+              <a:schemeClr val="tx1"/>
+            </a:fontRef>
+          </p:style>
+        </p:cxnSp>
+        <p:cxnSp>
+          <p:nvCxnSpPr>
+            <p:cNvPr id="15" name="Connettore diritto 14">
+              <a:extLst>
+                <a:ext uri="{FF2B5EF4-FFF2-40B4-BE49-F238E27FC236}">
+                  <a16:creationId xmlns:a16="http://schemas.microsoft.com/office/drawing/2014/main" id="{F5F12391-0CA2-45DC-B04A-ED419C9763CA}"/>
+                </a:ext>
+              </a:extLst>
+            </p:cNvPr>
+            <p:cNvCxnSpPr>
+              <a:cxnSpLocks/>
+            </p:cNvCxnSpPr>
+            <p:nvPr/>
+          </p:nvCxnSpPr>
+          <p:spPr>
+            <a:xfrm flipH="1">
+              <a:off x="3208164" y="3710940"/>
+              <a:ext cx="4375624" cy="0"/>
+            </a:xfrm>
+            <a:prstGeom prst="line">
+              <a:avLst/>
+            </a:prstGeom>
+            <a:ln>
+              <a:solidFill>
+                <a:schemeClr val="bg1">
+                  <a:lumMod val="50000"/>
+                </a:schemeClr>
+              </a:solidFill>
+            </a:ln>
+          </p:spPr>
+          <p:style>
+            <a:lnRef idx="3">
+              <a:schemeClr val="accent3"/>
+            </a:lnRef>
+            <a:fillRef idx="0">
+              <a:schemeClr val="accent3"/>
+            </a:fillRef>
+            <a:effectRef idx="2">
+              <a:schemeClr val="accent3"/>
+            </a:effectRef>
+            <a:fontRef idx="minor">
+              <a:schemeClr val="tx1"/>
+            </a:fontRef>
+          </p:style>
+        </p:cxnSp>
+      </p:grpSp>
+      <p:grpSp>
+        <p:nvGrpSpPr>
+          <p:cNvPr id="3" name="Gruppo 2">
+            <a:extLst>
+              <a:ext uri="{FF2B5EF4-FFF2-40B4-BE49-F238E27FC236}">
+                <a16:creationId xmlns:a16="http://schemas.microsoft.com/office/drawing/2014/main" id="{6BE5B7F9-B1BF-4658-AD05-215A9B06FFB9}"/>
+              </a:ext>
+            </a:extLst>
+          </p:cNvPr>
+          <p:cNvGrpSpPr/>
+          <p:nvPr/>
+        </p:nvGrpSpPr>
+        <p:grpSpPr>
+          <a:xfrm>
+            <a:off x="8485787" y="3224196"/>
+            <a:ext cx="1482130" cy="486744"/>
+            <a:chOff x="8485787" y="3224196"/>
+            <a:chExt cx="1482130" cy="486744"/>
+          </a:xfrm>
+        </p:grpSpPr>
+        <p:cxnSp>
+          <p:nvCxnSpPr>
+            <p:cNvPr id="18" name="Connettore diritto 17">
+              <a:extLst>
+                <a:ext uri="{FF2B5EF4-FFF2-40B4-BE49-F238E27FC236}">
+                  <a16:creationId xmlns:a16="http://schemas.microsoft.com/office/drawing/2014/main" id="{256C9EBA-1863-40EA-9CCB-9DEDC796E959}"/>
+                </a:ext>
+              </a:extLst>
+            </p:cNvPr>
+            <p:cNvCxnSpPr>
+              <a:cxnSpLocks/>
+              <a:stCxn id="14" idx="1"/>
+            </p:cNvCxnSpPr>
+            <p:nvPr/>
+          </p:nvCxnSpPr>
+          <p:spPr>
+            <a:xfrm>
+              <a:off x="9226852" y="3350828"/>
+              <a:ext cx="0" cy="360112"/>
+            </a:xfrm>
+            <a:prstGeom prst="line">
+              <a:avLst/>
+            </a:prstGeom>
+            <a:ln>
+              <a:solidFill>
+                <a:schemeClr val="bg1">
+                  <a:lumMod val="50000"/>
+                </a:schemeClr>
+              </a:solidFill>
+            </a:ln>
+          </p:spPr>
+          <p:style>
+            <a:lnRef idx="3">
+              <a:schemeClr val="accent3"/>
+            </a:lnRef>
+            <a:fillRef idx="0">
+              <a:schemeClr val="accent3"/>
+            </a:fillRef>
+            <a:effectRef idx="2">
+              <a:schemeClr val="accent3"/>
+            </a:effectRef>
+            <a:fontRef idx="minor">
+              <a:schemeClr val="tx1"/>
+            </a:fontRef>
+          </p:style>
+        </p:cxnSp>
+        <p:sp>
+          <p:nvSpPr>
+            <p:cNvPr id="14" name="Parentesi quadra aperta 13">
+              <a:extLst>
+                <a:ext uri="{FF2B5EF4-FFF2-40B4-BE49-F238E27FC236}">
+                  <a16:creationId xmlns:a16="http://schemas.microsoft.com/office/drawing/2014/main" id="{43D0101F-7EEA-4C48-B6A2-0BE3308B84C0}"/>
+                </a:ext>
+              </a:extLst>
+            </p:cNvPr>
+            <p:cNvSpPr/>
+            <p:nvPr/>
+          </p:nvSpPr>
+          <p:spPr>
+            <a:xfrm rot="16200000">
+              <a:off x="9163536" y="2546447"/>
+              <a:ext cx="126631" cy="1482130"/>
+            </a:xfrm>
+            <a:prstGeom prst="leftBracket">
+              <a:avLst/>
+            </a:prstGeom>
+            <a:ln>
+              <a:solidFill>
+                <a:schemeClr val="bg1">
+                  <a:lumMod val="50000"/>
+                </a:schemeClr>
+              </a:solidFill>
+            </a:ln>
+          </p:spPr>
+          <p:style>
+            <a:lnRef idx="3">
+              <a:schemeClr val="accent3"/>
+            </a:lnRef>
+            <a:fillRef idx="0">
+              <a:schemeClr val="accent3"/>
+            </a:fillRef>
+            <a:effectRef idx="2">
+              <a:schemeClr val="accent3"/>
+            </a:effectRef>
+            <a:fontRef idx="minor">
+              <a:schemeClr val="tx1"/>
+            </a:fontRef>
+          </p:style>
+          <p:txBody>
+            <a:bodyPr rtlCol="0" anchor="ctr"/>
+            <a:lstStyle/>
+            <a:p>
+              <a:pPr algn="ctr"/>
+              <a:endParaRPr lang="it-IT"/>
+            </a:p>
+          </p:txBody>
+        </p:sp>
+      </p:grpSp>
+    </p:spTree>
+    <p:extLst>
+      <p:ext uri="{BB962C8B-B14F-4D97-AF65-F5344CB8AC3E}">
+        <p14:creationId xmlns:p14="http://schemas.microsoft.com/office/powerpoint/2010/main" val="980962369"/>
+      </p:ext>
+    </p:extLst>
+  </p:cSld>
+  <p:clrMapOvr>
+    <a:masterClrMapping/>
+  </p:clrMapOvr>
+</p:sld>
+</file>
+
+<file path=ppt/slides/slide7.xml><?xml version="1.0" encoding="utf-8"?>
+<p:sld xmlns:a="http://schemas.openxmlformats.org/drawingml/2006/main" xmlns:r="http://schemas.openxmlformats.org/officeDocument/2006/relationships" xmlns:p="http://schemas.openxmlformats.org/presentationml/2006/main">
+  <p:cSld>
+    <p:spTree>
+      <p:nvGrpSpPr>
+        <p:cNvPr id="1" name=""/>
+        <p:cNvGrpSpPr/>
+        <p:nvPr/>
+      </p:nvGrpSpPr>
+      <p:grpSpPr>
+        <a:xfrm>
+          <a:off x="0" y="0"/>
+          <a:ext cx="0" cy="0"/>
+          <a:chOff x="0" y="0"/>
+          <a:chExt cx="0" cy="0"/>
+        </a:xfrm>
+      </p:grpSpPr>
+      <p:pic>
+        <p:nvPicPr>
+          <p:cNvPr id="6" name="Immagine 5">
+            <a:extLst>
+              <a:ext uri="{FF2B5EF4-FFF2-40B4-BE49-F238E27FC236}">
+                <a16:creationId xmlns:a16="http://schemas.microsoft.com/office/drawing/2014/main" id="{220B8AB2-004F-4347-AF80-C1CFF0326794}"/>
+              </a:ext>
+            </a:extLst>
+          </p:cNvPr>
+          <p:cNvPicPr>
+            <a:picLocks noChangeAspect="1"/>
+          </p:cNvPicPr>
+          <p:nvPr/>
+        </p:nvPicPr>
+        <p:blipFill>
+          <a:blip r:embed="rId2"/>
+          <a:stretch>
+            <a:fillRect/>
+          </a:stretch>
+        </p:blipFill>
+        <p:spPr>
+          <a:xfrm>
+            <a:off x="1942314" y="364477"/>
+            <a:ext cx="8141118" cy="2711589"/>
+          </a:xfrm>
+          <a:prstGeom prst="rect">
+            <a:avLst/>
+          </a:prstGeom>
+        </p:spPr>
+      </p:pic>
+      <p:grpSp>
+        <p:nvGrpSpPr>
+          <p:cNvPr id="4" name="Gruppo 3">
+            <a:extLst>
+              <a:ext uri="{FF2B5EF4-FFF2-40B4-BE49-F238E27FC236}">
+                <a16:creationId xmlns:a16="http://schemas.microsoft.com/office/drawing/2014/main" id="{1C30A508-F1C8-4F7A-BB71-F25544594F55}"/>
+              </a:ext>
+            </a:extLst>
+          </p:cNvPr>
+          <p:cNvGrpSpPr/>
+          <p:nvPr/>
+        </p:nvGrpSpPr>
+        <p:grpSpPr>
+          <a:xfrm flipV="1">
+            <a:off x="2380575" y="3224197"/>
+            <a:ext cx="6019528" cy="486744"/>
+            <a:chOff x="2380575" y="3224196"/>
+            <a:chExt cx="6019528" cy="888223"/>
+          </a:xfrm>
+        </p:grpSpPr>
+        <p:sp>
+          <p:nvSpPr>
+            <p:cNvPr id="7" name="Parentesi quadra aperta 6">
+              <a:extLst>
+                <a:ext uri="{FF2B5EF4-FFF2-40B4-BE49-F238E27FC236}">
+                  <a16:creationId xmlns:a16="http://schemas.microsoft.com/office/drawing/2014/main" id="{68F6DFF4-02B4-4BD2-A4A6-0E925A14FD05}"/>
+                </a:ext>
+              </a:extLst>
+            </p:cNvPr>
+            <p:cNvSpPr/>
+            <p:nvPr/>
+          </p:nvSpPr>
+          <p:spPr>
+            <a:xfrm rot="16200000">
+              <a:off x="3133573" y="2473280"/>
+              <a:ext cx="126631" cy="1632628"/>
+            </a:xfrm>
+            <a:prstGeom prst="leftBracket">
+              <a:avLst/>
+            </a:prstGeom>
+            <a:ln>
+              <a:solidFill>
+                <a:schemeClr val="bg1">
+                  <a:lumMod val="50000"/>
+                </a:schemeClr>
+              </a:solidFill>
+            </a:ln>
+          </p:spPr>
+          <p:style>
+            <a:lnRef idx="3">
+              <a:schemeClr val="accent3"/>
+            </a:lnRef>
+            <a:fillRef idx="0">
+              <a:schemeClr val="accent3"/>
+            </a:fillRef>
+            <a:effectRef idx="2">
+              <a:schemeClr val="accent3"/>
+            </a:effectRef>
+            <a:fontRef idx="minor">
+              <a:schemeClr val="tx1"/>
+            </a:fontRef>
+          </p:style>
+          <p:txBody>
+            <a:bodyPr rtlCol="0" anchor="ctr"/>
+            <a:lstStyle/>
+            <a:p>
+              <a:pPr algn="ctr"/>
+              <a:endParaRPr lang="it-IT"/>
+            </a:p>
+          </p:txBody>
+        </p:sp>
+        <p:sp>
+          <p:nvSpPr>
+            <p:cNvPr id="8" name="Parentesi quadra aperta 7">
+              <a:extLst>
+                <a:ext uri="{FF2B5EF4-FFF2-40B4-BE49-F238E27FC236}">
+                  <a16:creationId xmlns:a16="http://schemas.microsoft.com/office/drawing/2014/main" id="{BD5CB66E-FA44-4782-96DC-68D29A21BA14}"/>
+                </a:ext>
+              </a:extLst>
+            </p:cNvPr>
+            <p:cNvSpPr/>
+            <p:nvPr/>
+          </p:nvSpPr>
+          <p:spPr>
+            <a:xfrm rot="16200000">
+              <a:off x="5327022" y="2017191"/>
+              <a:ext cx="126631" cy="2544805"/>
+            </a:xfrm>
+            <a:prstGeom prst="leftBracket">
+              <a:avLst/>
+            </a:prstGeom>
+            <a:ln>
+              <a:solidFill>
+                <a:schemeClr val="bg2"/>
+              </a:solidFill>
+            </a:ln>
+          </p:spPr>
+          <p:style>
+            <a:lnRef idx="3">
+              <a:schemeClr val="accent3"/>
+            </a:lnRef>
+            <a:fillRef idx="0">
+              <a:schemeClr val="accent3"/>
+            </a:fillRef>
+            <a:effectRef idx="2">
+              <a:schemeClr val="accent3"/>
+            </a:effectRef>
+            <a:fontRef idx="minor">
+              <a:schemeClr val="tx1"/>
+            </a:fontRef>
+          </p:style>
+          <p:txBody>
+            <a:bodyPr rtlCol="0" anchor="ctr"/>
+            <a:lstStyle/>
+            <a:p>
+              <a:pPr algn="ctr"/>
+              <a:endParaRPr lang="it-IT"/>
+            </a:p>
+          </p:txBody>
+        </p:sp>
+        <p:sp>
+          <p:nvSpPr>
+            <p:cNvPr id="9" name="Parentesi quadra aperta 8">
+              <a:extLst>
+                <a:ext uri="{FF2B5EF4-FFF2-40B4-BE49-F238E27FC236}">
+                  <a16:creationId xmlns:a16="http://schemas.microsoft.com/office/drawing/2014/main" id="{40986B1A-62C2-4181-8FA3-79843AFF0957}"/>
+                </a:ext>
+              </a:extLst>
+            </p:cNvPr>
+            <p:cNvSpPr/>
+            <p:nvPr/>
+          </p:nvSpPr>
+          <p:spPr>
+            <a:xfrm rot="16200000">
+              <a:off x="7520472" y="2471197"/>
+              <a:ext cx="126631" cy="1632630"/>
+            </a:xfrm>
+            <a:prstGeom prst="leftBracket">
+              <a:avLst/>
+            </a:prstGeom>
+            <a:ln>
+              <a:solidFill>
+                <a:schemeClr val="bg1">
+                  <a:lumMod val="50000"/>
+                </a:schemeClr>
+              </a:solidFill>
+            </a:ln>
+          </p:spPr>
+          <p:style>
+            <a:lnRef idx="3">
+              <a:schemeClr val="accent3"/>
+            </a:lnRef>
+            <a:fillRef idx="0">
+              <a:schemeClr val="accent3"/>
+            </a:fillRef>
+            <a:effectRef idx="2">
+              <a:schemeClr val="accent3"/>
+            </a:effectRef>
+            <a:fontRef idx="minor">
+              <a:schemeClr val="tx1"/>
+            </a:fontRef>
+          </p:style>
+          <p:txBody>
+            <a:bodyPr rtlCol="0" anchor="ctr"/>
+            <a:lstStyle/>
+            <a:p>
+              <a:pPr algn="ctr"/>
+              <a:endParaRPr lang="it-IT"/>
+            </a:p>
+          </p:txBody>
+        </p:sp>
+        <p:cxnSp>
+          <p:nvCxnSpPr>
+            <p:cNvPr id="10" name="Connettore diritto 9">
+              <a:extLst>
+                <a:ext uri="{FF2B5EF4-FFF2-40B4-BE49-F238E27FC236}">
+                  <a16:creationId xmlns:a16="http://schemas.microsoft.com/office/drawing/2014/main" id="{DEB9DC35-B84B-4486-BB57-C2B45C021C15}"/>
+                </a:ext>
+              </a:extLst>
+            </p:cNvPr>
+            <p:cNvCxnSpPr>
+              <a:cxnSpLocks/>
+              <a:stCxn id="7" idx="1"/>
+            </p:cNvCxnSpPr>
+            <p:nvPr/>
+          </p:nvCxnSpPr>
+          <p:spPr>
+            <a:xfrm flipH="1">
+              <a:off x="3196888" y="3352910"/>
+              <a:ext cx="1" cy="759509"/>
+            </a:xfrm>
+            <a:prstGeom prst="line">
+              <a:avLst/>
+            </a:prstGeom>
+            <a:ln>
+              <a:solidFill>
+                <a:schemeClr val="bg1">
+                  <a:lumMod val="50000"/>
+                </a:schemeClr>
+              </a:solidFill>
+            </a:ln>
+          </p:spPr>
+          <p:style>
+            <a:lnRef idx="3">
+              <a:schemeClr val="accent3"/>
+            </a:lnRef>
+            <a:fillRef idx="0">
+              <a:schemeClr val="accent3"/>
+            </a:fillRef>
+            <a:effectRef idx="2">
+              <a:schemeClr val="accent3"/>
+            </a:effectRef>
+            <a:fontRef idx="minor">
+              <a:schemeClr val="tx1"/>
+            </a:fontRef>
+          </p:style>
+        </p:cxnSp>
+        <p:cxnSp>
+          <p:nvCxnSpPr>
+            <p:cNvPr id="12" name="Connettore diritto 11">
+              <a:extLst>
+                <a:ext uri="{FF2B5EF4-FFF2-40B4-BE49-F238E27FC236}">
+                  <a16:creationId xmlns:a16="http://schemas.microsoft.com/office/drawing/2014/main" id="{CCA27DB4-9E55-4B77-9696-E0BA42BFA269}"/>
+                </a:ext>
+              </a:extLst>
+            </p:cNvPr>
+            <p:cNvCxnSpPr>
+              <a:cxnSpLocks/>
+            </p:cNvCxnSpPr>
+            <p:nvPr/>
+          </p:nvCxnSpPr>
+          <p:spPr>
+            <a:xfrm>
+              <a:off x="5999938" y="3345235"/>
+              <a:ext cx="0" cy="731410"/>
+            </a:xfrm>
+            <a:prstGeom prst="line">
+              <a:avLst/>
+            </a:prstGeom>
+            <a:ln>
+              <a:solidFill>
+                <a:schemeClr val="bg2"/>
+              </a:solidFill>
+            </a:ln>
+          </p:spPr>
+          <p:style>
+            <a:lnRef idx="3">
+              <a:schemeClr val="accent3"/>
+            </a:lnRef>
+            <a:fillRef idx="0">
+              <a:schemeClr val="accent3"/>
+            </a:fillRef>
+            <a:effectRef idx="2">
+              <a:schemeClr val="accent3"/>
+            </a:effectRef>
+            <a:fontRef idx="minor">
+              <a:schemeClr val="tx1"/>
+            </a:fontRef>
+          </p:style>
+        </p:cxnSp>
+        <p:cxnSp>
+          <p:nvCxnSpPr>
+            <p:cNvPr id="13" name="Connettore diritto 12">
+              <a:extLst>
+                <a:ext uri="{FF2B5EF4-FFF2-40B4-BE49-F238E27FC236}">
+                  <a16:creationId xmlns:a16="http://schemas.microsoft.com/office/drawing/2014/main" id="{D21C5242-638C-4C4A-BB76-35120148F667}"/>
+                </a:ext>
+              </a:extLst>
+            </p:cNvPr>
+            <p:cNvCxnSpPr>
+              <a:cxnSpLocks/>
+              <a:stCxn id="9" idx="1"/>
+            </p:cNvCxnSpPr>
+            <p:nvPr/>
+          </p:nvCxnSpPr>
+          <p:spPr>
+            <a:xfrm>
+              <a:off x="7583788" y="3350828"/>
+              <a:ext cx="1" cy="367731"/>
+            </a:xfrm>
+            <a:prstGeom prst="line">
+              <a:avLst/>
+            </a:prstGeom>
+            <a:ln>
+              <a:solidFill>
+                <a:schemeClr val="bg1">
+                  <a:lumMod val="50000"/>
+                </a:schemeClr>
+              </a:solidFill>
+            </a:ln>
+          </p:spPr>
+          <p:style>
+            <a:lnRef idx="3">
+              <a:schemeClr val="accent3"/>
+            </a:lnRef>
+            <a:fillRef idx="0">
+              <a:schemeClr val="accent3"/>
+            </a:fillRef>
+            <a:effectRef idx="2">
+              <a:schemeClr val="accent3"/>
+            </a:effectRef>
+            <a:fontRef idx="minor">
+              <a:schemeClr val="tx1"/>
+            </a:fontRef>
+          </p:style>
+        </p:cxnSp>
+        <p:cxnSp>
+          <p:nvCxnSpPr>
+            <p:cNvPr id="15" name="Connettore diritto 14">
+              <a:extLst>
+                <a:ext uri="{FF2B5EF4-FFF2-40B4-BE49-F238E27FC236}">
+                  <a16:creationId xmlns:a16="http://schemas.microsoft.com/office/drawing/2014/main" id="{F5F12391-0CA2-45DC-B04A-ED419C9763CA}"/>
+                </a:ext>
+              </a:extLst>
+            </p:cNvPr>
+            <p:cNvCxnSpPr>
+              <a:cxnSpLocks/>
+            </p:cNvCxnSpPr>
+            <p:nvPr/>
+          </p:nvCxnSpPr>
+          <p:spPr>
+            <a:xfrm flipH="1">
+              <a:off x="3208164" y="3710940"/>
+              <a:ext cx="4375624" cy="0"/>
+            </a:xfrm>
+            <a:prstGeom prst="line">
+              <a:avLst/>
+            </a:prstGeom>
+            <a:ln>
+              <a:solidFill>
+                <a:schemeClr val="bg1">
+                  <a:lumMod val="50000"/>
+                </a:schemeClr>
+              </a:solidFill>
+            </a:ln>
+          </p:spPr>
+          <p:style>
+            <a:lnRef idx="3">
+              <a:schemeClr val="accent3"/>
+            </a:lnRef>
+            <a:fillRef idx="0">
+              <a:schemeClr val="accent3"/>
+            </a:fillRef>
+            <a:effectRef idx="2">
+              <a:schemeClr val="accent3"/>
+            </a:effectRef>
+            <a:fontRef idx="minor">
+              <a:schemeClr val="tx1"/>
+            </a:fontRef>
+          </p:style>
+        </p:cxnSp>
+      </p:grpSp>
+      <p:grpSp>
+        <p:nvGrpSpPr>
+          <p:cNvPr id="3" name="Gruppo 2">
+            <a:extLst>
+              <a:ext uri="{FF2B5EF4-FFF2-40B4-BE49-F238E27FC236}">
+                <a16:creationId xmlns:a16="http://schemas.microsoft.com/office/drawing/2014/main" id="{6BE5B7F9-B1BF-4658-AD05-215A9B06FFB9}"/>
+              </a:ext>
+            </a:extLst>
+          </p:cNvPr>
+          <p:cNvGrpSpPr/>
+          <p:nvPr/>
+        </p:nvGrpSpPr>
+        <p:grpSpPr>
+          <a:xfrm>
+            <a:off x="8485787" y="3224196"/>
+            <a:ext cx="1482130" cy="486744"/>
+            <a:chOff x="8485787" y="3224196"/>
+            <a:chExt cx="1482130" cy="486744"/>
+          </a:xfrm>
+        </p:grpSpPr>
+        <p:cxnSp>
+          <p:nvCxnSpPr>
+            <p:cNvPr id="18" name="Connettore diritto 17">
+              <a:extLst>
+                <a:ext uri="{FF2B5EF4-FFF2-40B4-BE49-F238E27FC236}">
+                  <a16:creationId xmlns:a16="http://schemas.microsoft.com/office/drawing/2014/main" id="{256C9EBA-1863-40EA-9CCB-9DEDC796E959}"/>
+                </a:ext>
+              </a:extLst>
+            </p:cNvPr>
+            <p:cNvCxnSpPr>
+              <a:cxnSpLocks/>
+              <a:stCxn id="14" idx="1"/>
+            </p:cNvCxnSpPr>
+            <p:nvPr/>
+          </p:nvCxnSpPr>
+          <p:spPr>
+            <a:xfrm>
+              <a:off x="9226852" y="3350828"/>
+              <a:ext cx="0" cy="360112"/>
+            </a:xfrm>
+            <a:prstGeom prst="line">
+              <a:avLst/>
+            </a:prstGeom>
+            <a:ln>
+              <a:solidFill>
+                <a:schemeClr val="bg1">
+                  <a:lumMod val="50000"/>
+                </a:schemeClr>
+              </a:solidFill>
+            </a:ln>
+          </p:spPr>
+          <p:style>
+            <a:lnRef idx="3">
+              <a:schemeClr val="accent3"/>
+            </a:lnRef>
+            <a:fillRef idx="0">
+              <a:schemeClr val="accent3"/>
+            </a:fillRef>
+            <a:effectRef idx="2">
+              <a:schemeClr val="accent3"/>
+            </a:effectRef>
+            <a:fontRef idx="minor">
+              <a:schemeClr val="tx1"/>
+            </a:fontRef>
+          </p:style>
+        </p:cxnSp>
+        <p:sp>
+          <p:nvSpPr>
+            <p:cNvPr id="14" name="Parentesi quadra aperta 13">
+              <a:extLst>
+                <a:ext uri="{FF2B5EF4-FFF2-40B4-BE49-F238E27FC236}">
+                  <a16:creationId xmlns:a16="http://schemas.microsoft.com/office/drawing/2014/main" id="{43D0101F-7EEA-4C48-B6A2-0BE3308B84C0}"/>
+                </a:ext>
+              </a:extLst>
+            </p:cNvPr>
+            <p:cNvSpPr/>
+            <p:nvPr/>
+          </p:nvSpPr>
+          <p:spPr>
+            <a:xfrm rot="16200000">
+              <a:off x="9163536" y="2546447"/>
+              <a:ext cx="126631" cy="1482130"/>
+            </a:xfrm>
+            <a:prstGeom prst="leftBracket">
+              <a:avLst/>
+            </a:prstGeom>
+            <a:ln>
+              <a:solidFill>
+                <a:schemeClr val="bg1">
+                  <a:lumMod val="50000"/>
+                </a:schemeClr>
+              </a:solidFill>
+            </a:ln>
+          </p:spPr>
+          <p:style>
+            <a:lnRef idx="3">
+              <a:schemeClr val="accent3"/>
+            </a:lnRef>
+            <a:fillRef idx="0">
+              <a:schemeClr val="accent3"/>
+            </a:fillRef>
+            <a:effectRef idx="2">
+              <a:schemeClr val="accent3"/>
+            </a:effectRef>
+            <a:fontRef idx="minor">
+              <a:schemeClr val="tx1"/>
+            </a:fontRef>
+          </p:style>
+          <p:txBody>
+            <a:bodyPr rtlCol="0" anchor="ctr"/>
+            <a:lstStyle/>
+            <a:p>
+              <a:pPr algn="ctr"/>
+              <a:endParaRPr lang="it-IT"/>
+            </a:p>
+          </p:txBody>
+        </p:sp>
+      </p:grpSp>
+    </p:spTree>
+    <p:extLst>
+      <p:ext uri="{BB962C8B-B14F-4D97-AF65-F5344CB8AC3E}">
+        <p14:creationId xmlns:p14="http://schemas.microsoft.com/office/powerpoint/2010/main" val="3228860322"/>
+      </p:ext>
+    </p:extLst>
+  </p:cSld>
+  <p:clrMapOvr>
+    <a:masterClrMapping/>
+  </p:clrMapOvr>
+</p:sld>
+</file>
+
+<file path=ppt/slides/slide8.xml><?xml version="1.0" encoding="utf-8"?>
+<p:sld xmlns:a="http://schemas.openxmlformats.org/drawingml/2006/main" xmlns:r="http://schemas.openxmlformats.org/officeDocument/2006/relationships" xmlns:p="http://schemas.openxmlformats.org/presentationml/2006/main">
+  <p:cSld>
+    <p:spTree>
+      <p:nvGrpSpPr>
+        <p:cNvPr id="1" name=""/>
+        <p:cNvGrpSpPr/>
+        <p:nvPr/>
+      </p:nvGrpSpPr>
+      <p:grpSpPr>
+        <a:xfrm>
+          <a:off x="0" y="0"/>
+          <a:ext cx="0" cy="0"/>
+          <a:chOff x="0" y="0"/>
+          <a:chExt cx="0" cy="0"/>
+        </a:xfrm>
+      </p:grpSpPr>
+      <p:pic>
+        <p:nvPicPr>
+          <p:cNvPr id="6" name="Immagine 5">
+            <a:extLst>
+              <a:ext uri="{FF2B5EF4-FFF2-40B4-BE49-F238E27FC236}">
+                <a16:creationId xmlns:a16="http://schemas.microsoft.com/office/drawing/2014/main" id="{220B8AB2-004F-4347-AF80-C1CFF0326794}"/>
+              </a:ext>
+            </a:extLst>
+          </p:cNvPr>
+          <p:cNvPicPr>
+            <a:picLocks noChangeAspect="1"/>
+          </p:cNvPicPr>
+          <p:nvPr/>
+        </p:nvPicPr>
+        <p:blipFill>
+          <a:blip r:embed="rId2"/>
+          <a:stretch>
+            <a:fillRect/>
+          </a:stretch>
+        </p:blipFill>
+        <p:spPr>
+          <a:xfrm>
+            <a:off x="1942314" y="364477"/>
+            <a:ext cx="8141118" cy="2711589"/>
+          </a:xfrm>
+          <a:prstGeom prst="rect">
+            <a:avLst/>
+          </a:prstGeom>
+        </p:spPr>
+      </p:pic>
+      <p:grpSp>
+        <p:nvGrpSpPr>
+          <p:cNvPr id="4" name="Gruppo 3">
+            <a:extLst>
+              <a:ext uri="{FF2B5EF4-FFF2-40B4-BE49-F238E27FC236}">
+                <a16:creationId xmlns:a16="http://schemas.microsoft.com/office/drawing/2014/main" id="{1C30A508-F1C8-4F7A-BB71-F25544594F55}"/>
+              </a:ext>
+            </a:extLst>
+          </p:cNvPr>
+          <p:cNvGrpSpPr/>
+          <p:nvPr/>
+        </p:nvGrpSpPr>
+        <p:grpSpPr>
+          <a:xfrm flipV="1">
+            <a:off x="2380575" y="3224196"/>
+            <a:ext cx="6019528" cy="888223"/>
+            <a:chOff x="2380575" y="3224196"/>
+            <a:chExt cx="6019528" cy="888223"/>
+          </a:xfrm>
+        </p:grpSpPr>
+        <p:sp>
+          <p:nvSpPr>
+            <p:cNvPr id="7" name="Parentesi quadra aperta 6">
+              <a:extLst>
+                <a:ext uri="{FF2B5EF4-FFF2-40B4-BE49-F238E27FC236}">
+                  <a16:creationId xmlns:a16="http://schemas.microsoft.com/office/drawing/2014/main" id="{68F6DFF4-02B4-4BD2-A4A6-0E925A14FD05}"/>
+                </a:ext>
+              </a:extLst>
+            </p:cNvPr>
+            <p:cNvSpPr/>
+            <p:nvPr/>
+          </p:nvSpPr>
+          <p:spPr>
+            <a:xfrm rot="16200000">
+              <a:off x="3133573" y="2473280"/>
+              <a:ext cx="126631" cy="1632628"/>
+            </a:xfrm>
+            <a:prstGeom prst="leftBracket">
+              <a:avLst/>
+            </a:prstGeom>
+            <a:ln>
+              <a:solidFill>
+                <a:schemeClr val="bg1">
+                  <a:lumMod val="50000"/>
+                </a:schemeClr>
+              </a:solidFill>
+            </a:ln>
+          </p:spPr>
+          <p:style>
+            <a:lnRef idx="3">
+              <a:schemeClr val="accent3"/>
+            </a:lnRef>
+            <a:fillRef idx="0">
+              <a:schemeClr val="accent3"/>
+            </a:fillRef>
+            <a:effectRef idx="2">
+              <a:schemeClr val="accent3"/>
+            </a:effectRef>
+            <a:fontRef idx="minor">
+              <a:schemeClr val="tx1"/>
+            </a:fontRef>
+          </p:style>
+          <p:txBody>
+            <a:bodyPr rtlCol="0" anchor="ctr"/>
+            <a:lstStyle/>
+            <a:p>
+              <a:pPr algn="ctr"/>
+              <a:endParaRPr lang="it-IT"/>
+            </a:p>
+          </p:txBody>
+        </p:sp>
+        <p:sp>
+          <p:nvSpPr>
+            <p:cNvPr id="8" name="Parentesi quadra aperta 7">
+              <a:extLst>
+                <a:ext uri="{FF2B5EF4-FFF2-40B4-BE49-F238E27FC236}">
+                  <a16:creationId xmlns:a16="http://schemas.microsoft.com/office/drawing/2014/main" id="{BD5CB66E-FA44-4782-96DC-68D29A21BA14}"/>
+                </a:ext>
+              </a:extLst>
+            </p:cNvPr>
+            <p:cNvSpPr/>
+            <p:nvPr/>
+          </p:nvSpPr>
+          <p:spPr>
+            <a:xfrm rot="16200000">
+              <a:off x="5327022" y="2017191"/>
+              <a:ext cx="126631" cy="2544805"/>
+            </a:xfrm>
+            <a:prstGeom prst="leftBracket">
+              <a:avLst/>
+            </a:prstGeom>
+            <a:ln>
+              <a:solidFill>
+                <a:schemeClr val="bg2"/>
+              </a:solidFill>
+            </a:ln>
+          </p:spPr>
+          <p:style>
+            <a:lnRef idx="3">
+              <a:schemeClr val="accent3"/>
+            </a:lnRef>
+            <a:fillRef idx="0">
+              <a:schemeClr val="accent3"/>
+            </a:fillRef>
+            <a:effectRef idx="2">
+              <a:schemeClr val="accent3"/>
+            </a:effectRef>
+            <a:fontRef idx="minor">
+              <a:schemeClr val="tx1"/>
+            </a:fontRef>
+          </p:style>
+          <p:txBody>
+            <a:bodyPr rtlCol="0" anchor="ctr"/>
+            <a:lstStyle/>
+            <a:p>
+              <a:pPr algn="ctr"/>
+              <a:endParaRPr lang="it-IT"/>
+            </a:p>
+          </p:txBody>
+        </p:sp>
+        <p:sp>
+          <p:nvSpPr>
+            <p:cNvPr id="9" name="Parentesi quadra aperta 8">
+              <a:extLst>
+                <a:ext uri="{FF2B5EF4-FFF2-40B4-BE49-F238E27FC236}">
+                  <a16:creationId xmlns:a16="http://schemas.microsoft.com/office/drawing/2014/main" id="{40986B1A-62C2-4181-8FA3-79843AFF0957}"/>
+                </a:ext>
+              </a:extLst>
+            </p:cNvPr>
+            <p:cNvSpPr/>
+            <p:nvPr/>
+          </p:nvSpPr>
+          <p:spPr>
+            <a:xfrm rot="16200000">
+              <a:off x="7520472" y="2471197"/>
+              <a:ext cx="126631" cy="1632630"/>
+            </a:xfrm>
+            <a:prstGeom prst="leftBracket">
+              <a:avLst/>
+            </a:prstGeom>
+            <a:ln>
+              <a:solidFill>
+                <a:schemeClr val="bg1">
+                  <a:lumMod val="50000"/>
+                </a:schemeClr>
+              </a:solidFill>
+            </a:ln>
+          </p:spPr>
+          <p:style>
+            <a:lnRef idx="3">
+              <a:schemeClr val="accent3"/>
+            </a:lnRef>
+            <a:fillRef idx="0">
+              <a:schemeClr val="accent3"/>
+            </a:fillRef>
+            <a:effectRef idx="2">
+              <a:schemeClr val="accent3"/>
+            </a:effectRef>
+            <a:fontRef idx="minor">
+              <a:schemeClr val="tx1"/>
+            </a:fontRef>
+          </p:style>
+          <p:txBody>
+            <a:bodyPr rtlCol="0" anchor="ctr"/>
+            <a:lstStyle/>
+            <a:p>
+              <a:pPr algn="ctr"/>
+              <a:endParaRPr lang="it-IT"/>
+            </a:p>
+          </p:txBody>
+        </p:sp>
+        <p:cxnSp>
+          <p:nvCxnSpPr>
+            <p:cNvPr id="10" name="Connettore diritto 9">
+              <a:extLst>
+                <a:ext uri="{FF2B5EF4-FFF2-40B4-BE49-F238E27FC236}">
+                  <a16:creationId xmlns:a16="http://schemas.microsoft.com/office/drawing/2014/main" id="{DEB9DC35-B84B-4486-BB57-C2B45C021C15}"/>
+                </a:ext>
+              </a:extLst>
+            </p:cNvPr>
+            <p:cNvCxnSpPr>
+              <a:cxnSpLocks/>
+              <a:stCxn id="7" idx="1"/>
+            </p:cNvCxnSpPr>
+            <p:nvPr/>
+          </p:nvCxnSpPr>
+          <p:spPr>
+            <a:xfrm flipH="1">
+              <a:off x="3196888" y="3352910"/>
+              <a:ext cx="1" cy="759509"/>
+            </a:xfrm>
+            <a:prstGeom prst="line">
+              <a:avLst/>
+            </a:prstGeom>
+            <a:ln>
+              <a:solidFill>
+                <a:schemeClr val="bg1">
+                  <a:lumMod val="50000"/>
+                </a:schemeClr>
+              </a:solidFill>
+            </a:ln>
+          </p:spPr>
+          <p:style>
+            <a:lnRef idx="3">
+              <a:schemeClr val="accent3"/>
+            </a:lnRef>
+            <a:fillRef idx="0">
+              <a:schemeClr val="accent3"/>
+            </a:fillRef>
+            <a:effectRef idx="2">
+              <a:schemeClr val="accent3"/>
+            </a:effectRef>
+            <a:fontRef idx="minor">
+              <a:schemeClr val="tx1"/>
+            </a:fontRef>
+          </p:style>
+        </p:cxnSp>
+        <p:cxnSp>
+          <p:nvCxnSpPr>
+            <p:cNvPr id="12" name="Connettore diritto 11">
+              <a:extLst>
+                <a:ext uri="{FF2B5EF4-FFF2-40B4-BE49-F238E27FC236}">
+                  <a16:creationId xmlns:a16="http://schemas.microsoft.com/office/drawing/2014/main" id="{CCA27DB4-9E55-4B77-9696-E0BA42BFA269}"/>
+                </a:ext>
+              </a:extLst>
+            </p:cNvPr>
+            <p:cNvCxnSpPr>
+              <a:cxnSpLocks/>
+              <a:stCxn id="8" idx="1"/>
+            </p:cNvCxnSpPr>
+            <p:nvPr/>
+          </p:nvCxnSpPr>
+          <p:spPr>
+            <a:xfrm>
+              <a:off x="5390338" y="3352909"/>
+              <a:ext cx="0" cy="731410"/>
+            </a:xfrm>
+            <a:prstGeom prst="line">
+              <a:avLst/>
+            </a:prstGeom>
+            <a:ln>
+              <a:solidFill>
+                <a:schemeClr val="bg2"/>
+              </a:solidFill>
+            </a:ln>
+          </p:spPr>
+          <p:style>
+            <a:lnRef idx="3">
+              <a:schemeClr val="accent3"/>
+            </a:lnRef>
+            <a:fillRef idx="0">
+              <a:schemeClr val="accent3"/>
+            </a:fillRef>
+            <a:effectRef idx="2">
+              <a:schemeClr val="accent3"/>
+            </a:effectRef>
+            <a:fontRef idx="minor">
+              <a:schemeClr val="tx1"/>
+            </a:fontRef>
+          </p:style>
+        </p:cxnSp>
+        <p:cxnSp>
+          <p:nvCxnSpPr>
+            <p:cNvPr id="13" name="Connettore diritto 12">
+              <a:extLst>
+                <a:ext uri="{FF2B5EF4-FFF2-40B4-BE49-F238E27FC236}">
+                  <a16:creationId xmlns:a16="http://schemas.microsoft.com/office/drawing/2014/main" id="{D21C5242-638C-4C4A-BB76-35120148F667}"/>
+                </a:ext>
+              </a:extLst>
+            </p:cNvPr>
+            <p:cNvCxnSpPr>
+              <a:cxnSpLocks/>
+              <a:stCxn id="9" idx="1"/>
+            </p:cNvCxnSpPr>
+            <p:nvPr/>
+          </p:nvCxnSpPr>
+          <p:spPr>
+            <a:xfrm>
+              <a:off x="7583788" y="3350828"/>
+              <a:ext cx="1" cy="367731"/>
+            </a:xfrm>
+            <a:prstGeom prst="line">
+              <a:avLst/>
+            </a:prstGeom>
+            <a:ln>
+              <a:solidFill>
+                <a:schemeClr val="bg1">
+                  <a:lumMod val="50000"/>
+                </a:schemeClr>
+              </a:solidFill>
+            </a:ln>
+          </p:spPr>
+          <p:style>
+            <a:lnRef idx="3">
+              <a:schemeClr val="accent3"/>
+            </a:lnRef>
+            <a:fillRef idx="0">
+              <a:schemeClr val="accent3"/>
+            </a:fillRef>
+            <a:effectRef idx="2">
+              <a:schemeClr val="accent3"/>
+            </a:effectRef>
+            <a:fontRef idx="minor">
+              <a:schemeClr val="tx1"/>
+            </a:fontRef>
+          </p:style>
+        </p:cxnSp>
+        <p:cxnSp>
+          <p:nvCxnSpPr>
+            <p:cNvPr id="15" name="Connettore diritto 14">
+              <a:extLst>
+                <a:ext uri="{FF2B5EF4-FFF2-40B4-BE49-F238E27FC236}">
+                  <a16:creationId xmlns:a16="http://schemas.microsoft.com/office/drawing/2014/main" id="{F5F12391-0CA2-45DC-B04A-ED419C9763CA}"/>
+                </a:ext>
+              </a:extLst>
+            </p:cNvPr>
+            <p:cNvCxnSpPr>
+              <a:cxnSpLocks/>
+            </p:cNvCxnSpPr>
+            <p:nvPr/>
+          </p:nvCxnSpPr>
+          <p:spPr>
+            <a:xfrm flipH="1">
+              <a:off x="3208164" y="3710940"/>
+              <a:ext cx="4375624" cy="0"/>
+            </a:xfrm>
+            <a:prstGeom prst="line">
+              <a:avLst/>
+            </a:prstGeom>
+            <a:ln>
+              <a:solidFill>
+                <a:schemeClr val="bg1">
+                  <a:lumMod val="50000"/>
+                </a:schemeClr>
+              </a:solidFill>
+            </a:ln>
+          </p:spPr>
+          <p:style>
+            <a:lnRef idx="3">
+              <a:schemeClr val="accent3"/>
+            </a:lnRef>
+            <a:fillRef idx="0">
+              <a:schemeClr val="accent3"/>
+            </a:fillRef>
+            <a:effectRef idx="2">
+              <a:schemeClr val="accent3"/>
+            </a:effectRef>
+            <a:fontRef idx="minor">
+              <a:schemeClr val="tx1"/>
+            </a:fontRef>
+          </p:style>
+        </p:cxnSp>
+      </p:grpSp>
+      <p:grpSp>
+        <p:nvGrpSpPr>
+          <p:cNvPr id="3" name="Gruppo 2">
+            <a:extLst>
+              <a:ext uri="{FF2B5EF4-FFF2-40B4-BE49-F238E27FC236}">
+                <a16:creationId xmlns:a16="http://schemas.microsoft.com/office/drawing/2014/main" id="{6BE5B7F9-B1BF-4658-AD05-215A9B06FFB9}"/>
+              </a:ext>
+            </a:extLst>
+          </p:cNvPr>
+          <p:cNvGrpSpPr/>
+          <p:nvPr/>
+        </p:nvGrpSpPr>
+        <p:grpSpPr>
+          <a:xfrm flipV="1">
+            <a:off x="8485787" y="3224196"/>
+            <a:ext cx="1482130" cy="860124"/>
+            <a:chOff x="8485787" y="3224196"/>
+            <a:chExt cx="1482130" cy="860124"/>
+          </a:xfrm>
+        </p:grpSpPr>
+        <p:cxnSp>
+          <p:nvCxnSpPr>
+            <p:cNvPr id="18" name="Connettore diritto 17">
+              <a:extLst>
+                <a:ext uri="{FF2B5EF4-FFF2-40B4-BE49-F238E27FC236}">
+                  <a16:creationId xmlns:a16="http://schemas.microsoft.com/office/drawing/2014/main" id="{256C9EBA-1863-40EA-9CCB-9DEDC796E959}"/>
+                </a:ext>
+              </a:extLst>
+            </p:cNvPr>
+            <p:cNvCxnSpPr>
+              <a:cxnSpLocks/>
+              <a:stCxn id="14" idx="1"/>
+            </p:cNvCxnSpPr>
+            <p:nvPr/>
+          </p:nvCxnSpPr>
+          <p:spPr>
+            <a:xfrm>
+              <a:off x="9226852" y="3350828"/>
+              <a:ext cx="0" cy="733492"/>
+            </a:xfrm>
+            <a:prstGeom prst="line">
+              <a:avLst/>
+            </a:prstGeom>
+            <a:ln>
+              <a:solidFill>
+                <a:schemeClr val="bg1">
+                  <a:lumMod val="50000"/>
+                </a:schemeClr>
+              </a:solidFill>
+            </a:ln>
+          </p:spPr>
+          <p:style>
+            <a:lnRef idx="3">
+              <a:schemeClr val="accent3"/>
+            </a:lnRef>
+            <a:fillRef idx="0">
+              <a:schemeClr val="accent3"/>
+            </a:fillRef>
+            <a:effectRef idx="2">
+              <a:schemeClr val="accent3"/>
+            </a:effectRef>
+            <a:fontRef idx="minor">
+              <a:schemeClr val="tx1"/>
+            </a:fontRef>
+          </p:style>
+        </p:cxnSp>
+        <p:sp>
+          <p:nvSpPr>
+            <p:cNvPr id="14" name="Parentesi quadra aperta 13">
+              <a:extLst>
+                <a:ext uri="{FF2B5EF4-FFF2-40B4-BE49-F238E27FC236}">
+                  <a16:creationId xmlns:a16="http://schemas.microsoft.com/office/drawing/2014/main" id="{43D0101F-7EEA-4C48-B6A2-0BE3308B84C0}"/>
+                </a:ext>
+              </a:extLst>
+            </p:cNvPr>
+            <p:cNvSpPr/>
+            <p:nvPr/>
+          </p:nvSpPr>
+          <p:spPr>
+            <a:xfrm rot="16200000">
+              <a:off x="9163536" y="2546447"/>
+              <a:ext cx="126631" cy="1482130"/>
+            </a:xfrm>
+            <a:prstGeom prst="leftBracket">
+              <a:avLst/>
+            </a:prstGeom>
+            <a:ln>
+              <a:solidFill>
+                <a:schemeClr val="bg1">
+                  <a:lumMod val="50000"/>
+                </a:schemeClr>
+              </a:solidFill>
+            </a:ln>
+          </p:spPr>
+          <p:style>
+            <a:lnRef idx="3">
+              <a:schemeClr val="accent3"/>
+            </a:lnRef>
+            <a:fillRef idx="0">
+              <a:schemeClr val="accent3"/>
+            </a:fillRef>
+            <a:effectRef idx="2">
+              <a:schemeClr val="accent3"/>
+            </a:effectRef>
+            <a:fontRef idx="minor">
+              <a:schemeClr val="tx1"/>
+            </a:fontRef>
+          </p:style>
+          <p:txBody>
+            <a:bodyPr rtlCol="0" anchor="ctr"/>
+            <a:lstStyle/>
+            <a:p>
+              <a:pPr algn="ctr"/>
+              <a:endParaRPr lang="it-IT"/>
+            </a:p>
+          </p:txBody>
+        </p:sp>
+      </p:grpSp>
+    </p:spTree>
+    <p:extLst>
+      <p:ext uri="{BB962C8B-B14F-4D97-AF65-F5344CB8AC3E}">
+        <p14:creationId xmlns:p14="http://schemas.microsoft.com/office/powerpoint/2010/main" val="1929371349"/>
+      </p:ext>
+    </p:extLst>
+  </p:cSld>
+  <p:clrMapOvr>
+    <a:masterClrMapping/>
+  </p:clrMapOvr>
+</p:sld>
+</file>
+
+<file path=ppt/slides/slide9.xml><?xml version="1.0" encoding="utf-8"?>
+<p:sld xmlns:a="http://schemas.openxmlformats.org/drawingml/2006/main" xmlns:r="http://schemas.openxmlformats.org/officeDocument/2006/relationships" xmlns:p="http://schemas.openxmlformats.org/presentationml/2006/main">
+  <p:cSld>
+    <p:spTree>
+      <p:nvGrpSpPr>
+        <p:cNvPr id="1" name=""/>
+        <p:cNvGrpSpPr/>
+        <p:nvPr/>
+      </p:nvGrpSpPr>
+      <p:grpSpPr>
+        <a:xfrm>
+          <a:off x="0" y="0"/>
+          <a:ext cx="0" cy="0"/>
+          <a:chOff x="0" y="0"/>
+          <a:chExt cx="0" cy="0"/>
+        </a:xfrm>
+      </p:grpSpPr>
+      <p:pic>
+        <p:nvPicPr>
+          <p:cNvPr id="5" name="Immagine 4">
+            <a:extLst>
+              <a:ext uri="{FF2B5EF4-FFF2-40B4-BE49-F238E27FC236}">
+                <a16:creationId xmlns:a16="http://schemas.microsoft.com/office/drawing/2014/main" id="{1581BB34-9F1E-40A4-AAC9-8758003FB30A}"/>
+              </a:ext>
+            </a:extLst>
+          </p:cNvPr>
+          <p:cNvPicPr>
+            <a:picLocks noChangeAspect="1"/>
+          </p:cNvPicPr>
+          <p:nvPr/>
+        </p:nvPicPr>
+        <p:blipFill>
+          <a:blip r:embed="rId2"/>
+          <a:stretch>
+            <a:fillRect/>
+          </a:stretch>
+        </p:blipFill>
+        <p:spPr>
+          <a:xfrm>
+            <a:off x="5597499" y="2800317"/>
+            <a:ext cx="997001" cy="1257365"/>
+          </a:xfrm>
+          <a:prstGeom prst="rect">
+            <a:avLst/>
+          </a:prstGeom>
+        </p:spPr>
+      </p:pic>
+    </p:spTree>
+    <p:extLst>
+      <p:ext uri="{BB962C8B-B14F-4D97-AF65-F5344CB8AC3E}">
+        <p14:creationId xmlns:p14="http://schemas.microsoft.com/office/powerpoint/2010/main" val="2896022669"/>
       </p:ext>
     </p:extLst>
   </p:cSld>

--- a/Prove_Tableau/Bozza della visualizzazione.pptx
+++ b/Prove_Tableau/Bozza della visualizzazione.pptx
@@ -123,7 +123,7 @@
 <file path=ppt/revisionInfo.xml><?xml version="1.0" encoding="utf-8"?>
 <p1510:revInfo xmlns:a="http://schemas.openxmlformats.org/drawingml/2006/main" xmlns:r="http://schemas.openxmlformats.org/officeDocument/2006/relationships" xmlns:p1510="http://schemas.microsoft.com/office/powerpoint/2015/10/main">
   <p1510:revLst>
-    <p1510:client id="{08CD40F2-EDD6-4A15-B8CD-42C4223A8E6F}" v="177" dt="2022-01-31T04:40:37.222"/>
+    <p1510:client id="{08CD40F2-EDD6-4A15-B8CD-42C4223A8E6F}" v="193" dt="2022-01-31T17:17:24.662"/>
   </p1510:revLst>
 </p1510:revInfo>
 </file>
@@ -133,7 +133,7 @@
   <pc:docChgLst>
     <pc:chgData name="g.carbone8@campus.unimib.it" userId="b00d38c9-59ca-445d-a206-84026ffe8624" providerId="ADAL" clId="{08CD40F2-EDD6-4A15-B8CD-42C4223A8E6F}"/>
     <pc:docChg chg="undo custSel addSld modSld">
-      <pc:chgData name="g.carbone8@campus.unimib.it" userId="b00d38c9-59ca-445d-a206-84026ffe8624" providerId="ADAL" clId="{08CD40F2-EDD6-4A15-B8CD-42C4223A8E6F}" dt="2022-01-31T14:50:57.475" v="1459" actId="22"/>
+      <pc:chgData name="g.carbone8@campus.unimib.it" userId="b00d38c9-59ca-445d-a206-84026ffe8624" providerId="ADAL" clId="{08CD40F2-EDD6-4A15-B8CD-42C4223A8E6F}" dt="2022-01-31T17:17:24.662" v="1537" actId="164"/>
       <pc:docMkLst>
         <pc:docMk/>
       </pc:docMkLst>
@@ -905,8 +905,8 @@
           </ac:cxnSpMkLst>
         </pc:cxnChg>
       </pc:sldChg>
-      <pc:sldChg chg="addSp delSp new mod">
-        <pc:chgData name="g.carbone8@campus.unimib.it" userId="b00d38c9-59ca-445d-a206-84026ffe8624" providerId="ADAL" clId="{08CD40F2-EDD6-4A15-B8CD-42C4223A8E6F}" dt="2022-01-31T14:50:57.475" v="1459" actId="22"/>
+      <pc:sldChg chg="addSp delSp modSp new mod">
+        <pc:chgData name="g.carbone8@campus.unimib.it" userId="b00d38c9-59ca-445d-a206-84026ffe8624" providerId="ADAL" clId="{08CD40F2-EDD6-4A15-B8CD-42C4223A8E6F}" dt="2022-01-31T17:17:24.662" v="1537" actId="164"/>
         <pc:sldMkLst>
           <pc:docMk/>
           <pc:sldMk cId="2896022669" sldId="264"/>
@@ -927,6 +927,94 @@
             <ac:spMk id="3" creationId="{80277B44-0E20-412B-90E0-E2C5F32CB47C}"/>
           </ac:spMkLst>
         </pc:spChg>
+        <pc:grpChg chg="del mod">
+          <ac:chgData name="g.carbone8@campus.unimib.it" userId="b00d38c9-59ca-445d-a206-84026ffe8624" providerId="ADAL" clId="{08CD40F2-EDD6-4A15-B8CD-42C4223A8E6F}" dt="2022-01-31T17:11:19.298" v="1479"/>
+          <ac:grpSpMkLst>
+            <pc:docMk/>
+            <pc:sldMk cId="2896022669" sldId="264"/>
+            <ac:grpSpMk id="15" creationId="{22A6B0F0-6F4F-4CC2-A6DA-0A3DB50A262A}"/>
+          </ac:grpSpMkLst>
+        </pc:grpChg>
+        <pc:grpChg chg="del mod">
+          <ac:chgData name="g.carbone8@campus.unimib.it" userId="b00d38c9-59ca-445d-a206-84026ffe8624" providerId="ADAL" clId="{08CD40F2-EDD6-4A15-B8CD-42C4223A8E6F}" dt="2022-01-31T17:13:23.349" v="1484" actId="478"/>
+          <ac:grpSpMkLst>
+            <pc:docMk/>
+            <pc:sldMk cId="2896022669" sldId="264"/>
+            <ac:grpSpMk id="20" creationId="{7AAA431D-6776-498F-8F53-F39394C71E8E}"/>
+          </ac:grpSpMkLst>
+        </pc:grpChg>
+        <pc:grpChg chg="del mod">
+          <ac:chgData name="g.carbone8@campus.unimib.it" userId="b00d38c9-59ca-445d-a206-84026ffe8624" providerId="ADAL" clId="{08CD40F2-EDD6-4A15-B8CD-42C4223A8E6F}" dt="2022-01-31T17:14:05.161" v="1491"/>
+          <ac:grpSpMkLst>
+            <pc:docMk/>
+            <pc:sldMk cId="2896022669" sldId="264"/>
+            <ac:grpSpMk id="27" creationId="{A9E59B13-8117-4162-B16A-C40D2AEAF0FA}"/>
+          </ac:grpSpMkLst>
+        </pc:grpChg>
+        <pc:grpChg chg="mod">
+          <ac:chgData name="g.carbone8@campus.unimib.it" userId="b00d38c9-59ca-445d-a206-84026ffe8624" providerId="ADAL" clId="{08CD40F2-EDD6-4A15-B8CD-42C4223A8E6F}" dt="2022-01-31T17:16:48.692" v="1518" actId="164"/>
+          <ac:grpSpMkLst>
+            <pc:docMk/>
+            <pc:sldMk cId="2896022669" sldId="264"/>
+            <ac:grpSpMk id="30" creationId="{F19CF761-166A-4886-8A73-05971222E795}"/>
+          </ac:grpSpMkLst>
+        </pc:grpChg>
+        <pc:grpChg chg="add mod">
+          <ac:chgData name="g.carbone8@campus.unimib.it" userId="b00d38c9-59ca-445d-a206-84026ffe8624" providerId="ADAL" clId="{08CD40F2-EDD6-4A15-B8CD-42C4223A8E6F}" dt="2022-01-31T17:17:24.662" v="1537" actId="164"/>
+          <ac:grpSpMkLst>
+            <pc:docMk/>
+            <pc:sldMk cId="2896022669" sldId="264"/>
+            <ac:grpSpMk id="37" creationId="{519D89FD-9AAB-4AC7-95FF-1DD1827D6509}"/>
+          </ac:grpSpMkLst>
+        </pc:grpChg>
+        <pc:grpChg chg="add del mod">
+          <ac:chgData name="g.carbone8@campus.unimib.it" userId="b00d38c9-59ca-445d-a206-84026ffe8624" providerId="ADAL" clId="{08CD40F2-EDD6-4A15-B8CD-42C4223A8E6F}" dt="2022-01-31T17:17:10.158" v="1529"/>
+          <ac:grpSpMkLst>
+            <pc:docMk/>
+            <pc:sldMk cId="2896022669" sldId="264"/>
+            <ac:grpSpMk id="42" creationId="{E6B9E3F9-2B03-4905-9EC2-DED2292A611D}"/>
+          </ac:grpSpMkLst>
+        </pc:grpChg>
+        <pc:grpChg chg="mod">
+          <ac:chgData name="g.carbone8@campus.unimib.it" userId="b00d38c9-59ca-445d-a206-84026ffe8624" providerId="ADAL" clId="{08CD40F2-EDD6-4A15-B8CD-42C4223A8E6F}" dt="2022-01-31T17:17:09.736" v="1527"/>
+          <ac:grpSpMkLst>
+            <pc:docMk/>
+            <pc:sldMk cId="2896022669" sldId="264"/>
+            <ac:grpSpMk id="44" creationId="{E338E76D-52A3-4409-B1A7-EE9E7734528D}"/>
+          </ac:grpSpMkLst>
+        </pc:grpChg>
+        <pc:grpChg chg="del mod">
+          <ac:chgData name="g.carbone8@campus.unimib.it" userId="b00d38c9-59ca-445d-a206-84026ffe8624" providerId="ADAL" clId="{08CD40F2-EDD6-4A15-B8CD-42C4223A8E6F}" dt="2022-01-31T17:17:16.968" v="1536"/>
+          <ac:grpSpMkLst>
+            <pc:docMk/>
+            <pc:sldMk cId="2896022669" sldId="264"/>
+            <ac:grpSpMk id="47" creationId="{16F5C01B-AC7D-4599-8704-D1F242C06514}"/>
+          </ac:grpSpMkLst>
+        </pc:grpChg>
+        <pc:grpChg chg="mod">
+          <ac:chgData name="g.carbone8@campus.unimib.it" userId="b00d38c9-59ca-445d-a206-84026ffe8624" providerId="ADAL" clId="{08CD40F2-EDD6-4A15-B8CD-42C4223A8E6F}" dt="2022-01-31T17:17:24.662" v="1537" actId="164"/>
+          <ac:grpSpMkLst>
+            <pc:docMk/>
+            <pc:sldMk cId="2896022669" sldId="264"/>
+            <ac:grpSpMk id="51" creationId="{9AD60A05-D7AE-4A60-9246-F17CEA36FADE}"/>
+          </ac:grpSpMkLst>
+        </pc:grpChg>
+        <pc:grpChg chg="add mod">
+          <ac:chgData name="g.carbone8@campus.unimib.it" userId="b00d38c9-59ca-445d-a206-84026ffe8624" providerId="ADAL" clId="{08CD40F2-EDD6-4A15-B8CD-42C4223A8E6F}" dt="2022-01-31T17:17:24.662" v="1537" actId="164"/>
+          <ac:grpSpMkLst>
+            <pc:docMk/>
+            <pc:sldMk cId="2896022669" sldId="264"/>
+            <ac:grpSpMk id="52" creationId="{EABA51BD-0844-4B78-A1D8-4DE30C87D49E}"/>
+          </ac:grpSpMkLst>
+        </pc:grpChg>
+        <pc:picChg chg="add mod">
+          <ac:chgData name="g.carbone8@campus.unimib.it" userId="b00d38c9-59ca-445d-a206-84026ffe8624" providerId="ADAL" clId="{08CD40F2-EDD6-4A15-B8CD-42C4223A8E6F}" dt="2022-01-31T17:16:48.692" v="1518" actId="164"/>
+          <ac:picMkLst>
+            <pc:docMk/>
+            <pc:sldMk cId="2896022669" sldId="264"/>
+            <ac:picMk id="3" creationId="{51AD8329-AB8E-4123-930A-0EF6F29AB364}"/>
+          </ac:picMkLst>
+        </pc:picChg>
         <pc:picChg chg="add">
           <ac:chgData name="g.carbone8@campus.unimib.it" userId="b00d38c9-59ca-445d-a206-84026ffe8624" providerId="ADAL" clId="{08CD40F2-EDD6-4A15-B8CD-42C4223A8E6F}" dt="2022-01-31T14:50:57.475" v="1459" actId="22"/>
           <ac:picMkLst>
@@ -935,6 +1023,278 @@
             <ac:picMk id="5" creationId="{1581BB34-9F1E-40A4-AAC9-8758003FB30A}"/>
           </ac:picMkLst>
         </pc:picChg>
+        <pc:inkChg chg="add del">
+          <ac:chgData name="g.carbone8@campus.unimib.it" userId="b00d38c9-59ca-445d-a206-84026ffe8624" providerId="ADAL" clId="{08CD40F2-EDD6-4A15-B8CD-42C4223A8E6F}" dt="2022-01-31T17:11:05.902" v="1464" actId="9405"/>
+          <ac:inkMkLst>
+            <pc:docMk/>
+            <pc:sldMk cId="2896022669" sldId="264"/>
+            <ac:inkMk id="4" creationId="{3AC12F61-0452-43D8-BFD4-9A44044AA832}"/>
+          </ac:inkMkLst>
+        </pc:inkChg>
+        <pc:inkChg chg="add mod">
+          <ac:chgData name="g.carbone8@campus.unimib.it" userId="b00d38c9-59ca-445d-a206-84026ffe8624" providerId="ADAL" clId="{08CD40F2-EDD6-4A15-B8CD-42C4223A8E6F}" dt="2022-01-31T17:11:19.298" v="1479"/>
+          <ac:inkMkLst>
+            <pc:docMk/>
+            <pc:sldMk cId="2896022669" sldId="264"/>
+            <ac:inkMk id="6" creationId="{C04B6431-8F09-4EBE-A75C-DA40F994F687}"/>
+          </ac:inkMkLst>
+        </pc:inkChg>
+        <pc:inkChg chg="add mod">
+          <ac:chgData name="g.carbone8@campus.unimib.it" userId="b00d38c9-59ca-445d-a206-84026ffe8624" providerId="ADAL" clId="{08CD40F2-EDD6-4A15-B8CD-42C4223A8E6F}" dt="2022-01-31T17:11:19.298" v="1479"/>
+          <ac:inkMkLst>
+            <pc:docMk/>
+            <pc:sldMk cId="2896022669" sldId="264"/>
+            <ac:inkMk id="7" creationId="{DE11AF8F-D71C-4DBB-9A33-14DD786980F5}"/>
+          </ac:inkMkLst>
+        </pc:inkChg>
+        <pc:inkChg chg="add mod">
+          <ac:chgData name="g.carbone8@campus.unimib.it" userId="b00d38c9-59ca-445d-a206-84026ffe8624" providerId="ADAL" clId="{08CD40F2-EDD6-4A15-B8CD-42C4223A8E6F}" dt="2022-01-31T17:11:19.298" v="1479"/>
+          <ac:inkMkLst>
+            <pc:docMk/>
+            <pc:sldMk cId="2896022669" sldId="264"/>
+            <ac:inkMk id="8" creationId="{497F170B-F64A-4A16-9D9F-81FC6ED7F648}"/>
+          </ac:inkMkLst>
+        </pc:inkChg>
+        <pc:inkChg chg="add mod">
+          <ac:chgData name="g.carbone8@campus.unimib.it" userId="b00d38c9-59ca-445d-a206-84026ffe8624" providerId="ADAL" clId="{08CD40F2-EDD6-4A15-B8CD-42C4223A8E6F}" dt="2022-01-31T17:11:19.298" v="1479"/>
+          <ac:inkMkLst>
+            <pc:docMk/>
+            <pc:sldMk cId="2896022669" sldId="264"/>
+            <ac:inkMk id="9" creationId="{B8B07195-7732-40A3-BDC0-0DB288B8FD31}"/>
+          </ac:inkMkLst>
+        </pc:inkChg>
+        <pc:inkChg chg="add mod">
+          <ac:chgData name="g.carbone8@campus.unimib.it" userId="b00d38c9-59ca-445d-a206-84026ffe8624" providerId="ADAL" clId="{08CD40F2-EDD6-4A15-B8CD-42C4223A8E6F}" dt="2022-01-31T17:11:19.298" v="1479"/>
+          <ac:inkMkLst>
+            <pc:docMk/>
+            <pc:sldMk cId="2896022669" sldId="264"/>
+            <ac:inkMk id="10" creationId="{A7248EF6-8F1B-469D-A3AE-9995A236C11D}"/>
+          </ac:inkMkLst>
+        </pc:inkChg>
+        <pc:inkChg chg="add mod">
+          <ac:chgData name="g.carbone8@campus.unimib.it" userId="b00d38c9-59ca-445d-a206-84026ffe8624" providerId="ADAL" clId="{08CD40F2-EDD6-4A15-B8CD-42C4223A8E6F}" dt="2022-01-31T17:11:19.298" v="1479"/>
+          <ac:inkMkLst>
+            <pc:docMk/>
+            <pc:sldMk cId="2896022669" sldId="264"/>
+            <ac:inkMk id="11" creationId="{B0246529-B153-42DB-A29D-73E7DFBE30A9}"/>
+          </ac:inkMkLst>
+        </pc:inkChg>
+        <pc:inkChg chg="add mod">
+          <ac:chgData name="g.carbone8@campus.unimib.it" userId="b00d38c9-59ca-445d-a206-84026ffe8624" providerId="ADAL" clId="{08CD40F2-EDD6-4A15-B8CD-42C4223A8E6F}" dt="2022-01-31T17:11:19.298" v="1479"/>
+          <ac:inkMkLst>
+            <pc:docMk/>
+            <pc:sldMk cId="2896022669" sldId="264"/>
+            <ac:inkMk id="12" creationId="{287E3EF3-38FE-4F12-A77A-BDFE8B4ABAB4}"/>
+          </ac:inkMkLst>
+        </pc:inkChg>
+        <pc:inkChg chg="add mod">
+          <ac:chgData name="g.carbone8@campus.unimib.it" userId="b00d38c9-59ca-445d-a206-84026ffe8624" providerId="ADAL" clId="{08CD40F2-EDD6-4A15-B8CD-42C4223A8E6F}" dt="2022-01-31T17:11:19.298" v="1479"/>
+          <ac:inkMkLst>
+            <pc:docMk/>
+            <pc:sldMk cId="2896022669" sldId="264"/>
+            <ac:inkMk id="13" creationId="{83166C9A-7B9C-4906-B0D3-8140B51146ED}"/>
+          </ac:inkMkLst>
+        </pc:inkChg>
+        <pc:inkChg chg="add mod">
+          <ac:chgData name="g.carbone8@campus.unimib.it" userId="b00d38c9-59ca-445d-a206-84026ffe8624" providerId="ADAL" clId="{08CD40F2-EDD6-4A15-B8CD-42C4223A8E6F}" dt="2022-01-31T17:11:19.298" v="1479"/>
+          <ac:inkMkLst>
+            <pc:docMk/>
+            <pc:sldMk cId="2896022669" sldId="264"/>
+            <ac:inkMk id="14" creationId="{31527B66-4B9F-4F4B-AD5F-405A48D3220C}"/>
+          </ac:inkMkLst>
+        </pc:inkChg>
+        <pc:inkChg chg="add mod">
+          <ac:chgData name="g.carbone8@campus.unimib.it" userId="b00d38c9-59ca-445d-a206-84026ffe8624" providerId="ADAL" clId="{08CD40F2-EDD6-4A15-B8CD-42C4223A8E6F}" dt="2022-01-31T17:11:19.298" v="1479"/>
+          <ac:inkMkLst>
+            <pc:docMk/>
+            <pc:sldMk cId="2896022669" sldId="264"/>
+            <ac:inkMk id="16" creationId="{4BBF8691-7A61-4804-A2B7-356323417608}"/>
+          </ac:inkMkLst>
+        </pc:inkChg>
+        <pc:inkChg chg="add mod">
+          <ac:chgData name="g.carbone8@campus.unimib.it" userId="b00d38c9-59ca-445d-a206-84026ffe8624" providerId="ADAL" clId="{08CD40F2-EDD6-4A15-B8CD-42C4223A8E6F}" dt="2022-01-31T17:11:19.298" v="1479"/>
+          <ac:inkMkLst>
+            <pc:docMk/>
+            <pc:sldMk cId="2896022669" sldId="264"/>
+            <ac:inkMk id="17" creationId="{E6345CDF-71A2-4AFE-B12B-598383DB8DC1}"/>
+          </ac:inkMkLst>
+        </pc:inkChg>
+        <pc:inkChg chg="add mod">
+          <ac:chgData name="g.carbone8@campus.unimib.it" userId="b00d38c9-59ca-445d-a206-84026ffe8624" providerId="ADAL" clId="{08CD40F2-EDD6-4A15-B8CD-42C4223A8E6F}" dt="2022-01-31T17:11:19.298" v="1479"/>
+          <ac:inkMkLst>
+            <pc:docMk/>
+            <pc:sldMk cId="2896022669" sldId="264"/>
+            <ac:inkMk id="18" creationId="{296ECAB0-84BE-4027-943E-0CF3B24E20C1}"/>
+          </ac:inkMkLst>
+        </pc:inkChg>
+        <pc:inkChg chg="add mod">
+          <ac:chgData name="g.carbone8@campus.unimib.it" userId="b00d38c9-59ca-445d-a206-84026ffe8624" providerId="ADAL" clId="{08CD40F2-EDD6-4A15-B8CD-42C4223A8E6F}" dt="2022-01-31T17:11:19.298" v="1479"/>
+          <ac:inkMkLst>
+            <pc:docMk/>
+            <pc:sldMk cId="2896022669" sldId="264"/>
+            <ac:inkMk id="19" creationId="{4C7E35CA-A813-4BB9-BAD8-6F2981A3025C}"/>
+          </ac:inkMkLst>
+        </pc:inkChg>
+        <pc:inkChg chg="add">
+          <ac:chgData name="g.carbone8@campus.unimib.it" userId="b00d38c9-59ca-445d-a206-84026ffe8624" providerId="ADAL" clId="{08CD40F2-EDD6-4A15-B8CD-42C4223A8E6F}" dt="2022-01-31T17:14:01.974" v="1485" actId="9405"/>
+          <ac:inkMkLst>
+            <pc:docMk/>
+            <pc:sldMk cId="2896022669" sldId="264"/>
+            <ac:inkMk id="24" creationId="{96A0CA0B-33DA-4055-ABAC-22FEB8CC6037}"/>
+          </ac:inkMkLst>
+        </pc:inkChg>
+        <pc:inkChg chg="add mod">
+          <ac:chgData name="g.carbone8@campus.unimib.it" userId="b00d38c9-59ca-445d-a206-84026ffe8624" providerId="ADAL" clId="{08CD40F2-EDD6-4A15-B8CD-42C4223A8E6F}" dt="2022-01-31T17:14:05.161" v="1491"/>
+          <ac:inkMkLst>
+            <pc:docMk/>
+            <pc:sldMk cId="2896022669" sldId="264"/>
+            <ac:inkMk id="25" creationId="{8BC44557-47A2-41A8-B6F0-7C2F66B5DFC3}"/>
+          </ac:inkMkLst>
+        </pc:inkChg>
+        <pc:inkChg chg="add mod">
+          <ac:chgData name="g.carbone8@campus.unimib.it" userId="b00d38c9-59ca-445d-a206-84026ffe8624" providerId="ADAL" clId="{08CD40F2-EDD6-4A15-B8CD-42C4223A8E6F}" dt="2022-01-31T17:14:05.161" v="1491"/>
+          <ac:inkMkLst>
+            <pc:docMk/>
+            <pc:sldMk cId="2896022669" sldId="264"/>
+            <ac:inkMk id="26" creationId="{DEF5B116-F62E-45E7-98F6-380957251E28}"/>
+          </ac:inkMkLst>
+        </pc:inkChg>
+        <pc:inkChg chg="add mod">
+          <ac:chgData name="g.carbone8@campus.unimib.it" userId="b00d38c9-59ca-445d-a206-84026ffe8624" providerId="ADAL" clId="{08CD40F2-EDD6-4A15-B8CD-42C4223A8E6F}" dt="2022-01-31T17:14:05.161" v="1491"/>
+          <ac:inkMkLst>
+            <pc:docMk/>
+            <pc:sldMk cId="2896022669" sldId="264"/>
+            <ac:inkMk id="28" creationId="{CA1F2DDA-94F8-4205-8E82-86E52F4B9A35}"/>
+          </ac:inkMkLst>
+        </pc:inkChg>
+        <pc:inkChg chg="add mod">
+          <ac:chgData name="g.carbone8@campus.unimib.it" userId="b00d38c9-59ca-445d-a206-84026ffe8624" providerId="ADAL" clId="{08CD40F2-EDD6-4A15-B8CD-42C4223A8E6F}" dt="2022-01-31T17:14:05.161" v="1491"/>
+          <ac:inkMkLst>
+            <pc:docMk/>
+            <pc:sldMk cId="2896022669" sldId="264"/>
+            <ac:inkMk id="29" creationId="{EB2DEAB7-BBA9-4C18-A735-CF3711128293}"/>
+          </ac:inkMkLst>
+        </pc:inkChg>
+        <pc:inkChg chg="add">
+          <ac:chgData name="g.carbone8@campus.unimib.it" userId="b00d38c9-59ca-445d-a206-84026ffe8624" providerId="ADAL" clId="{08CD40F2-EDD6-4A15-B8CD-42C4223A8E6F}" dt="2022-01-31T17:17:05.664" v="1519" actId="9405"/>
+          <ac:inkMkLst>
+            <pc:docMk/>
+            <pc:sldMk cId="2896022669" sldId="264"/>
+            <ac:inkMk id="38" creationId="{32D83542-4F9D-457D-86C4-33F4ABA4F125}"/>
+          </ac:inkMkLst>
+        </pc:inkChg>
+        <pc:inkChg chg="add mod">
+          <ac:chgData name="g.carbone8@campus.unimib.it" userId="b00d38c9-59ca-445d-a206-84026ffe8624" providerId="ADAL" clId="{08CD40F2-EDD6-4A15-B8CD-42C4223A8E6F}" dt="2022-01-31T17:17:16.968" v="1536"/>
+          <ac:inkMkLst>
+            <pc:docMk/>
+            <pc:sldMk cId="2896022669" sldId="264"/>
+            <ac:inkMk id="39" creationId="{00F87A88-F483-473C-8321-8A4EFF0002F2}"/>
+          </ac:inkMkLst>
+        </pc:inkChg>
+        <pc:inkChg chg="add mod">
+          <ac:chgData name="g.carbone8@campus.unimib.it" userId="b00d38c9-59ca-445d-a206-84026ffe8624" providerId="ADAL" clId="{08CD40F2-EDD6-4A15-B8CD-42C4223A8E6F}" dt="2022-01-31T17:17:16.968" v="1536"/>
+          <ac:inkMkLst>
+            <pc:docMk/>
+            <pc:sldMk cId="2896022669" sldId="264"/>
+            <ac:inkMk id="40" creationId="{03B5E7D1-B98D-4458-B8C9-72BF1E17631C}"/>
+          </ac:inkMkLst>
+        </pc:inkChg>
+        <pc:inkChg chg="add del mod">
+          <ac:chgData name="g.carbone8@campus.unimib.it" userId="b00d38c9-59ca-445d-a206-84026ffe8624" providerId="ADAL" clId="{08CD40F2-EDD6-4A15-B8CD-42C4223A8E6F}" dt="2022-01-31T17:17:10.158" v="1529"/>
+          <ac:inkMkLst>
+            <pc:docMk/>
+            <pc:sldMk cId="2896022669" sldId="264"/>
+            <ac:inkMk id="41" creationId="{0FD258EC-03CB-436D-BBE8-F3C513F3F1E0}"/>
+          </ac:inkMkLst>
+        </pc:inkChg>
+        <pc:inkChg chg="add del mod">
+          <ac:chgData name="g.carbone8@campus.unimib.it" userId="b00d38c9-59ca-445d-a206-84026ffe8624" providerId="ADAL" clId="{08CD40F2-EDD6-4A15-B8CD-42C4223A8E6F}" dt="2022-01-31T17:17:09.736" v="1527"/>
+          <ac:inkMkLst>
+            <pc:docMk/>
+            <pc:sldMk cId="2896022669" sldId="264"/>
+            <ac:inkMk id="43" creationId="{B408F192-153F-4948-9956-C13EDC7CC508}"/>
+          </ac:inkMkLst>
+        </pc:inkChg>
+        <pc:inkChg chg="add mod">
+          <ac:chgData name="g.carbone8@campus.unimib.it" userId="b00d38c9-59ca-445d-a206-84026ffe8624" providerId="ADAL" clId="{08CD40F2-EDD6-4A15-B8CD-42C4223A8E6F}" dt="2022-01-31T17:17:16.968" v="1536"/>
+          <ac:inkMkLst>
+            <pc:docMk/>
+            <pc:sldMk cId="2896022669" sldId="264"/>
+            <ac:inkMk id="45" creationId="{8D5A8D80-E590-43E2-A3F4-9498316C68CF}"/>
+          </ac:inkMkLst>
+        </pc:inkChg>
+        <pc:inkChg chg="add mod">
+          <ac:chgData name="g.carbone8@campus.unimib.it" userId="b00d38c9-59ca-445d-a206-84026ffe8624" providerId="ADAL" clId="{08CD40F2-EDD6-4A15-B8CD-42C4223A8E6F}" dt="2022-01-31T17:17:16.968" v="1536"/>
+          <ac:inkMkLst>
+            <pc:docMk/>
+            <pc:sldMk cId="2896022669" sldId="264"/>
+            <ac:inkMk id="46" creationId="{8842653A-61A8-43EA-A320-2E53FF091EDD}"/>
+          </ac:inkMkLst>
+        </pc:inkChg>
+        <pc:inkChg chg="add mod">
+          <ac:chgData name="g.carbone8@campus.unimib.it" userId="b00d38c9-59ca-445d-a206-84026ffe8624" providerId="ADAL" clId="{08CD40F2-EDD6-4A15-B8CD-42C4223A8E6F}" dt="2022-01-31T17:17:16.968" v="1536"/>
+          <ac:inkMkLst>
+            <pc:docMk/>
+            <pc:sldMk cId="2896022669" sldId="264"/>
+            <ac:inkMk id="48" creationId="{326FCE0F-FFB4-4B6D-B9D4-5BE968F66EC3}"/>
+          </ac:inkMkLst>
+        </pc:inkChg>
+        <pc:inkChg chg="add mod">
+          <ac:chgData name="g.carbone8@campus.unimib.it" userId="b00d38c9-59ca-445d-a206-84026ffe8624" providerId="ADAL" clId="{08CD40F2-EDD6-4A15-B8CD-42C4223A8E6F}" dt="2022-01-31T17:17:16.968" v="1536"/>
+          <ac:inkMkLst>
+            <pc:docMk/>
+            <pc:sldMk cId="2896022669" sldId="264"/>
+            <ac:inkMk id="49" creationId="{B1D738A7-C5C1-4540-A050-86981331F73B}"/>
+          </ac:inkMkLst>
+        </pc:inkChg>
+        <pc:inkChg chg="add mod">
+          <ac:chgData name="g.carbone8@campus.unimib.it" userId="b00d38c9-59ca-445d-a206-84026ffe8624" providerId="ADAL" clId="{08CD40F2-EDD6-4A15-B8CD-42C4223A8E6F}" dt="2022-01-31T17:17:16.968" v="1536"/>
+          <ac:inkMkLst>
+            <pc:docMk/>
+            <pc:sldMk cId="2896022669" sldId="264"/>
+            <ac:inkMk id="50" creationId="{6A511DE9-B1BE-471C-9A31-53893E7158DC}"/>
+          </ac:inkMkLst>
+        </pc:inkChg>
+        <pc:cxnChg chg="add del mod">
+          <ac:chgData name="g.carbone8@campus.unimib.it" userId="b00d38c9-59ca-445d-a206-84026ffe8624" providerId="ADAL" clId="{08CD40F2-EDD6-4A15-B8CD-42C4223A8E6F}" dt="2022-01-31T17:13:12.823" v="1482" actId="478"/>
+          <ac:cxnSpMkLst>
+            <pc:docMk/>
+            <pc:sldMk cId="2896022669" sldId="264"/>
+            <ac:cxnSpMk id="22" creationId="{659A9C6F-5A87-4472-803E-31C7068AD1EC}"/>
+          </ac:cxnSpMkLst>
+        </pc:cxnChg>
+        <pc:cxnChg chg="add mod">
+          <ac:chgData name="g.carbone8@campus.unimib.it" userId="b00d38c9-59ca-445d-a206-84026ffe8624" providerId="ADAL" clId="{08CD40F2-EDD6-4A15-B8CD-42C4223A8E6F}" dt="2022-01-31T17:16:48.692" v="1518" actId="164"/>
+          <ac:cxnSpMkLst>
+            <pc:docMk/>
+            <pc:sldMk cId="2896022669" sldId="264"/>
+            <ac:cxnSpMk id="32" creationId="{CC080F3C-C993-4756-9C24-00955AB58000}"/>
+          </ac:cxnSpMkLst>
+        </pc:cxnChg>
+        <pc:cxnChg chg="add mod">
+          <ac:chgData name="g.carbone8@campus.unimib.it" userId="b00d38c9-59ca-445d-a206-84026ffe8624" providerId="ADAL" clId="{08CD40F2-EDD6-4A15-B8CD-42C4223A8E6F}" dt="2022-01-31T17:16:48.692" v="1518" actId="164"/>
+          <ac:cxnSpMkLst>
+            <pc:docMk/>
+            <pc:sldMk cId="2896022669" sldId="264"/>
+            <ac:cxnSpMk id="33" creationId="{8C425051-F99A-4BBF-A2EC-27EFBAE46ECE}"/>
+          </ac:cxnSpMkLst>
+        </pc:cxnChg>
+        <pc:cxnChg chg="add mod">
+          <ac:chgData name="g.carbone8@campus.unimib.it" userId="b00d38c9-59ca-445d-a206-84026ffe8624" providerId="ADAL" clId="{08CD40F2-EDD6-4A15-B8CD-42C4223A8E6F}" dt="2022-01-31T17:16:48.692" v="1518" actId="164"/>
+          <ac:cxnSpMkLst>
+            <pc:docMk/>
+            <pc:sldMk cId="2896022669" sldId="264"/>
+            <ac:cxnSpMk id="34" creationId="{429BB8A5-9528-4247-93C8-543A431C5813}"/>
+          </ac:cxnSpMkLst>
+        </pc:cxnChg>
+        <pc:cxnChg chg="add mod">
+          <ac:chgData name="g.carbone8@campus.unimib.it" userId="b00d38c9-59ca-445d-a206-84026ffe8624" providerId="ADAL" clId="{08CD40F2-EDD6-4A15-B8CD-42C4223A8E6F}" dt="2022-01-31T17:16:48.692" v="1518" actId="164"/>
+          <ac:cxnSpMkLst>
+            <pc:docMk/>
+            <pc:sldMk cId="2896022669" sldId="264"/>
+            <ac:cxnSpMk id="36" creationId="{72DCD1C5-B992-4F01-855C-DAF642F0F493}"/>
+          </ac:cxnSpMkLst>
+        </pc:cxnChg>
       </pc:sldChg>
     </pc:docChg>
   </pc:docChgLst>
@@ -1909,6 +2269,370 @@
 </c:userShapes>
 </file>
 
+<file path=ppt/ink/ink1.xml><?xml version="1.0" encoding="utf-8"?>
+<inkml:ink xmlns:inkml="http://www.w3.org/2003/InkML">
+  <inkml:definitions>
+    <inkml:context xml:id="ctx0">
+      <inkml:inkSource xml:id="inkSrc0">
+        <inkml:traceFormat>
+          <inkml:channel name="X" type="integer" min="-2.14748E9" max="2.14748E9" units="cm"/>
+          <inkml:channel name="Y" type="integer" min="-2.14748E9" max="2.14748E9" units="cm"/>
+          <inkml:channel name="F" type="integer" max="32767" units="dev"/>
+        </inkml:traceFormat>
+        <inkml:channelProperties>
+          <inkml:channelProperty channel="X" name="resolution" value="1000" units="1/cm"/>
+          <inkml:channelProperty channel="Y" name="resolution" value="1000" units="1/cm"/>
+          <inkml:channelProperty channel="F" name="resolution" value="0" units="1/dev"/>
+        </inkml:channelProperties>
+      </inkml:inkSource>
+      <inkml:timestamp xml:id="ts0" timeString="2022-01-31T17:14:01.974"/>
+    </inkml:context>
+    <inkml:brush xml:id="br0">
+      <inkml:brushProperty name="width" value="0.35" units="cm"/>
+      <inkml:brushProperty name="height" value="0.35" units="cm"/>
+      <inkml:brushProperty name="color" value="#1B1B1B"/>
+    </inkml:brush>
+  </inkml:definitions>
+  <inkml:trace contextRef="#ctx0" brushRef="#br0">1 1 24575,'4'0'0,"0"1"0,0 0 0,0 0 0,-1 0 0,1 0 0,0 1 0,0-1 0,-1 1 0,1 0 0,-1 0 0,1 0 0,-1 1 0,0-1 0,0 1 0,0-1 0,0 1 0,2 4 0,32 22 0,-31-25 0,0 1 0,-1-1 0,1 1 0,-1 0 0,0 1 0,0-1 0,7 11 0,20 21 0,-25-30 0,1 1 0,-2 0 0,1 0 0,-1 1 0,0-1 0,-1 1 0,6 13 0,0 0 0,-6-16 0,-1 0 0,1 0 0,0 0 0,1 0 0,-1-1 0,1 0 0,0 0 0,0 0 0,1-1 0,0 0 0,9 4 0,33 24 0,-17 0 0,-27-25 0,1-1 0,0 1 0,1-1 0,-1-1 0,14 9 0,-2-2 0,0 0 0,-2 1 0,1 0 0,-2 1 0,0 1 0,0 1 0,17 25 0,-23-31 0,0-1 0,0-1 0,0 1 0,16 9 0,23 21 0,41 28 0,-47-33 0,-30-26 0,-1 1 0,0 1 0,0-1 0,-1 2 0,11 14 0,11 13-1365</inkml:trace>
+</inkml:ink>
+</file>
+
+<file path=ppt/ink/ink10.xml><?xml version="1.0" encoding="utf-8"?>
+<inkml:ink xmlns:inkml="http://www.w3.org/2003/InkML">
+  <inkml:definitions>
+    <inkml:context xml:id="ctx0">
+      <inkml:inkSource xml:id="inkSrc0">
+        <inkml:traceFormat>
+          <inkml:channel name="X" type="integer" min="-2.14748E9" max="2.14748E9" units="cm"/>
+          <inkml:channel name="Y" type="integer" min="-2.14748E9" max="2.14748E9" units="cm"/>
+          <inkml:channel name="F" type="integer" max="32767" units="dev"/>
+        </inkml:traceFormat>
+        <inkml:channelProperties>
+          <inkml:channelProperty channel="X" name="resolution" value="1000" units="1/cm"/>
+          <inkml:channelProperty channel="Y" name="resolution" value="1000" units="1/cm"/>
+          <inkml:channelProperty channel="F" name="resolution" value="0" units="1/dev"/>
+        </inkml:channelProperties>
+      </inkml:inkSource>
+      <inkml:timestamp xml:id="ts0" timeString="2022-01-31T17:17:14.503"/>
+    </inkml:context>
+    <inkml:brush xml:id="br0">
+      <inkml:brushProperty name="width" value="0.1" units="cm"/>
+      <inkml:brushProperty name="height" value="0.1" units="cm"/>
+      <inkml:brushProperty name="color" value="#1B1B1B"/>
+    </inkml:brush>
+  </inkml:definitions>
+  <inkml:trace contextRef="#ctx0" brushRef="#br0">0 1 24575,'0'0'-8191</inkml:trace>
+</inkml:ink>
+</file>
+
+<file path=ppt/ink/ink11.xml><?xml version="1.0" encoding="utf-8"?>
+<inkml:ink xmlns:inkml="http://www.w3.org/2003/InkML">
+  <inkml:definitions>
+    <inkml:context xml:id="ctx0">
+      <inkml:inkSource xml:id="inkSrc0">
+        <inkml:traceFormat>
+          <inkml:channel name="X" type="integer" min="-2.14748E9" max="2.14748E9" units="cm"/>
+          <inkml:channel name="Y" type="integer" min="-2.14748E9" max="2.14748E9" units="cm"/>
+          <inkml:channel name="F" type="integer" max="32767" units="dev"/>
+        </inkml:traceFormat>
+        <inkml:channelProperties>
+          <inkml:channelProperty channel="X" name="resolution" value="1000" units="1/cm"/>
+          <inkml:channelProperty channel="Y" name="resolution" value="1000" units="1/cm"/>
+          <inkml:channelProperty channel="F" name="resolution" value="0" units="1/dev"/>
+        </inkml:channelProperties>
+      </inkml:inkSource>
+      <inkml:timestamp xml:id="ts0" timeString="2022-01-31T17:17:15.353"/>
+    </inkml:context>
+    <inkml:brush xml:id="br0">
+      <inkml:brushProperty name="width" value="0.1" units="cm"/>
+      <inkml:brushProperty name="height" value="0.1" units="cm"/>
+      <inkml:brushProperty name="color" value="#1B1B1B"/>
+    </inkml:brush>
+  </inkml:definitions>
+  <inkml:trace contextRef="#ctx0" brushRef="#br0">1 1 24575,'0'0'-8191</inkml:trace>
+</inkml:ink>
+</file>
+
+<file path=ppt/ink/ink12.xml><?xml version="1.0" encoding="utf-8"?>
+<inkml:ink xmlns:inkml="http://www.w3.org/2003/InkML">
+  <inkml:definitions>
+    <inkml:context xml:id="ctx0">
+      <inkml:inkSource xml:id="inkSrc0">
+        <inkml:traceFormat>
+          <inkml:channel name="X" type="integer" min="-2.14748E9" max="2.14748E9" units="cm"/>
+          <inkml:channel name="Y" type="integer" min="-2.14748E9" max="2.14748E9" units="cm"/>
+          <inkml:channel name="F" type="integer" max="32767" units="dev"/>
+        </inkml:traceFormat>
+        <inkml:channelProperties>
+          <inkml:channelProperty channel="X" name="resolution" value="1000" units="1/cm"/>
+          <inkml:channelProperty channel="Y" name="resolution" value="1000" units="1/cm"/>
+          <inkml:channelProperty channel="F" name="resolution" value="0" units="1/dev"/>
+        </inkml:channelProperties>
+      </inkml:inkSource>
+      <inkml:timestamp xml:id="ts0" timeString="2022-01-31T17:17:15.839"/>
+    </inkml:context>
+    <inkml:brush xml:id="br0">
+      <inkml:brushProperty name="width" value="0.1" units="cm"/>
+      <inkml:brushProperty name="height" value="0.1" units="cm"/>
+      <inkml:brushProperty name="color" value="#1B1B1B"/>
+    </inkml:brush>
+  </inkml:definitions>
+  <inkml:trace contextRef="#ctx0" brushRef="#br0">1 0 24575,'0'0'-8191</inkml:trace>
+</inkml:ink>
+</file>
+
+<file path=ppt/ink/ink13.xml><?xml version="1.0" encoding="utf-8"?>
+<inkml:ink xmlns:inkml="http://www.w3.org/2003/InkML">
+  <inkml:definitions>
+    <inkml:context xml:id="ctx0">
+      <inkml:inkSource xml:id="inkSrc0">
+        <inkml:traceFormat>
+          <inkml:channel name="X" type="integer" min="-2.14748E9" max="2.14748E9" units="cm"/>
+          <inkml:channel name="Y" type="integer" min="-2.14748E9" max="2.14748E9" units="cm"/>
+          <inkml:channel name="F" type="integer" max="32767" units="dev"/>
+        </inkml:traceFormat>
+        <inkml:channelProperties>
+          <inkml:channelProperty channel="X" name="resolution" value="1000" units="1/cm"/>
+          <inkml:channelProperty channel="Y" name="resolution" value="1000" units="1/cm"/>
+          <inkml:channelProperty channel="F" name="resolution" value="0" units="1/dev"/>
+        </inkml:channelProperties>
+      </inkml:inkSource>
+      <inkml:timestamp xml:id="ts0" timeString="2022-01-31T17:17:16.362"/>
+    </inkml:context>
+    <inkml:brush xml:id="br0">
+      <inkml:brushProperty name="width" value="0.1" units="cm"/>
+      <inkml:brushProperty name="height" value="0.1" units="cm"/>
+      <inkml:brushProperty name="color" value="#1B1B1B"/>
+    </inkml:brush>
+  </inkml:definitions>
+  <inkml:trace contextRef="#ctx0" brushRef="#br0">1 1 24575,'0'0'-8191</inkml:trace>
+</inkml:ink>
+</file>
+
+<file path=ppt/ink/ink2.xml><?xml version="1.0" encoding="utf-8"?>
+<inkml:ink xmlns:inkml="http://www.w3.org/2003/InkML">
+  <inkml:definitions>
+    <inkml:context xml:id="ctx0">
+      <inkml:inkSource xml:id="inkSrc0">
+        <inkml:traceFormat>
+          <inkml:channel name="X" type="integer" min="-2.14748E9" max="2.14748E9" units="cm"/>
+          <inkml:channel name="Y" type="integer" min="-2.14748E9" max="2.14748E9" units="cm"/>
+          <inkml:channel name="F" type="integer" max="32767" units="dev"/>
+        </inkml:traceFormat>
+        <inkml:channelProperties>
+          <inkml:channelProperty channel="X" name="resolution" value="1000" units="1/cm"/>
+          <inkml:channelProperty channel="Y" name="resolution" value="1000" units="1/cm"/>
+          <inkml:channelProperty channel="F" name="resolution" value="0" units="1/dev"/>
+        </inkml:channelProperties>
+      </inkml:inkSource>
+      <inkml:timestamp xml:id="ts0" timeString="2022-01-31T17:17:05.664"/>
+    </inkml:context>
+    <inkml:brush xml:id="br0">
+      <inkml:brushProperty name="width" value="0.35" units="cm"/>
+      <inkml:brushProperty name="height" value="0.35" units="cm"/>
+      <inkml:brushProperty name="color" value="#1B1B1B"/>
+    </inkml:brush>
+  </inkml:definitions>
+  <inkml:trace contextRef="#ctx0" brushRef="#br0">36 0 24575,'-1'42'0,"-1"1"0,-15 71 0,2-56-1365</inkml:trace>
+</inkml:ink>
+</file>
+
+<file path=ppt/ink/ink3.xml><?xml version="1.0" encoding="utf-8"?>
+<inkml:ink xmlns:inkml="http://www.w3.org/2003/InkML">
+  <inkml:definitions>
+    <inkml:context xml:id="ctx0">
+      <inkml:inkSource xml:id="inkSrc0">
+        <inkml:traceFormat>
+          <inkml:channel name="X" type="integer" min="-2.14748E9" max="2.14748E9" units="cm"/>
+          <inkml:channel name="Y" type="integer" min="-2.14748E9" max="2.14748E9" units="cm"/>
+          <inkml:channel name="F" type="integer" max="32767" units="dev"/>
+        </inkml:traceFormat>
+        <inkml:channelProperties>
+          <inkml:channelProperty channel="X" name="resolution" value="1000" units="1/cm"/>
+          <inkml:channelProperty channel="Y" name="resolution" value="1000" units="1/cm"/>
+          <inkml:channelProperty channel="F" name="resolution" value="0" units="1/dev"/>
+        </inkml:channelProperties>
+      </inkml:inkSource>
+      <inkml:timestamp xml:id="ts0" timeString="2022-01-31T17:14:02.900"/>
+    </inkml:context>
+    <inkml:brush xml:id="br0">
+      <inkml:brushProperty name="width" value="0.35" units="cm"/>
+      <inkml:brushProperty name="height" value="0.35" units="cm"/>
+      <inkml:brushProperty name="color" value="#1B1B1B"/>
+    </inkml:brush>
+  </inkml:definitions>
+  <inkml:trace contextRef="#ctx0" brushRef="#br0">0 1 24575,'0'0'-8191</inkml:trace>
+</inkml:ink>
+</file>
+
+<file path=ppt/ink/ink4.xml><?xml version="1.0" encoding="utf-8"?>
+<inkml:ink xmlns:inkml="http://www.w3.org/2003/InkML">
+  <inkml:definitions>
+    <inkml:context xml:id="ctx0">
+      <inkml:inkSource xml:id="inkSrc0">
+        <inkml:traceFormat>
+          <inkml:channel name="X" type="integer" min="-2.14748E9" max="2.14748E9" units="cm"/>
+          <inkml:channel name="Y" type="integer" min="-2.14748E9" max="2.14748E9" units="cm"/>
+          <inkml:channel name="F" type="integer" max="32767" units="dev"/>
+        </inkml:traceFormat>
+        <inkml:channelProperties>
+          <inkml:channelProperty channel="X" name="resolution" value="1000" units="1/cm"/>
+          <inkml:channelProperty channel="Y" name="resolution" value="1000" units="1/cm"/>
+          <inkml:channelProperty channel="F" name="resolution" value="0" units="1/dev"/>
+        </inkml:channelProperties>
+      </inkml:inkSource>
+      <inkml:timestamp xml:id="ts0" timeString="2022-01-31T17:14:03.316"/>
+    </inkml:context>
+    <inkml:brush xml:id="br0">
+      <inkml:brushProperty name="width" value="0.35" units="cm"/>
+      <inkml:brushProperty name="height" value="0.35" units="cm"/>
+      <inkml:brushProperty name="color" value="#1B1B1B"/>
+    </inkml:brush>
+  </inkml:definitions>
+  <inkml:trace contextRef="#ctx0" brushRef="#br0">1 1 24575,'0'0'-8191</inkml:trace>
+</inkml:ink>
+</file>
+
+<file path=ppt/ink/ink5.xml><?xml version="1.0" encoding="utf-8"?>
+<inkml:ink xmlns:inkml="http://www.w3.org/2003/InkML">
+  <inkml:definitions>
+    <inkml:context xml:id="ctx0">
+      <inkml:inkSource xml:id="inkSrc0">
+        <inkml:traceFormat>
+          <inkml:channel name="X" type="integer" min="-2.14748E9" max="2.14748E9" units="cm"/>
+          <inkml:channel name="Y" type="integer" min="-2.14748E9" max="2.14748E9" units="cm"/>
+          <inkml:channel name="F" type="integer" max="32767" units="dev"/>
+        </inkml:traceFormat>
+        <inkml:channelProperties>
+          <inkml:channelProperty channel="X" name="resolution" value="1000" units="1/cm"/>
+          <inkml:channelProperty channel="Y" name="resolution" value="1000" units="1/cm"/>
+          <inkml:channelProperty channel="F" name="resolution" value="0" units="1/dev"/>
+        </inkml:channelProperties>
+      </inkml:inkSource>
+      <inkml:timestamp xml:id="ts0" timeString="2022-01-31T17:14:04.031"/>
+    </inkml:context>
+    <inkml:brush xml:id="br0">
+      <inkml:brushProperty name="width" value="0.35" units="cm"/>
+      <inkml:brushProperty name="height" value="0.35" units="cm"/>
+      <inkml:brushProperty name="color" value="#1B1B1B"/>
+    </inkml:brush>
+  </inkml:definitions>
+  <inkml:trace contextRef="#ctx0" brushRef="#br0">1 0 24575</inkml:trace>
+</inkml:ink>
+</file>
+
+<file path=ppt/ink/ink6.xml><?xml version="1.0" encoding="utf-8"?>
+<inkml:ink xmlns:inkml="http://www.w3.org/2003/InkML">
+  <inkml:definitions>
+    <inkml:context xml:id="ctx0">
+      <inkml:inkSource xml:id="inkSrc0">
+        <inkml:traceFormat>
+          <inkml:channel name="X" type="integer" min="-2.14748E9" max="2.14748E9" units="cm"/>
+          <inkml:channel name="Y" type="integer" min="-2.14748E9" max="2.14748E9" units="cm"/>
+          <inkml:channel name="F" type="integer" max="32767" units="dev"/>
+        </inkml:traceFormat>
+        <inkml:channelProperties>
+          <inkml:channelProperty channel="X" name="resolution" value="1000" units="1/cm"/>
+          <inkml:channelProperty channel="Y" name="resolution" value="1000" units="1/cm"/>
+          <inkml:channelProperty channel="F" name="resolution" value="0" units="1/dev"/>
+        </inkml:channelProperties>
+      </inkml:inkSource>
+      <inkml:timestamp xml:id="ts0" timeString="2022-01-31T17:14:04.539"/>
+    </inkml:context>
+    <inkml:brush xml:id="br0">
+      <inkml:brushProperty name="width" value="0.35" units="cm"/>
+      <inkml:brushProperty name="height" value="0.35" units="cm"/>
+      <inkml:brushProperty name="color" value="#1B1B1B"/>
+    </inkml:brush>
+  </inkml:definitions>
+  <inkml:trace contextRef="#ctx0" brushRef="#br0">1 1 24575,'0'0'-8191</inkml:trace>
+</inkml:ink>
+</file>
+
+<file path=ppt/ink/ink7.xml><?xml version="1.0" encoding="utf-8"?>
+<inkml:ink xmlns:inkml="http://www.w3.org/2003/InkML">
+  <inkml:definitions>
+    <inkml:context xml:id="ctx0">
+      <inkml:inkSource xml:id="inkSrc0">
+        <inkml:traceFormat>
+          <inkml:channel name="X" type="integer" min="-2.14748E9" max="2.14748E9" units="cm"/>
+          <inkml:channel name="Y" type="integer" min="-2.14748E9" max="2.14748E9" units="cm"/>
+          <inkml:channel name="F" type="integer" max="32767" units="dev"/>
+        </inkml:traceFormat>
+        <inkml:channelProperties>
+          <inkml:channelProperty channel="X" name="resolution" value="1000" units="1/cm"/>
+          <inkml:channelProperty channel="Y" name="resolution" value="1000" units="1/cm"/>
+          <inkml:channelProperty channel="F" name="resolution" value="0" units="1/dev"/>
+        </inkml:channelProperties>
+      </inkml:inkSource>
+      <inkml:timestamp xml:id="ts0" timeString="2022-01-31T17:17:06.501"/>
+    </inkml:context>
+    <inkml:brush xml:id="br0">
+      <inkml:brushProperty name="width" value="0.35" units="cm"/>
+      <inkml:brushProperty name="height" value="0.35" units="cm"/>
+      <inkml:brushProperty name="color" value="#1B1B1B"/>
+    </inkml:brush>
+  </inkml:definitions>
+  <inkml:trace contextRef="#ctx0" brushRef="#br0">1 1 24575,'0'0'-8191</inkml:trace>
+</inkml:ink>
+</file>
+
+<file path=ppt/ink/ink8.xml><?xml version="1.0" encoding="utf-8"?>
+<inkml:ink xmlns:inkml="http://www.w3.org/2003/InkML">
+  <inkml:definitions>
+    <inkml:context xml:id="ctx0">
+      <inkml:inkSource xml:id="inkSrc0">
+        <inkml:traceFormat>
+          <inkml:channel name="X" type="integer" min="-2.14748E9" max="2.14748E9" units="cm"/>
+          <inkml:channel name="Y" type="integer" min="-2.14748E9" max="2.14748E9" units="cm"/>
+          <inkml:channel name="F" type="integer" max="32767" units="dev"/>
+        </inkml:traceFormat>
+        <inkml:channelProperties>
+          <inkml:channelProperty channel="X" name="resolution" value="1000" units="1/cm"/>
+          <inkml:channelProperty channel="Y" name="resolution" value="1000" units="1/cm"/>
+          <inkml:channelProperty channel="F" name="resolution" value="0" units="1/dev"/>
+        </inkml:channelProperties>
+      </inkml:inkSource>
+      <inkml:timestamp xml:id="ts0" timeString="2022-01-31T17:17:06.857"/>
+    </inkml:context>
+    <inkml:brush xml:id="br0">
+      <inkml:brushProperty name="width" value="0.35" units="cm"/>
+      <inkml:brushProperty name="height" value="0.35" units="cm"/>
+      <inkml:brushProperty name="color" value="#1B1B1B"/>
+    </inkml:brush>
+  </inkml:definitions>
+  <inkml:trace contextRef="#ctx0" brushRef="#br0">0 0 24575,'0'0'-8191</inkml:trace>
+</inkml:ink>
+</file>
+
+<file path=ppt/ink/ink9.xml><?xml version="1.0" encoding="utf-8"?>
+<inkml:ink xmlns:inkml="http://www.w3.org/2003/InkML">
+  <inkml:definitions>
+    <inkml:context xml:id="ctx0">
+      <inkml:inkSource xml:id="inkSrc0">
+        <inkml:traceFormat>
+          <inkml:channel name="X" type="integer" min="-2.14748E9" max="2.14748E9" units="cm"/>
+          <inkml:channel name="Y" type="integer" min="-2.14748E9" max="2.14748E9" units="cm"/>
+          <inkml:channel name="F" type="integer" max="32767" units="dev"/>
+        </inkml:traceFormat>
+        <inkml:channelProperties>
+          <inkml:channelProperty channel="X" name="resolution" value="1000" units="1/cm"/>
+          <inkml:channelProperty channel="Y" name="resolution" value="1000" units="1/cm"/>
+          <inkml:channelProperty channel="F" name="resolution" value="0" units="1/dev"/>
+        </inkml:channelProperties>
+      </inkml:inkSource>
+      <inkml:timestamp xml:id="ts0" timeString="2022-01-31T17:17:14.054"/>
+    </inkml:context>
+    <inkml:brush xml:id="br0">
+      <inkml:brushProperty name="width" value="0.1" units="cm"/>
+      <inkml:brushProperty name="height" value="0.1" units="cm"/>
+      <inkml:brushProperty name="color" value="#1B1B1B"/>
+    </inkml:brush>
+  </inkml:definitions>
+  <inkml:trace contextRef="#ctx0" brushRef="#br0">0 1 24575,'0'0'-8191</inkml:trace>
+</inkml:ink>
+</file>
+
 <file path=ppt/slideLayouts/slideLayout1.xml><?xml version="1.0" encoding="utf-8"?>
 <p:sldLayout xmlns:a="http://schemas.openxmlformats.org/drawingml/2006/main" xmlns:r="http://schemas.openxmlformats.org/officeDocument/2006/relationships" xmlns:p="http://schemas.openxmlformats.org/presentationml/2006/main" type="title" preserve="1">
   <p:cSld name="Diapositiva titolo">
@@ -2056,7 +2780,7 @@
           <a:p>
             <a:fld id="{C8D008D8-254F-457E-91CC-5CB89A81E178}" type="datetimeFigureOut">
               <a:rPr lang="it-IT" smtClean="0"/>
-              <a:t>29/01/2022</a:t>
+              <a:t>31/01/2022</a:t>
             </a:fld>
             <a:endParaRPr lang="it-IT"/>
           </a:p>
@@ -2254,7 +2978,7 @@
           <a:p>
             <a:fld id="{C8D008D8-254F-457E-91CC-5CB89A81E178}" type="datetimeFigureOut">
               <a:rPr lang="it-IT" smtClean="0"/>
-              <a:t>29/01/2022</a:t>
+              <a:t>31/01/2022</a:t>
             </a:fld>
             <a:endParaRPr lang="it-IT"/>
           </a:p>
@@ -2462,7 +3186,7 @@
           <a:p>
             <a:fld id="{C8D008D8-254F-457E-91CC-5CB89A81E178}" type="datetimeFigureOut">
               <a:rPr lang="it-IT" smtClean="0"/>
-              <a:t>29/01/2022</a:t>
+              <a:t>31/01/2022</a:t>
             </a:fld>
             <a:endParaRPr lang="it-IT"/>
           </a:p>
@@ -2660,7 +3384,7 @@
           <a:p>
             <a:fld id="{C8D008D8-254F-457E-91CC-5CB89A81E178}" type="datetimeFigureOut">
               <a:rPr lang="it-IT" smtClean="0"/>
-              <a:t>29/01/2022</a:t>
+              <a:t>31/01/2022</a:t>
             </a:fld>
             <a:endParaRPr lang="it-IT"/>
           </a:p>
@@ -2935,7 +3659,7 @@
           <a:p>
             <a:fld id="{C8D008D8-254F-457E-91CC-5CB89A81E178}" type="datetimeFigureOut">
               <a:rPr lang="it-IT" smtClean="0"/>
-              <a:t>29/01/2022</a:t>
+              <a:t>31/01/2022</a:t>
             </a:fld>
             <a:endParaRPr lang="it-IT"/>
           </a:p>
@@ -3200,7 +3924,7 @@
           <a:p>
             <a:fld id="{C8D008D8-254F-457E-91CC-5CB89A81E178}" type="datetimeFigureOut">
               <a:rPr lang="it-IT" smtClean="0"/>
-              <a:t>29/01/2022</a:t>
+              <a:t>31/01/2022</a:t>
             </a:fld>
             <a:endParaRPr lang="it-IT"/>
           </a:p>
@@ -3612,7 +4336,7 @@
           <a:p>
             <a:fld id="{C8D008D8-254F-457E-91CC-5CB89A81E178}" type="datetimeFigureOut">
               <a:rPr lang="it-IT" smtClean="0"/>
-              <a:t>29/01/2022</a:t>
+              <a:t>31/01/2022</a:t>
             </a:fld>
             <a:endParaRPr lang="it-IT"/>
           </a:p>
@@ -3753,7 +4477,7 @@
           <a:p>
             <a:fld id="{C8D008D8-254F-457E-91CC-5CB89A81E178}" type="datetimeFigureOut">
               <a:rPr lang="it-IT" smtClean="0"/>
-              <a:t>29/01/2022</a:t>
+              <a:t>31/01/2022</a:t>
             </a:fld>
             <a:endParaRPr lang="it-IT"/>
           </a:p>
@@ -3866,7 +4590,7 @@
           <a:p>
             <a:fld id="{C8D008D8-254F-457E-91CC-5CB89A81E178}" type="datetimeFigureOut">
               <a:rPr lang="it-IT" smtClean="0"/>
-              <a:t>29/01/2022</a:t>
+              <a:t>31/01/2022</a:t>
             </a:fld>
             <a:endParaRPr lang="it-IT"/>
           </a:p>
@@ -4177,7 +4901,7 @@
           <a:p>
             <a:fld id="{C8D008D8-254F-457E-91CC-5CB89A81E178}" type="datetimeFigureOut">
               <a:rPr lang="it-IT" smtClean="0"/>
-              <a:t>29/01/2022</a:t>
+              <a:t>31/01/2022</a:t>
             </a:fld>
             <a:endParaRPr lang="it-IT"/>
           </a:p>
@@ -4465,7 +5189,7 @@
           <a:p>
             <a:fld id="{C8D008D8-254F-457E-91CC-5CB89A81E178}" type="datetimeFigureOut">
               <a:rPr lang="it-IT" smtClean="0"/>
-              <a:t>29/01/2022</a:t>
+              <a:t>31/01/2022</a:t>
             </a:fld>
             <a:endParaRPr lang="it-IT"/>
           </a:p>
@@ -4706,7 +5430,7 @@
           <a:p>
             <a:fld id="{C8D008D8-254F-457E-91CC-5CB89A81E178}" type="datetimeFigureOut">
               <a:rPr lang="it-IT" smtClean="0"/>
-              <a:t>29/01/2022</a:t>
+              <a:t>31/01/2022</a:t>
             </a:fld>
             <a:endParaRPr lang="it-IT"/>
           </a:p>
@@ -11816,6 +12540,951 @@
           </a:prstGeom>
         </p:spPr>
       </p:pic>
+      <mc:AlternateContent xmlns:mc="http://schemas.openxmlformats.org/markup-compatibility/2006">
+        <mc:Choice xmlns:p14="http://schemas.microsoft.com/office/powerpoint/2010/main" Requires="p14">
+          <p:contentPart p14:bwMode="auto" r:id="rId3">
+            <p14:nvContentPartPr>
+              <p14:cNvPr id="24" name="Input penna 23">
+                <a:extLst>
+                  <a:ext uri="{FF2B5EF4-FFF2-40B4-BE49-F238E27FC236}">
+                    <a16:creationId xmlns:a16="http://schemas.microsoft.com/office/drawing/2014/main" id="{96A0CA0B-33DA-4055-ABAC-22FEB8CC6037}"/>
+                  </a:ext>
+                </a:extLst>
+              </p14:cNvPr>
+              <p14:cNvContentPartPr/>
+              <p14:nvPr/>
+            </p14:nvContentPartPr>
+            <p14:xfrm>
+              <a:off x="1250545" y="879697"/>
+              <a:ext cx="343800" cy="312840"/>
+            </p14:xfrm>
+          </p:contentPart>
+        </mc:Choice>
+        <mc:Fallback>
+          <p:pic>
+            <p:nvPicPr>
+              <p:cNvPr id="24" name="Input penna 23">
+                <a:extLst>
+                  <a:ext uri="{FF2B5EF4-FFF2-40B4-BE49-F238E27FC236}">
+                    <a16:creationId xmlns:a16="http://schemas.microsoft.com/office/drawing/2014/main" id="{96A0CA0B-33DA-4055-ABAC-22FEB8CC6037}"/>
+                  </a:ext>
+                </a:extLst>
+              </p:cNvPr>
+              <p:cNvPicPr/>
+              <p:nvPr/>
+            </p:nvPicPr>
+            <p:blipFill>
+              <a:blip r:embed="rId4"/>
+              <a:stretch>
+                <a:fillRect/>
+              </a:stretch>
+            </p:blipFill>
+            <p:spPr>
+              <a:xfrm>
+                <a:off x="1187905" y="817057"/>
+                <a:ext cx="469440" cy="438480"/>
+              </a:xfrm>
+              <a:prstGeom prst="rect">
+                <a:avLst/>
+              </a:prstGeom>
+            </p:spPr>
+          </p:pic>
+        </mc:Fallback>
+      </mc:AlternateContent>
+      <mc:AlternateContent xmlns:mc="http://schemas.openxmlformats.org/markup-compatibility/2006">
+        <mc:Choice xmlns:p14="http://schemas.microsoft.com/office/powerpoint/2010/main" Requires="p14">
+          <p:contentPart p14:bwMode="auto" r:id="rId5">
+            <p14:nvContentPartPr>
+              <p14:cNvPr id="38" name="Input penna 37">
+                <a:extLst>
+                  <a:ext uri="{FF2B5EF4-FFF2-40B4-BE49-F238E27FC236}">
+                    <a16:creationId xmlns:a16="http://schemas.microsoft.com/office/drawing/2014/main" id="{32D83542-4F9D-457D-86C4-33F4ABA4F125}"/>
+                  </a:ext>
+                </a:extLst>
+              </p14:cNvPr>
+              <p14:cNvContentPartPr/>
+              <p14:nvPr/>
+            </p14:nvContentPartPr>
+            <p14:xfrm>
+              <a:off x="523620" y="2425650"/>
+              <a:ext cx="12960" cy="92880"/>
+            </p14:xfrm>
+          </p:contentPart>
+        </mc:Choice>
+        <mc:Fallback>
+          <p:pic>
+            <p:nvPicPr>
+              <p:cNvPr id="38" name="Input penna 37">
+                <a:extLst>
+                  <a:ext uri="{FF2B5EF4-FFF2-40B4-BE49-F238E27FC236}">
+                    <a16:creationId xmlns:a16="http://schemas.microsoft.com/office/drawing/2014/main" id="{32D83542-4F9D-457D-86C4-33F4ABA4F125}"/>
+                  </a:ext>
+                </a:extLst>
+              </p:cNvPr>
+              <p:cNvPicPr/>
+              <p:nvPr/>
+            </p:nvPicPr>
+            <p:blipFill>
+              <a:blip r:embed="rId6"/>
+              <a:stretch>
+                <a:fillRect/>
+              </a:stretch>
+            </p:blipFill>
+            <p:spPr>
+              <a:xfrm>
+                <a:off x="460980" y="2362650"/>
+                <a:ext cx="138600" cy="218520"/>
+              </a:xfrm>
+              <a:prstGeom prst="rect">
+                <a:avLst/>
+              </a:prstGeom>
+            </p:spPr>
+          </p:pic>
+        </mc:Fallback>
+      </mc:AlternateContent>
+      <p:grpSp>
+        <p:nvGrpSpPr>
+          <p:cNvPr id="52" name="Gruppo 51">
+            <a:extLst>
+              <a:ext uri="{FF2B5EF4-FFF2-40B4-BE49-F238E27FC236}">
+                <a16:creationId xmlns:a16="http://schemas.microsoft.com/office/drawing/2014/main" id="{EABA51BD-0844-4B78-A1D8-4DE30C87D49E}"/>
+              </a:ext>
+            </a:extLst>
+          </p:cNvPr>
+          <p:cNvGrpSpPr/>
+          <p:nvPr/>
+        </p:nvGrpSpPr>
+        <p:grpSpPr>
+          <a:xfrm>
+            <a:off x="1716762" y="2466924"/>
+            <a:ext cx="903748" cy="1103413"/>
+            <a:chOff x="1716762" y="2466924"/>
+            <a:chExt cx="903748" cy="1103413"/>
+          </a:xfrm>
+        </p:grpSpPr>
+        <p:grpSp>
+          <p:nvGrpSpPr>
+            <p:cNvPr id="37" name="Gruppo 36">
+              <a:extLst>
+                <a:ext uri="{FF2B5EF4-FFF2-40B4-BE49-F238E27FC236}">
+                  <a16:creationId xmlns:a16="http://schemas.microsoft.com/office/drawing/2014/main" id="{519D89FD-9AAB-4AC7-95FF-1DD1827D6509}"/>
+                </a:ext>
+              </a:extLst>
+            </p:cNvPr>
+            <p:cNvGrpSpPr/>
+            <p:nvPr/>
+          </p:nvGrpSpPr>
+          <p:grpSpPr>
+            <a:xfrm>
+              <a:off x="1716762" y="2466924"/>
+              <a:ext cx="903748" cy="1103413"/>
+              <a:chOff x="1716762" y="2466924"/>
+              <a:chExt cx="903748" cy="1103413"/>
+            </a:xfrm>
+          </p:grpSpPr>
+          <p:pic>
+            <p:nvPicPr>
+              <p:cNvPr id="3" name="Immagine 2">
+                <a:extLst>
+                  <a:ext uri="{FF2B5EF4-FFF2-40B4-BE49-F238E27FC236}">
+                    <a16:creationId xmlns:a16="http://schemas.microsoft.com/office/drawing/2014/main" id="{51AD8329-AB8E-4123-930A-0EF6F29AB364}"/>
+                  </a:ext>
+                </a:extLst>
+              </p:cNvPr>
+              <p:cNvPicPr>
+                <a:picLocks noChangeAspect="1"/>
+              </p:cNvPicPr>
+              <p:nvPr/>
+            </p:nvPicPr>
+            <p:blipFill>
+              <a:blip r:embed="rId7"/>
+              <a:stretch>
+                <a:fillRect/>
+              </a:stretch>
+            </p:blipFill>
+            <p:spPr>
+              <a:xfrm>
+                <a:off x="1716762" y="2466924"/>
+                <a:ext cx="903748" cy="1103413"/>
+              </a:xfrm>
+              <a:prstGeom prst="rect">
+                <a:avLst/>
+              </a:prstGeom>
+            </p:spPr>
+          </p:pic>
+          <p:grpSp>
+            <p:nvGrpSpPr>
+              <p:cNvPr id="30" name="Gruppo 29">
+                <a:extLst>
+                  <a:ext uri="{FF2B5EF4-FFF2-40B4-BE49-F238E27FC236}">
+                    <a16:creationId xmlns:a16="http://schemas.microsoft.com/office/drawing/2014/main" id="{F19CF761-166A-4886-8A73-05971222E795}"/>
+                  </a:ext>
+                </a:extLst>
+              </p:cNvPr>
+              <p:cNvGrpSpPr/>
+              <p:nvPr/>
+            </p:nvGrpSpPr>
+            <p:grpSpPr>
+              <a:xfrm>
+                <a:off x="2052985" y="3234817"/>
+                <a:ext cx="120960" cy="17640"/>
+                <a:chOff x="2052985" y="3234817"/>
+                <a:chExt cx="120960" cy="17640"/>
+              </a:xfrm>
+            </p:grpSpPr>
+            <mc:AlternateContent xmlns:mc="http://schemas.openxmlformats.org/markup-compatibility/2006">
+              <mc:Choice xmlns:p14="http://schemas.microsoft.com/office/powerpoint/2010/main" Requires="p14">
+                <p:contentPart p14:bwMode="auto" r:id="rId8">
+                  <p14:nvContentPartPr>
+                    <p14:cNvPr id="25" name="Input penna 24">
+                      <a:extLst>
+                        <a:ext uri="{FF2B5EF4-FFF2-40B4-BE49-F238E27FC236}">
+                          <a16:creationId xmlns:a16="http://schemas.microsoft.com/office/drawing/2014/main" id="{8BC44557-47A2-41A8-B6F0-7C2F66B5DFC3}"/>
+                        </a:ext>
+                      </a:extLst>
+                    </p14:cNvPr>
+                    <p14:cNvContentPartPr/>
+                    <p14:nvPr/>
+                  </p14:nvContentPartPr>
+                  <p14:xfrm>
+                    <a:off x="2052985" y="3252097"/>
+                    <a:ext cx="360" cy="360"/>
+                  </p14:xfrm>
+                </p:contentPart>
+              </mc:Choice>
+              <mc:Fallback>
+                <p:pic>
+                  <p:nvPicPr>
+                    <p:cNvPr id="25" name="Input penna 24">
+                      <a:extLst>
+                        <a:ext uri="{FF2B5EF4-FFF2-40B4-BE49-F238E27FC236}">
+                          <a16:creationId xmlns:a16="http://schemas.microsoft.com/office/drawing/2014/main" id="{8BC44557-47A2-41A8-B6F0-7C2F66B5DFC3}"/>
+                        </a:ext>
+                      </a:extLst>
+                    </p:cNvPr>
+                    <p:cNvPicPr/>
+                    <p:nvPr/>
+                  </p:nvPicPr>
+                  <p:blipFill>
+                    <a:blip r:embed="rId9"/>
+                    <a:stretch>
+                      <a:fillRect/>
+                    </a:stretch>
+                  </p:blipFill>
+                  <p:spPr>
+                    <a:xfrm>
+                      <a:off x="1989985" y="3189457"/>
+                      <a:ext cx="126000" cy="126000"/>
+                    </a:xfrm>
+                    <a:prstGeom prst="rect">
+                      <a:avLst/>
+                    </a:prstGeom>
+                  </p:spPr>
+                </p:pic>
+              </mc:Fallback>
+            </mc:AlternateContent>
+            <mc:AlternateContent xmlns:mc="http://schemas.openxmlformats.org/markup-compatibility/2006">
+              <mc:Choice xmlns:p14="http://schemas.microsoft.com/office/powerpoint/2010/main" Requires="p14">
+                <p:contentPart p14:bwMode="auto" r:id="rId10">
+                  <p14:nvContentPartPr>
+                    <p14:cNvPr id="26" name="Input penna 25">
+                      <a:extLst>
+                        <a:ext uri="{FF2B5EF4-FFF2-40B4-BE49-F238E27FC236}">
+                          <a16:creationId xmlns:a16="http://schemas.microsoft.com/office/drawing/2014/main" id="{DEF5B116-F62E-45E7-98F6-380957251E28}"/>
+                        </a:ext>
+                      </a:extLst>
+                    </p14:cNvPr>
+                    <p14:cNvContentPartPr/>
+                    <p14:nvPr/>
+                  </p14:nvContentPartPr>
+                  <p14:xfrm>
+                    <a:off x="2113105" y="3252097"/>
+                    <a:ext cx="360" cy="360"/>
+                  </p14:xfrm>
+                </p:contentPart>
+              </mc:Choice>
+              <mc:Fallback>
+                <p:pic>
+                  <p:nvPicPr>
+                    <p:cNvPr id="26" name="Input penna 25">
+                      <a:extLst>
+                        <a:ext uri="{FF2B5EF4-FFF2-40B4-BE49-F238E27FC236}">
+                          <a16:creationId xmlns:a16="http://schemas.microsoft.com/office/drawing/2014/main" id="{DEF5B116-F62E-45E7-98F6-380957251E28}"/>
+                        </a:ext>
+                      </a:extLst>
+                    </p:cNvPr>
+                    <p:cNvPicPr/>
+                    <p:nvPr/>
+                  </p:nvPicPr>
+                  <p:blipFill>
+                    <a:blip r:embed="rId9"/>
+                    <a:stretch>
+                      <a:fillRect/>
+                    </a:stretch>
+                  </p:blipFill>
+                  <p:spPr>
+                    <a:xfrm>
+                      <a:off x="2050465" y="3189457"/>
+                      <a:ext cx="126000" cy="126000"/>
+                    </a:xfrm>
+                    <a:prstGeom prst="rect">
+                      <a:avLst/>
+                    </a:prstGeom>
+                  </p:spPr>
+                </p:pic>
+              </mc:Fallback>
+            </mc:AlternateContent>
+            <mc:AlternateContent xmlns:mc="http://schemas.openxmlformats.org/markup-compatibility/2006">
+              <mc:Choice xmlns:p14="http://schemas.microsoft.com/office/powerpoint/2010/main" Requires="p14">
+                <p:contentPart p14:bwMode="auto" r:id="rId11">
+                  <p14:nvContentPartPr>
+                    <p14:cNvPr id="28" name="Input penna 27">
+                      <a:extLst>
+                        <a:ext uri="{FF2B5EF4-FFF2-40B4-BE49-F238E27FC236}">
+                          <a16:creationId xmlns:a16="http://schemas.microsoft.com/office/drawing/2014/main" id="{CA1F2DDA-94F8-4205-8E82-86E52F4B9A35}"/>
+                        </a:ext>
+                      </a:extLst>
+                    </p14:cNvPr>
+                    <p14:cNvContentPartPr/>
+                    <p14:nvPr/>
+                  </p14:nvContentPartPr>
+                  <p14:xfrm>
+                    <a:off x="2156305" y="3243457"/>
+                    <a:ext cx="360" cy="360"/>
+                  </p14:xfrm>
+                </p:contentPart>
+              </mc:Choice>
+              <mc:Fallback>
+                <p:pic>
+                  <p:nvPicPr>
+                    <p:cNvPr id="28" name="Input penna 27">
+                      <a:extLst>
+                        <a:ext uri="{FF2B5EF4-FFF2-40B4-BE49-F238E27FC236}">
+                          <a16:creationId xmlns:a16="http://schemas.microsoft.com/office/drawing/2014/main" id="{CA1F2DDA-94F8-4205-8E82-86E52F4B9A35}"/>
+                        </a:ext>
+                      </a:extLst>
+                    </p:cNvPr>
+                    <p:cNvPicPr/>
+                    <p:nvPr/>
+                  </p:nvPicPr>
+                  <p:blipFill>
+                    <a:blip r:embed="rId9"/>
+                    <a:stretch>
+                      <a:fillRect/>
+                    </a:stretch>
+                  </p:blipFill>
+                  <p:spPr>
+                    <a:xfrm>
+                      <a:off x="2093665" y="3180457"/>
+                      <a:ext cx="126000" cy="126000"/>
+                    </a:xfrm>
+                    <a:prstGeom prst="rect">
+                      <a:avLst/>
+                    </a:prstGeom>
+                  </p:spPr>
+                </p:pic>
+              </mc:Fallback>
+            </mc:AlternateContent>
+            <mc:AlternateContent xmlns:mc="http://schemas.openxmlformats.org/markup-compatibility/2006">
+              <mc:Choice xmlns:p14="http://schemas.microsoft.com/office/powerpoint/2010/main" Requires="p14">
+                <p:contentPart p14:bwMode="auto" r:id="rId12">
+                  <p14:nvContentPartPr>
+                    <p14:cNvPr id="29" name="Input penna 28">
+                      <a:extLst>
+                        <a:ext uri="{FF2B5EF4-FFF2-40B4-BE49-F238E27FC236}">
+                          <a16:creationId xmlns:a16="http://schemas.microsoft.com/office/drawing/2014/main" id="{EB2DEAB7-BBA9-4C18-A735-CF3711128293}"/>
+                        </a:ext>
+                      </a:extLst>
+                    </p14:cNvPr>
+                    <p14:cNvContentPartPr/>
+                    <p14:nvPr/>
+                  </p14:nvContentPartPr>
+                  <p14:xfrm>
+                    <a:off x="2173585" y="3234817"/>
+                    <a:ext cx="360" cy="360"/>
+                  </p14:xfrm>
+                </p:contentPart>
+              </mc:Choice>
+              <mc:Fallback>
+                <p:pic>
+                  <p:nvPicPr>
+                    <p:cNvPr id="29" name="Input penna 28">
+                      <a:extLst>
+                        <a:ext uri="{FF2B5EF4-FFF2-40B4-BE49-F238E27FC236}">
+                          <a16:creationId xmlns:a16="http://schemas.microsoft.com/office/drawing/2014/main" id="{EB2DEAB7-BBA9-4C18-A735-CF3711128293}"/>
+                        </a:ext>
+                      </a:extLst>
+                    </p:cNvPr>
+                    <p:cNvPicPr/>
+                    <p:nvPr/>
+                  </p:nvPicPr>
+                  <p:blipFill>
+                    <a:blip r:embed="rId9"/>
+                    <a:stretch>
+                      <a:fillRect/>
+                    </a:stretch>
+                  </p:blipFill>
+                  <p:spPr>
+                    <a:xfrm>
+                      <a:off x="2110945" y="3172177"/>
+                      <a:ext cx="126000" cy="126000"/>
+                    </a:xfrm>
+                    <a:prstGeom prst="rect">
+                      <a:avLst/>
+                    </a:prstGeom>
+                  </p:spPr>
+                </p:pic>
+              </mc:Fallback>
+            </mc:AlternateContent>
+          </p:grpSp>
+          <p:cxnSp>
+            <p:nvCxnSpPr>
+              <p:cNvPr id="32" name="Connettore diritto 31">
+                <a:extLst>
+                  <a:ext uri="{FF2B5EF4-FFF2-40B4-BE49-F238E27FC236}">
+                    <a16:creationId xmlns:a16="http://schemas.microsoft.com/office/drawing/2014/main" id="{CC080F3C-C993-4756-9C24-00955AB58000}"/>
+                  </a:ext>
+                </a:extLst>
+              </p:cNvPr>
+              <p:cNvCxnSpPr/>
+              <p:nvPr/>
+            </p:nvCxnSpPr>
+            <p:spPr>
+              <a:xfrm flipV="1">
+                <a:off x="2308704" y="3077773"/>
+                <a:ext cx="0" cy="94891"/>
+              </a:xfrm>
+              <a:prstGeom prst="line">
+                <a:avLst/>
+              </a:prstGeom>
+              <a:ln>
+                <a:solidFill>
+                  <a:srgbClr val="D9D1CA"/>
+                </a:solidFill>
+              </a:ln>
+            </p:spPr>
+            <p:style>
+              <a:lnRef idx="3">
+                <a:schemeClr val="accent3"/>
+              </a:lnRef>
+              <a:fillRef idx="0">
+                <a:schemeClr val="accent3"/>
+              </a:fillRef>
+              <a:effectRef idx="2">
+                <a:schemeClr val="accent3"/>
+              </a:effectRef>
+              <a:fontRef idx="minor">
+                <a:schemeClr val="tx1"/>
+              </a:fontRef>
+            </p:style>
+          </p:cxnSp>
+          <p:cxnSp>
+            <p:nvCxnSpPr>
+              <p:cNvPr id="33" name="Connettore diritto 32">
+                <a:extLst>
+                  <a:ext uri="{FF2B5EF4-FFF2-40B4-BE49-F238E27FC236}">
+                    <a16:creationId xmlns:a16="http://schemas.microsoft.com/office/drawing/2014/main" id="{8C425051-F99A-4BBF-A2EC-27EFBAE46ECE}"/>
+                  </a:ext>
+                </a:extLst>
+              </p:cNvPr>
+              <p:cNvCxnSpPr/>
+              <p:nvPr/>
+            </p:nvCxnSpPr>
+            <p:spPr>
+              <a:xfrm flipV="1">
+                <a:off x="2308704" y="2855523"/>
+                <a:ext cx="0" cy="94891"/>
+              </a:xfrm>
+              <a:prstGeom prst="line">
+                <a:avLst/>
+              </a:prstGeom>
+              <a:ln>
+                <a:solidFill>
+                  <a:srgbClr val="D9D1CA"/>
+                </a:solidFill>
+              </a:ln>
+            </p:spPr>
+            <p:style>
+              <a:lnRef idx="3">
+                <a:schemeClr val="accent3"/>
+              </a:lnRef>
+              <a:fillRef idx="0">
+                <a:schemeClr val="accent3"/>
+              </a:fillRef>
+              <a:effectRef idx="2">
+                <a:schemeClr val="accent3"/>
+              </a:effectRef>
+              <a:fontRef idx="minor">
+                <a:schemeClr val="tx1"/>
+              </a:fontRef>
+            </p:style>
+          </p:cxnSp>
+          <p:cxnSp>
+            <p:nvCxnSpPr>
+              <p:cNvPr id="34" name="Connettore diritto 33">
+                <a:extLst>
+                  <a:ext uri="{FF2B5EF4-FFF2-40B4-BE49-F238E27FC236}">
+                    <a16:creationId xmlns:a16="http://schemas.microsoft.com/office/drawing/2014/main" id="{429BB8A5-9528-4247-93C8-543A431C5813}"/>
+                  </a:ext>
+                </a:extLst>
+              </p:cNvPr>
+              <p:cNvCxnSpPr>
+                <a:cxnSpLocks/>
+              </p:cNvCxnSpPr>
+              <p:nvPr/>
+            </p:nvCxnSpPr>
+            <p:spPr>
+              <a:xfrm flipV="1">
+                <a:off x="2195752" y="2868044"/>
+                <a:ext cx="225904" cy="164740"/>
+              </a:xfrm>
+              <a:prstGeom prst="line">
+                <a:avLst/>
+              </a:prstGeom>
+              <a:ln>
+                <a:solidFill>
+                  <a:srgbClr val="D9D1CA"/>
+                </a:solidFill>
+              </a:ln>
+            </p:spPr>
+            <p:style>
+              <a:lnRef idx="3">
+                <a:schemeClr val="accent3"/>
+              </a:lnRef>
+              <a:fillRef idx="0">
+                <a:schemeClr val="accent3"/>
+              </a:fillRef>
+              <a:effectRef idx="2">
+                <a:schemeClr val="accent3"/>
+              </a:effectRef>
+              <a:fontRef idx="minor">
+                <a:schemeClr val="tx1"/>
+              </a:fontRef>
+            </p:style>
+          </p:cxnSp>
+          <p:cxnSp>
+            <p:nvCxnSpPr>
+              <p:cNvPr id="36" name="Connettore diritto 35">
+                <a:extLst>
+                  <a:ext uri="{FF2B5EF4-FFF2-40B4-BE49-F238E27FC236}">
+                    <a16:creationId xmlns:a16="http://schemas.microsoft.com/office/drawing/2014/main" id="{72DCD1C5-B992-4F01-855C-DAF642F0F493}"/>
+                  </a:ext>
+                </a:extLst>
+              </p:cNvPr>
+              <p:cNvCxnSpPr>
+                <a:cxnSpLocks/>
+              </p:cNvCxnSpPr>
+              <p:nvPr/>
+            </p:nvCxnSpPr>
+            <p:spPr>
+              <a:xfrm flipV="1">
+                <a:off x="2195752" y="2995403"/>
+                <a:ext cx="225904" cy="164740"/>
+              </a:xfrm>
+              <a:prstGeom prst="line">
+                <a:avLst/>
+              </a:prstGeom>
+              <a:ln>
+                <a:solidFill>
+                  <a:srgbClr val="D9D1CA"/>
+                </a:solidFill>
+              </a:ln>
+            </p:spPr>
+            <p:style>
+              <a:lnRef idx="3">
+                <a:schemeClr val="accent3"/>
+              </a:lnRef>
+              <a:fillRef idx="0">
+                <a:schemeClr val="accent3"/>
+              </a:fillRef>
+              <a:effectRef idx="2">
+                <a:schemeClr val="accent3"/>
+              </a:effectRef>
+              <a:fontRef idx="minor">
+                <a:schemeClr val="tx1"/>
+              </a:fontRef>
+            </p:style>
+          </p:cxnSp>
+        </p:grpSp>
+        <p:grpSp>
+          <p:nvGrpSpPr>
+            <p:cNvPr id="51" name="Gruppo 50">
+              <a:extLst>
+                <a:ext uri="{FF2B5EF4-FFF2-40B4-BE49-F238E27FC236}">
+                  <a16:creationId xmlns:a16="http://schemas.microsoft.com/office/drawing/2014/main" id="{9AD60A05-D7AE-4A60-9246-F17CEA36FADE}"/>
+                </a:ext>
+              </a:extLst>
+            </p:cNvPr>
+            <p:cNvGrpSpPr/>
+            <p:nvPr/>
+          </p:nvGrpSpPr>
+          <p:grpSpPr>
+            <a:xfrm>
+              <a:off x="2139660" y="3222330"/>
+              <a:ext cx="99000" cy="108360"/>
+              <a:chOff x="2139660" y="3222330"/>
+              <a:chExt cx="99000" cy="108360"/>
+            </a:xfrm>
+          </p:grpSpPr>
+          <mc:AlternateContent xmlns:mc="http://schemas.openxmlformats.org/markup-compatibility/2006">
+            <mc:Choice xmlns:p14="http://schemas.microsoft.com/office/powerpoint/2010/main" Requires="p14">
+              <p:contentPart p14:bwMode="auto" r:id="rId13">
+                <p14:nvContentPartPr>
+                  <p14:cNvPr id="39" name="Input penna 38">
+                    <a:extLst>
+                      <a:ext uri="{FF2B5EF4-FFF2-40B4-BE49-F238E27FC236}">
+                        <a16:creationId xmlns:a16="http://schemas.microsoft.com/office/drawing/2014/main" id="{00F87A88-F483-473C-8321-8A4EFF0002F2}"/>
+                      </a:ext>
+                    </a:extLst>
+                  </p14:cNvPr>
+                  <p14:cNvContentPartPr/>
+                  <p14:nvPr/>
+                </p14:nvContentPartPr>
+                <p14:xfrm>
+                  <a:off x="2139660" y="3330330"/>
+                  <a:ext cx="360" cy="360"/>
+                </p14:xfrm>
+              </p:contentPart>
+            </mc:Choice>
+            <mc:Fallback>
+              <p:pic>
+                <p:nvPicPr>
+                  <p:cNvPr id="39" name="Input penna 38">
+                    <a:extLst>
+                      <a:ext uri="{FF2B5EF4-FFF2-40B4-BE49-F238E27FC236}">
+                        <a16:creationId xmlns:a16="http://schemas.microsoft.com/office/drawing/2014/main" id="{00F87A88-F483-473C-8321-8A4EFF0002F2}"/>
+                      </a:ext>
+                    </a:extLst>
+                  </p:cNvPr>
+                  <p:cNvPicPr/>
+                  <p:nvPr/>
+                </p:nvPicPr>
+                <p:blipFill>
+                  <a:blip r:embed="rId9"/>
+                  <a:stretch>
+                    <a:fillRect/>
+                  </a:stretch>
+                </p:blipFill>
+                <p:spPr>
+                  <a:xfrm>
+                    <a:off x="2077020" y="3267690"/>
+                    <a:ext cx="126000" cy="126000"/>
+                  </a:xfrm>
+                  <a:prstGeom prst="rect">
+                    <a:avLst/>
+                  </a:prstGeom>
+                </p:spPr>
+              </p:pic>
+            </mc:Fallback>
+          </mc:AlternateContent>
+          <mc:AlternateContent xmlns:mc="http://schemas.openxmlformats.org/markup-compatibility/2006">
+            <mc:Choice xmlns:p14="http://schemas.microsoft.com/office/powerpoint/2010/main" Requires="p14">
+              <p:contentPart p14:bwMode="auto" r:id="rId14">
+                <p14:nvContentPartPr>
+                  <p14:cNvPr id="40" name="Input penna 39">
+                    <a:extLst>
+                      <a:ext uri="{FF2B5EF4-FFF2-40B4-BE49-F238E27FC236}">
+                        <a16:creationId xmlns:a16="http://schemas.microsoft.com/office/drawing/2014/main" id="{03B5E7D1-B98D-4458-B8C9-72BF1E17631C}"/>
+                      </a:ext>
+                    </a:extLst>
+                  </p14:cNvPr>
+                  <p14:cNvContentPartPr/>
+                  <p14:nvPr/>
+                </p14:nvContentPartPr>
+                <p14:xfrm>
+                  <a:off x="2184300" y="3320970"/>
+                  <a:ext cx="360" cy="360"/>
+                </p14:xfrm>
+              </p:contentPart>
+            </mc:Choice>
+            <mc:Fallback>
+              <p:pic>
+                <p:nvPicPr>
+                  <p:cNvPr id="40" name="Input penna 39">
+                    <a:extLst>
+                      <a:ext uri="{FF2B5EF4-FFF2-40B4-BE49-F238E27FC236}">
+                        <a16:creationId xmlns:a16="http://schemas.microsoft.com/office/drawing/2014/main" id="{03B5E7D1-B98D-4458-B8C9-72BF1E17631C}"/>
+                      </a:ext>
+                    </a:extLst>
+                  </p:cNvPr>
+                  <p:cNvPicPr/>
+                  <p:nvPr/>
+                </p:nvPicPr>
+                <p:blipFill>
+                  <a:blip r:embed="rId9"/>
+                  <a:stretch>
+                    <a:fillRect/>
+                  </a:stretch>
+                </p:blipFill>
+                <p:spPr>
+                  <a:xfrm>
+                    <a:off x="2121300" y="3257970"/>
+                    <a:ext cx="126000" cy="126000"/>
+                  </a:xfrm>
+                  <a:prstGeom prst="rect">
+                    <a:avLst/>
+                  </a:prstGeom>
+                </p:spPr>
+              </p:pic>
+            </mc:Fallback>
+          </mc:AlternateContent>
+          <mc:AlternateContent xmlns:mc="http://schemas.openxmlformats.org/markup-compatibility/2006">
+            <mc:Choice xmlns:p14="http://schemas.microsoft.com/office/powerpoint/2010/main" Requires="p14">
+              <p:contentPart p14:bwMode="auto" r:id="rId15">
+                <p14:nvContentPartPr>
+                  <p14:cNvPr id="45" name="Input penna 44">
+                    <a:extLst>
+                      <a:ext uri="{FF2B5EF4-FFF2-40B4-BE49-F238E27FC236}">
+                        <a16:creationId xmlns:a16="http://schemas.microsoft.com/office/drawing/2014/main" id="{8D5A8D80-E590-43E2-A3F4-9498316C68CF}"/>
+                      </a:ext>
+                    </a:extLst>
+                  </p14:cNvPr>
+                  <p14:cNvContentPartPr/>
+                  <p14:nvPr/>
+                </p14:nvContentPartPr>
+                <p14:xfrm>
+                  <a:off x="2219220" y="3282810"/>
+                  <a:ext cx="360" cy="360"/>
+                </p14:xfrm>
+              </p:contentPart>
+            </mc:Choice>
+            <mc:Fallback>
+              <p:pic>
+                <p:nvPicPr>
+                  <p:cNvPr id="45" name="Input penna 44">
+                    <a:extLst>
+                      <a:ext uri="{FF2B5EF4-FFF2-40B4-BE49-F238E27FC236}">
+                        <a16:creationId xmlns:a16="http://schemas.microsoft.com/office/drawing/2014/main" id="{8D5A8D80-E590-43E2-A3F4-9498316C68CF}"/>
+                      </a:ext>
+                    </a:extLst>
+                  </p:cNvPr>
+                  <p:cNvPicPr/>
+                  <p:nvPr/>
+                </p:nvPicPr>
+                <p:blipFill>
+                  <a:blip r:embed="rId16"/>
+                  <a:stretch>
+                    <a:fillRect/>
+                  </a:stretch>
+                </p:blipFill>
+                <p:spPr>
+                  <a:xfrm>
+                    <a:off x="2201220" y="3265170"/>
+                    <a:ext cx="36000" cy="36000"/>
+                  </a:xfrm>
+                  <a:prstGeom prst="rect">
+                    <a:avLst/>
+                  </a:prstGeom>
+                </p:spPr>
+              </p:pic>
+            </mc:Fallback>
+          </mc:AlternateContent>
+          <mc:AlternateContent xmlns:mc="http://schemas.openxmlformats.org/markup-compatibility/2006">
+            <mc:Choice xmlns:p14="http://schemas.microsoft.com/office/powerpoint/2010/main" Requires="p14">
+              <p:contentPart p14:bwMode="auto" r:id="rId17">
+                <p14:nvContentPartPr>
+                  <p14:cNvPr id="46" name="Input penna 45">
+                    <a:extLst>
+                      <a:ext uri="{FF2B5EF4-FFF2-40B4-BE49-F238E27FC236}">
+                        <a16:creationId xmlns:a16="http://schemas.microsoft.com/office/drawing/2014/main" id="{8842653A-61A8-43EA-A320-2E53FF091EDD}"/>
+                      </a:ext>
+                    </a:extLst>
+                  </p14:cNvPr>
+                  <p14:cNvContentPartPr/>
+                  <p14:nvPr/>
+                </p14:nvContentPartPr>
+                <p14:xfrm>
+                  <a:off x="2238300" y="3263730"/>
+                  <a:ext cx="360" cy="360"/>
+                </p14:xfrm>
+              </p:contentPart>
+            </mc:Choice>
+            <mc:Fallback>
+              <p:pic>
+                <p:nvPicPr>
+                  <p:cNvPr id="46" name="Input penna 45">
+                    <a:extLst>
+                      <a:ext uri="{FF2B5EF4-FFF2-40B4-BE49-F238E27FC236}">
+                        <a16:creationId xmlns:a16="http://schemas.microsoft.com/office/drawing/2014/main" id="{8842653A-61A8-43EA-A320-2E53FF091EDD}"/>
+                      </a:ext>
+                    </a:extLst>
+                  </p:cNvPr>
+                  <p:cNvPicPr/>
+                  <p:nvPr/>
+                </p:nvPicPr>
+                <p:blipFill>
+                  <a:blip r:embed="rId16"/>
+                  <a:stretch>
+                    <a:fillRect/>
+                  </a:stretch>
+                </p:blipFill>
+                <p:spPr>
+                  <a:xfrm>
+                    <a:off x="2220300" y="3246090"/>
+                    <a:ext cx="36000" cy="36000"/>
+                  </a:xfrm>
+                  <a:prstGeom prst="rect">
+                    <a:avLst/>
+                  </a:prstGeom>
+                </p:spPr>
+              </p:pic>
+            </mc:Fallback>
+          </mc:AlternateContent>
+          <mc:AlternateContent xmlns:mc="http://schemas.openxmlformats.org/markup-compatibility/2006">
+            <mc:Choice xmlns:p14="http://schemas.microsoft.com/office/powerpoint/2010/main" Requires="p14">
+              <p:contentPart p14:bwMode="auto" r:id="rId18">
+                <p14:nvContentPartPr>
+                  <p14:cNvPr id="48" name="Input penna 47">
+                    <a:extLst>
+                      <a:ext uri="{FF2B5EF4-FFF2-40B4-BE49-F238E27FC236}">
+                        <a16:creationId xmlns:a16="http://schemas.microsoft.com/office/drawing/2014/main" id="{326FCE0F-FFB4-4B6D-B9D4-5BE968F66EC3}"/>
+                      </a:ext>
+                    </a:extLst>
+                  </p14:cNvPr>
+                  <p14:cNvContentPartPr/>
+                  <p14:nvPr/>
+                </p14:nvContentPartPr>
+                <p14:xfrm>
+                  <a:off x="2228580" y="3222330"/>
+                  <a:ext cx="360" cy="360"/>
+                </p14:xfrm>
+              </p:contentPart>
+            </mc:Choice>
+            <mc:Fallback>
+              <p:pic>
+                <p:nvPicPr>
+                  <p:cNvPr id="48" name="Input penna 47">
+                    <a:extLst>
+                      <a:ext uri="{FF2B5EF4-FFF2-40B4-BE49-F238E27FC236}">
+                        <a16:creationId xmlns:a16="http://schemas.microsoft.com/office/drawing/2014/main" id="{326FCE0F-FFB4-4B6D-B9D4-5BE968F66EC3}"/>
+                      </a:ext>
+                    </a:extLst>
+                  </p:cNvPr>
+                  <p:cNvPicPr/>
+                  <p:nvPr/>
+                </p:nvPicPr>
+                <p:blipFill>
+                  <a:blip r:embed="rId16"/>
+                  <a:stretch>
+                    <a:fillRect/>
+                  </a:stretch>
+                </p:blipFill>
+                <p:spPr>
+                  <a:xfrm>
+                    <a:off x="2210940" y="3204690"/>
+                    <a:ext cx="36000" cy="36000"/>
+                  </a:xfrm>
+                  <a:prstGeom prst="rect">
+                    <a:avLst/>
+                  </a:prstGeom>
+                </p:spPr>
+              </p:pic>
+            </mc:Fallback>
+          </mc:AlternateContent>
+          <mc:AlternateContent xmlns:mc="http://schemas.openxmlformats.org/markup-compatibility/2006">
+            <mc:Choice xmlns:p14="http://schemas.microsoft.com/office/powerpoint/2010/main" Requires="p14">
+              <p:contentPart p14:bwMode="auto" r:id="rId19">
+                <p14:nvContentPartPr>
+                  <p14:cNvPr id="49" name="Input penna 48">
+                    <a:extLst>
+                      <a:ext uri="{FF2B5EF4-FFF2-40B4-BE49-F238E27FC236}">
+                        <a16:creationId xmlns:a16="http://schemas.microsoft.com/office/drawing/2014/main" id="{B1D738A7-C5C1-4540-A050-86981331F73B}"/>
+                      </a:ext>
+                    </a:extLst>
+                  </p14:cNvPr>
+                  <p14:cNvContentPartPr/>
+                  <p14:nvPr/>
+                </p14:nvContentPartPr>
+                <p14:xfrm>
+                  <a:off x="2228580" y="3235290"/>
+                  <a:ext cx="360" cy="360"/>
+                </p14:xfrm>
+              </p:contentPart>
+            </mc:Choice>
+            <mc:Fallback>
+              <p:pic>
+                <p:nvPicPr>
+                  <p:cNvPr id="49" name="Input penna 48">
+                    <a:extLst>
+                      <a:ext uri="{FF2B5EF4-FFF2-40B4-BE49-F238E27FC236}">
+                        <a16:creationId xmlns:a16="http://schemas.microsoft.com/office/drawing/2014/main" id="{B1D738A7-C5C1-4540-A050-86981331F73B}"/>
+                      </a:ext>
+                    </a:extLst>
+                  </p:cNvPr>
+                  <p:cNvPicPr/>
+                  <p:nvPr/>
+                </p:nvPicPr>
+                <p:blipFill>
+                  <a:blip r:embed="rId16"/>
+                  <a:stretch>
+                    <a:fillRect/>
+                  </a:stretch>
+                </p:blipFill>
+                <p:spPr>
+                  <a:xfrm>
+                    <a:off x="2210940" y="3217290"/>
+                    <a:ext cx="36000" cy="36000"/>
+                  </a:xfrm>
+                  <a:prstGeom prst="rect">
+                    <a:avLst/>
+                  </a:prstGeom>
+                </p:spPr>
+              </p:pic>
+            </mc:Fallback>
+          </mc:AlternateContent>
+          <mc:AlternateContent xmlns:mc="http://schemas.openxmlformats.org/markup-compatibility/2006">
+            <mc:Choice xmlns:p14="http://schemas.microsoft.com/office/powerpoint/2010/main" Requires="p14">
+              <p:contentPart p14:bwMode="auto" r:id="rId20">
+                <p14:nvContentPartPr>
+                  <p14:cNvPr id="50" name="Input penna 49">
+                    <a:extLst>
+                      <a:ext uri="{FF2B5EF4-FFF2-40B4-BE49-F238E27FC236}">
+                        <a16:creationId xmlns:a16="http://schemas.microsoft.com/office/drawing/2014/main" id="{6A511DE9-B1BE-471C-9A31-53893E7158DC}"/>
+                      </a:ext>
+                    </a:extLst>
+                  </p14:cNvPr>
+                  <p14:cNvContentPartPr/>
+                  <p14:nvPr/>
+                </p14:nvContentPartPr>
+                <p14:xfrm>
+                  <a:off x="2231820" y="3238170"/>
+                  <a:ext cx="360" cy="360"/>
+                </p14:xfrm>
+              </p:contentPart>
+            </mc:Choice>
+            <mc:Fallback>
+              <p:pic>
+                <p:nvPicPr>
+                  <p:cNvPr id="50" name="Input penna 49">
+                    <a:extLst>
+                      <a:ext uri="{FF2B5EF4-FFF2-40B4-BE49-F238E27FC236}">
+                        <a16:creationId xmlns:a16="http://schemas.microsoft.com/office/drawing/2014/main" id="{6A511DE9-B1BE-471C-9A31-53893E7158DC}"/>
+                      </a:ext>
+                    </a:extLst>
+                  </p:cNvPr>
+                  <p:cNvPicPr/>
+                  <p:nvPr/>
+                </p:nvPicPr>
+                <p:blipFill>
+                  <a:blip r:embed="rId16"/>
+                  <a:stretch>
+                    <a:fillRect/>
+                  </a:stretch>
+                </p:blipFill>
+                <p:spPr>
+                  <a:xfrm>
+                    <a:off x="2214180" y="3220530"/>
+                    <a:ext cx="36000" cy="36000"/>
+                  </a:xfrm>
+                  <a:prstGeom prst="rect">
+                    <a:avLst/>
+                  </a:prstGeom>
+                </p:spPr>
+              </p:pic>
+            </mc:Fallback>
+          </mc:AlternateContent>
+        </p:grpSp>
+      </p:grpSp>
     </p:spTree>
     <p:extLst>
       <p:ext uri="{BB962C8B-B14F-4D97-AF65-F5344CB8AC3E}">
